--- a/EM-Explanation/Méthode Probabiliste.pptx
+++ b/EM-Explanation/Méthode Probabiliste.pptx
@@ -9557,13 +9557,13 @@
   <p:clrMapOvr>
     <a:masterClrMapping/>
   </p:clrMapOvr>
-  <mc:AlternateContent xmlns:mc="http://schemas.openxmlformats.org/markup-compatibility/2006" xmlns:p14="http://schemas.microsoft.com/office/powerpoint/2010/main">
-    <mc:Choice Requires="p14">
+  <mc:AlternateContent xmlns:mc="http://schemas.openxmlformats.org/markup-compatibility/2006">
+    <mc:Choice xmlns:p14="http://schemas.microsoft.com/office/powerpoint/2010/main" Requires="p14">
       <p:transition spd="med" p14:dur="700">
         <p:fade/>
       </p:transition>
     </mc:Choice>
-    <mc:Fallback xmlns="">
+    <mc:Fallback>
       <p:transition spd="med">
         <p:fade/>
       </p:transition>
@@ -9622,8 +9622,8 @@
           </a:p>
         </p:txBody>
       </p:sp>
-      <mc:AlternateContent xmlns:mc="http://schemas.openxmlformats.org/markup-compatibility/2006">
-        <mc:Choice xmlns:a14="http://schemas.microsoft.com/office/drawing/2010/main" Requires="a14">
+      <mc:AlternateContent xmlns:mc="http://schemas.openxmlformats.org/markup-compatibility/2006" xmlns:a14="http://schemas.microsoft.com/office/drawing/2010/main">
+        <mc:Choice Requires="a14">
           <p:sp>
             <p:nvSpPr>
               <p:cNvPr id="14" name="Content Placeholder 13"/>
@@ -10050,7 +10050,7 @@
             </p:txBody>
           </p:sp>
         </mc:Choice>
-        <mc:Fallback>
+        <mc:Fallback xmlns="">
           <p:sp>
             <p:nvSpPr>
               <p:cNvPr id="14" name="Content Placeholder 13"/>
@@ -10098,18 +10098,576 @@
   <p:clrMapOvr>
     <a:masterClrMapping/>
   </p:clrMapOvr>
-  <mc:AlternateContent xmlns:mc="http://schemas.openxmlformats.org/markup-compatibility/2006">
-    <mc:Choice xmlns:p14="http://schemas.microsoft.com/office/powerpoint/2010/main" Requires="p14">
+  <mc:AlternateContent xmlns:mc="http://schemas.openxmlformats.org/markup-compatibility/2006" xmlns:p14="http://schemas.microsoft.com/office/powerpoint/2010/main">
+    <mc:Choice Requires="p14">
       <p:transition spd="med" p14:dur="700">
         <p:fade/>
       </p:transition>
     </mc:Choice>
-    <mc:Fallback>
+    <mc:Fallback xmlns="">
       <p:transition spd="med">
         <p:fade/>
       </p:transition>
     </mc:Fallback>
   </mc:AlternateContent>
+  <p:timing>
+    <p:tnLst>
+      <p:par>
+        <p:cTn id="1" dur="indefinite" restart="never" nodeType="tmRoot">
+          <p:childTnLst>
+            <p:seq concurrent="1" nextAc="seek">
+              <p:cTn id="2" dur="indefinite" nodeType="mainSeq">
+                <p:childTnLst>
+                  <p:par>
+                    <p:cTn id="3" fill="hold">
+                      <p:stCondLst>
+                        <p:cond delay="indefinite"/>
+                        <p:cond evt="onBegin" delay="0">
+                          <p:tn val="2"/>
+                        </p:cond>
+                      </p:stCondLst>
+                      <p:childTnLst>
+                        <p:par>
+                          <p:cTn id="4" fill="hold">
+                            <p:stCondLst>
+                              <p:cond delay="0"/>
+                            </p:stCondLst>
+                            <p:childTnLst>
+                              <p:par>
+                                <p:cTn id="5" presetID="10" presetClass="entr" presetSubtype="0" fill="hold" grpId="0" nodeType="withEffect">
+                                  <p:stCondLst>
+                                    <p:cond delay="0"/>
+                                  </p:stCondLst>
+                                  <p:childTnLst>
+                                    <p:set>
+                                      <p:cBhvr>
+                                        <p:cTn id="6" dur="1" fill="hold">
+                                          <p:stCondLst>
+                                            <p:cond delay="0"/>
+                                          </p:stCondLst>
+                                        </p:cTn>
+                                        <p:tgtEl>
+                                          <p:spTgt spid="13"/>
+                                        </p:tgtEl>
+                                        <p:attrNameLst>
+                                          <p:attrName>style.visibility</p:attrName>
+                                        </p:attrNameLst>
+                                      </p:cBhvr>
+                                      <p:to>
+                                        <p:strVal val="visible"/>
+                                      </p:to>
+                                    </p:set>
+                                    <p:animEffect transition="in" filter="fade">
+                                      <p:cBhvr>
+                                        <p:cTn id="7" dur="500"/>
+                                        <p:tgtEl>
+                                          <p:spTgt spid="13"/>
+                                        </p:tgtEl>
+                                      </p:cBhvr>
+                                    </p:animEffect>
+                                  </p:childTnLst>
+                                </p:cTn>
+                              </p:par>
+                            </p:childTnLst>
+                          </p:cTn>
+                        </p:par>
+                        <p:par>
+                          <p:cTn id="8" fill="hold">
+                            <p:stCondLst>
+                              <p:cond delay="500"/>
+                            </p:stCondLst>
+                            <p:childTnLst>
+                              <p:par>
+                                <p:cTn id="9" presetID="10" presetClass="entr" presetSubtype="0" fill="hold" grpId="0" nodeType="afterEffect">
+                                  <p:stCondLst>
+                                    <p:cond delay="0"/>
+                                  </p:stCondLst>
+                                  <p:childTnLst>
+                                    <p:set>
+                                      <p:cBhvr>
+                                        <p:cTn id="10" dur="1" fill="hold">
+                                          <p:stCondLst>
+                                            <p:cond delay="0"/>
+                                          </p:stCondLst>
+                                        </p:cTn>
+                                        <p:tgtEl>
+                                          <p:spTgt spid="14">
+                                            <p:txEl>
+                                              <p:pRg st="0" end="0"/>
+                                            </p:txEl>
+                                          </p:spTgt>
+                                        </p:tgtEl>
+                                        <p:attrNameLst>
+                                          <p:attrName>style.visibility</p:attrName>
+                                        </p:attrNameLst>
+                                      </p:cBhvr>
+                                      <p:to>
+                                        <p:strVal val="visible"/>
+                                      </p:to>
+                                    </p:set>
+                                    <p:animEffect transition="in" filter="fade">
+                                      <p:cBhvr>
+                                        <p:cTn id="11" dur="500"/>
+                                        <p:tgtEl>
+                                          <p:spTgt spid="14">
+                                            <p:txEl>
+                                              <p:pRg st="0" end="0"/>
+                                            </p:txEl>
+                                          </p:spTgt>
+                                        </p:tgtEl>
+                                      </p:cBhvr>
+                                    </p:animEffect>
+                                  </p:childTnLst>
+                                </p:cTn>
+                              </p:par>
+                            </p:childTnLst>
+                          </p:cTn>
+                        </p:par>
+                        <p:par>
+                          <p:cTn id="12" fill="hold">
+                            <p:stCondLst>
+                              <p:cond delay="1000"/>
+                            </p:stCondLst>
+                            <p:childTnLst>
+                              <p:par>
+                                <p:cTn id="13" presetID="10" presetClass="entr" presetSubtype="0" fill="hold" grpId="0" nodeType="afterEffect">
+                                  <p:stCondLst>
+                                    <p:cond delay="0"/>
+                                  </p:stCondLst>
+                                  <p:childTnLst>
+                                    <p:set>
+                                      <p:cBhvr>
+                                        <p:cTn id="14" dur="1" fill="hold">
+                                          <p:stCondLst>
+                                            <p:cond delay="0"/>
+                                          </p:stCondLst>
+                                        </p:cTn>
+                                        <p:tgtEl>
+                                          <p:spTgt spid="14">
+                                            <p:txEl>
+                                              <p:pRg st="1" end="1"/>
+                                            </p:txEl>
+                                          </p:spTgt>
+                                        </p:tgtEl>
+                                        <p:attrNameLst>
+                                          <p:attrName>style.visibility</p:attrName>
+                                        </p:attrNameLst>
+                                      </p:cBhvr>
+                                      <p:to>
+                                        <p:strVal val="visible"/>
+                                      </p:to>
+                                    </p:set>
+                                    <p:animEffect transition="in" filter="fade">
+                                      <p:cBhvr>
+                                        <p:cTn id="15" dur="500"/>
+                                        <p:tgtEl>
+                                          <p:spTgt spid="14">
+                                            <p:txEl>
+                                              <p:pRg st="1" end="1"/>
+                                            </p:txEl>
+                                          </p:spTgt>
+                                        </p:tgtEl>
+                                      </p:cBhvr>
+                                    </p:animEffect>
+                                  </p:childTnLst>
+                                </p:cTn>
+                              </p:par>
+                            </p:childTnLst>
+                          </p:cTn>
+                        </p:par>
+                        <p:par>
+                          <p:cTn id="16" fill="hold">
+                            <p:stCondLst>
+                              <p:cond delay="1500"/>
+                            </p:stCondLst>
+                            <p:childTnLst>
+                              <p:par>
+                                <p:cTn id="17" presetID="10" presetClass="entr" presetSubtype="0" fill="hold" grpId="0" nodeType="afterEffect">
+                                  <p:stCondLst>
+                                    <p:cond delay="0"/>
+                                  </p:stCondLst>
+                                  <p:childTnLst>
+                                    <p:set>
+                                      <p:cBhvr>
+                                        <p:cTn id="18" dur="1" fill="hold">
+                                          <p:stCondLst>
+                                            <p:cond delay="0"/>
+                                          </p:stCondLst>
+                                        </p:cTn>
+                                        <p:tgtEl>
+                                          <p:spTgt spid="14">
+                                            <p:txEl>
+                                              <p:pRg st="2" end="2"/>
+                                            </p:txEl>
+                                          </p:spTgt>
+                                        </p:tgtEl>
+                                        <p:attrNameLst>
+                                          <p:attrName>style.visibility</p:attrName>
+                                        </p:attrNameLst>
+                                      </p:cBhvr>
+                                      <p:to>
+                                        <p:strVal val="visible"/>
+                                      </p:to>
+                                    </p:set>
+                                    <p:animEffect transition="in" filter="fade">
+                                      <p:cBhvr>
+                                        <p:cTn id="19" dur="500"/>
+                                        <p:tgtEl>
+                                          <p:spTgt spid="14">
+                                            <p:txEl>
+                                              <p:pRg st="2" end="2"/>
+                                            </p:txEl>
+                                          </p:spTgt>
+                                        </p:tgtEl>
+                                      </p:cBhvr>
+                                    </p:animEffect>
+                                  </p:childTnLst>
+                                </p:cTn>
+                              </p:par>
+                            </p:childTnLst>
+                          </p:cTn>
+                        </p:par>
+                        <p:par>
+                          <p:cTn id="20" fill="hold">
+                            <p:stCondLst>
+                              <p:cond delay="2000"/>
+                            </p:stCondLst>
+                            <p:childTnLst>
+                              <p:par>
+                                <p:cTn id="21" presetID="10" presetClass="entr" presetSubtype="0" fill="hold" grpId="0" nodeType="afterEffect">
+                                  <p:stCondLst>
+                                    <p:cond delay="0"/>
+                                  </p:stCondLst>
+                                  <p:childTnLst>
+                                    <p:set>
+                                      <p:cBhvr>
+                                        <p:cTn id="22" dur="1" fill="hold">
+                                          <p:stCondLst>
+                                            <p:cond delay="0"/>
+                                          </p:stCondLst>
+                                        </p:cTn>
+                                        <p:tgtEl>
+                                          <p:spTgt spid="14">
+                                            <p:txEl>
+                                              <p:pRg st="3" end="3"/>
+                                            </p:txEl>
+                                          </p:spTgt>
+                                        </p:tgtEl>
+                                        <p:attrNameLst>
+                                          <p:attrName>style.visibility</p:attrName>
+                                        </p:attrNameLst>
+                                      </p:cBhvr>
+                                      <p:to>
+                                        <p:strVal val="visible"/>
+                                      </p:to>
+                                    </p:set>
+                                    <p:animEffect transition="in" filter="fade">
+                                      <p:cBhvr>
+                                        <p:cTn id="23" dur="500"/>
+                                        <p:tgtEl>
+                                          <p:spTgt spid="14">
+                                            <p:txEl>
+                                              <p:pRg st="3" end="3"/>
+                                            </p:txEl>
+                                          </p:spTgt>
+                                        </p:tgtEl>
+                                      </p:cBhvr>
+                                    </p:animEffect>
+                                  </p:childTnLst>
+                                </p:cTn>
+                              </p:par>
+                            </p:childTnLst>
+                          </p:cTn>
+                        </p:par>
+                        <p:par>
+                          <p:cTn id="24" fill="hold">
+                            <p:stCondLst>
+                              <p:cond delay="2500"/>
+                            </p:stCondLst>
+                            <p:childTnLst>
+                              <p:par>
+                                <p:cTn id="25" presetID="10" presetClass="entr" presetSubtype="0" fill="hold" grpId="0" nodeType="afterEffect">
+                                  <p:stCondLst>
+                                    <p:cond delay="0"/>
+                                  </p:stCondLst>
+                                  <p:childTnLst>
+                                    <p:set>
+                                      <p:cBhvr>
+                                        <p:cTn id="26" dur="1" fill="hold">
+                                          <p:stCondLst>
+                                            <p:cond delay="0"/>
+                                          </p:stCondLst>
+                                        </p:cTn>
+                                        <p:tgtEl>
+                                          <p:spTgt spid="14">
+                                            <p:txEl>
+                                              <p:pRg st="4" end="4"/>
+                                            </p:txEl>
+                                          </p:spTgt>
+                                        </p:tgtEl>
+                                        <p:attrNameLst>
+                                          <p:attrName>style.visibility</p:attrName>
+                                        </p:attrNameLst>
+                                      </p:cBhvr>
+                                      <p:to>
+                                        <p:strVal val="visible"/>
+                                      </p:to>
+                                    </p:set>
+                                    <p:animEffect transition="in" filter="fade">
+                                      <p:cBhvr>
+                                        <p:cTn id="27" dur="500"/>
+                                        <p:tgtEl>
+                                          <p:spTgt spid="14">
+                                            <p:txEl>
+                                              <p:pRg st="4" end="4"/>
+                                            </p:txEl>
+                                          </p:spTgt>
+                                        </p:tgtEl>
+                                      </p:cBhvr>
+                                    </p:animEffect>
+                                  </p:childTnLst>
+                                </p:cTn>
+                              </p:par>
+                            </p:childTnLst>
+                          </p:cTn>
+                        </p:par>
+                        <p:par>
+                          <p:cTn id="28" fill="hold">
+                            <p:stCondLst>
+                              <p:cond delay="3000"/>
+                            </p:stCondLst>
+                            <p:childTnLst>
+                              <p:par>
+                                <p:cTn id="29" presetID="10" presetClass="entr" presetSubtype="0" fill="hold" grpId="0" nodeType="afterEffect">
+                                  <p:stCondLst>
+                                    <p:cond delay="0"/>
+                                  </p:stCondLst>
+                                  <p:childTnLst>
+                                    <p:set>
+                                      <p:cBhvr>
+                                        <p:cTn id="30" dur="1" fill="hold">
+                                          <p:stCondLst>
+                                            <p:cond delay="0"/>
+                                          </p:stCondLst>
+                                        </p:cTn>
+                                        <p:tgtEl>
+                                          <p:spTgt spid="14">
+                                            <p:txEl>
+                                              <p:pRg st="5" end="5"/>
+                                            </p:txEl>
+                                          </p:spTgt>
+                                        </p:tgtEl>
+                                        <p:attrNameLst>
+                                          <p:attrName>style.visibility</p:attrName>
+                                        </p:attrNameLst>
+                                      </p:cBhvr>
+                                      <p:to>
+                                        <p:strVal val="visible"/>
+                                      </p:to>
+                                    </p:set>
+                                    <p:animEffect transition="in" filter="fade">
+                                      <p:cBhvr>
+                                        <p:cTn id="31" dur="500"/>
+                                        <p:tgtEl>
+                                          <p:spTgt spid="14">
+                                            <p:txEl>
+                                              <p:pRg st="5" end="5"/>
+                                            </p:txEl>
+                                          </p:spTgt>
+                                        </p:tgtEl>
+                                      </p:cBhvr>
+                                    </p:animEffect>
+                                  </p:childTnLst>
+                                </p:cTn>
+                              </p:par>
+                            </p:childTnLst>
+                          </p:cTn>
+                        </p:par>
+                        <p:par>
+                          <p:cTn id="32" fill="hold">
+                            <p:stCondLst>
+                              <p:cond delay="3500"/>
+                            </p:stCondLst>
+                            <p:childTnLst>
+                              <p:par>
+                                <p:cTn id="33" presetID="10" presetClass="entr" presetSubtype="0" fill="hold" grpId="0" nodeType="afterEffect">
+                                  <p:stCondLst>
+                                    <p:cond delay="0"/>
+                                  </p:stCondLst>
+                                  <p:childTnLst>
+                                    <p:set>
+                                      <p:cBhvr>
+                                        <p:cTn id="34" dur="1" fill="hold">
+                                          <p:stCondLst>
+                                            <p:cond delay="0"/>
+                                          </p:stCondLst>
+                                        </p:cTn>
+                                        <p:tgtEl>
+                                          <p:spTgt spid="14">
+                                            <p:txEl>
+                                              <p:pRg st="6" end="6"/>
+                                            </p:txEl>
+                                          </p:spTgt>
+                                        </p:tgtEl>
+                                        <p:attrNameLst>
+                                          <p:attrName>style.visibility</p:attrName>
+                                        </p:attrNameLst>
+                                      </p:cBhvr>
+                                      <p:to>
+                                        <p:strVal val="visible"/>
+                                      </p:to>
+                                    </p:set>
+                                    <p:animEffect transition="in" filter="fade">
+                                      <p:cBhvr>
+                                        <p:cTn id="35" dur="500"/>
+                                        <p:tgtEl>
+                                          <p:spTgt spid="14">
+                                            <p:txEl>
+                                              <p:pRg st="6" end="6"/>
+                                            </p:txEl>
+                                          </p:spTgt>
+                                        </p:tgtEl>
+                                      </p:cBhvr>
+                                    </p:animEffect>
+                                  </p:childTnLst>
+                                </p:cTn>
+                              </p:par>
+                            </p:childTnLst>
+                          </p:cTn>
+                        </p:par>
+                        <p:par>
+                          <p:cTn id="36" fill="hold">
+                            <p:stCondLst>
+                              <p:cond delay="4000"/>
+                            </p:stCondLst>
+                            <p:childTnLst>
+                              <p:par>
+                                <p:cTn id="37" presetID="10" presetClass="entr" presetSubtype="0" fill="hold" grpId="0" nodeType="afterEffect">
+                                  <p:stCondLst>
+                                    <p:cond delay="0"/>
+                                  </p:stCondLst>
+                                  <p:childTnLst>
+                                    <p:set>
+                                      <p:cBhvr>
+                                        <p:cTn id="38" dur="1" fill="hold">
+                                          <p:stCondLst>
+                                            <p:cond delay="0"/>
+                                          </p:stCondLst>
+                                        </p:cTn>
+                                        <p:tgtEl>
+                                          <p:spTgt spid="14">
+                                            <p:txEl>
+                                              <p:pRg st="7" end="7"/>
+                                            </p:txEl>
+                                          </p:spTgt>
+                                        </p:tgtEl>
+                                        <p:attrNameLst>
+                                          <p:attrName>style.visibility</p:attrName>
+                                        </p:attrNameLst>
+                                      </p:cBhvr>
+                                      <p:to>
+                                        <p:strVal val="visible"/>
+                                      </p:to>
+                                    </p:set>
+                                    <p:animEffect transition="in" filter="fade">
+                                      <p:cBhvr>
+                                        <p:cTn id="39" dur="500"/>
+                                        <p:tgtEl>
+                                          <p:spTgt spid="14">
+                                            <p:txEl>
+                                              <p:pRg st="7" end="7"/>
+                                            </p:txEl>
+                                          </p:spTgt>
+                                        </p:tgtEl>
+                                      </p:cBhvr>
+                                    </p:animEffect>
+                                  </p:childTnLst>
+                                </p:cTn>
+                              </p:par>
+                            </p:childTnLst>
+                          </p:cTn>
+                        </p:par>
+                        <p:par>
+                          <p:cTn id="40" fill="hold">
+                            <p:stCondLst>
+                              <p:cond delay="4500"/>
+                            </p:stCondLst>
+                            <p:childTnLst>
+                              <p:par>
+                                <p:cTn id="41" presetID="10" presetClass="entr" presetSubtype="0" fill="hold" grpId="0" nodeType="afterEffect">
+                                  <p:stCondLst>
+                                    <p:cond delay="0"/>
+                                  </p:stCondLst>
+                                  <p:childTnLst>
+                                    <p:set>
+                                      <p:cBhvr>
+                                        <p:cTn id="42" dur="1" fill="hold">
+                                          <p:stCondLst>
+                                            <p:cond delay="0"/>
+                                          </p:stCondLst>
+                                        </p:cTn>
+                                        <p:tgtEl>
+                                          <p:spTgt spid="14">
+                                            <p:txEl>
+                                              <p:pRg st="8" end="8"/>
+                                            </p:txEl>
+                                          </p:spTgt>
+                                        </p:tgtEl>
+                                        <p:attrNameLst>
+                                          <p:attrName>style.visibility</p:attrName>
+                                        </p:attrNameLst>
+                                      </p:cBhvr>
+                                      <p:to>
+                                        <p:strVal val="visible"/>
+                                      </p:to>
+                                    </p:set>
+                                    <p:animEffect transition="in" filter="fade">
+                                      <p:cBhvr>
+                                        <p:cTn id="43" dur="500"/>
+                                        <p:tgtEl>
+                                          <p:spTgt spid="14">
+                                            <p:txEl>
+                                              <p:pRg st="8" end="8"/>
+                                            </p:txEl>
+                                          </p:spTgt>
+                                        </p:tgtEl>
+                                      </p:cBhvr>
+                                    </p:animEffect>
+                                  </p:childTnLst>
+                                </p:cTn>
+                              </p:par>
+                            </p:childTnLst>
+                          </p:cTn>
+                        </p:par>
+                      </p:childTnLst>
+                    </p:cTn>
+                  </p:par>
+                </p:childTnLst>
+              </p:cTn>
+              <p:prevCondLst>
+                <p:cond evt="onPrev" delay="0">
+                  <p:tgtEl>
+                    <p:sldTgt/>
+                  </p:tgtEl>
+                </p:cond>
+              </p:prevCondLst>
+              <p:nextCondLst>
+                <p:cond evt="onNext" delay="0">
+                  <p:tgtEl>
+                    <p:sldTgt/>
+                  </p:tgtEl>
+                </p:cond>
+              </p:nextCondLst>
+            </p:seq>
+          </p:childTnLst>
+        </p:cTn>
+      </p:par>
+    </p:tnLst>
+    <p:bldLst>
+      <p:bldP spid="13" grpId="0"/>
+      <p:bldP spid="14" grpId="0" build="p"/>
+    </p:bldLst>
+  </p:timing>
 </p:sld>
 </file>
 
@@ -10199,6 +10757,95 @@
       </p:transition>
     </mc:Fallback>
   </mc:AlternateContent>
+  <p:timing>
+    <p:tnLst>
+      <p:par>
+        <p:cTn id="1" dur="indefinite" restart="never" nodeType="tmRoot">
+          <p:childTnLst>
+            <p:seq concurrent="1" nextAc="seek">
+              <p:cTn id="2" dur="indefinite" nodeType="mainSeq">
+                <p:childTnLst>
+                  <p:par>
+                    <p:cTn id="3" fill="hold">
+                      <p:stCondLst>
+                        <p:cond delay="indefinite"/>
+                        <p:cond evt="onBegin" delay="0">
+                          <p:tn val="2"/>
+                        </p:cond>
+                      </p:stCondLst>
+                      <p:childTnLst>
+                        <p:par>
+                          <p:cTn id="4" fill="hold">
+                            <p:stCondLst>
+                              <p:cond delay="0"/>
+                            </p:stCondLst>
+                            <p:childTnLst>
+                              <p:par>
+                                <p:cTn id="5" presetID="10" presetClass="entr" presetSubtype="0" fill="hold" grpId="0" nodeType="withEffect">
+                                  <p:stCondLst>
+                                    <p:cond delay="0"/>
+                                  </p:stCondLst>
+                                  <p:childTnLst>
+                                    <p:set>
+                                      <p:cBhvr>
+                                        <p:cTn id="6" dur="1" fill="hold">
+                                          <p:stCondLst>
+                                            <p:cond delay="0"/>
+                                          </p:stCondLst>
+                                        </p:cTn>
+                                        <p:tgtEl>
+                                          <p:spTgt spid="2"/>
+                                        </p:tgtEl>
+                                        <p:attrNameLst>
+                                          <p:attrName>style.visibility</p:attrName>
+                                        </p:attrNameLst>
+                                      </p:cBhvr>
+                                      <p:to>
+                                        <p:strVal val="visible"/>
+                                      </p:to>
+                                    </p:set>
+                                    <p:animEffect transition="in" filter="fade">
+                                      <p:cBhvr>
+                                        <p:cTn id="7" dur="500"/>
+                                        <p:tgtEl>
+                                          <p:spTgt spid="2"/>
+                                        </p:tgtEl>
+                                      </p:cBhvr>
+                                    </p:animEffect>
+                                  </p:childTnLst>
+                                </p:cTn>
+                              </p:par>
+                            </p:childTnLst>
+                          </p:cTn>
+                        </p:par>
+                      </p:childTnLst>
+                    </p:cTn>
+                  </p:par>
+                </p:childTnLst>
+              </p:cTn>
+              <p:prevCondLst>
+                <p:cond evt="onPrev" delay="0">
+                  <p:tgtEl>
+                    <p:sldTgt/>
+                  </p:tgtEl>
+                </p:cond>
+              </p:prevCondLst>
+              <p:nextCondLst>
+                <p:cond evt="onNext" delay="0">
+                  <p:tgtEl>
+                    <p:sldTgt/>
+                  </p:tgtEl>
+                </p:cond>
+              </p:nextCondLst>
+            </p:seq>
+          </p:childTnLst>
+        </p:cTn>
+      </p:par>
+    </p:tnLst>
+    <p:bldLst>
+      <p:bldP spid="2" grpId="0"/>
+    </p:bldLst>
+  </p:timing>
 </p:sld>
 </file>
 
@@ -10317,6 +10964,139 @@
       </p:transition>
     </mc:Fallback>
   </mc:AlternateContent>
+  <p:timing>
+    <p:tnLst>
+      <p:par>
+        <p:cTn id="1" dur="indefinite" restart="never" nodeType="tmRoot">
+          <p:childTnLst>
+            <p:seq concurrent="1" nextAc="seek">
+              <p:cTn id="2" dur="indefinite" nodeType="mainSeq">
+                <p:childTnLst>
+                  <p:par>
+                    <p:cTn id="3" fill="hold">
+                      <p:stCondLst>
+                        <p:cond delay="indefinite"/>
+                        <p:cond evt="onBegin" delay="0">
+                          <p:tn val="2"/>
+                        </p:cond>
+                      </p:stCondLst>
+                      <p:childTnLst>
+                        <p:par>
+                          <p:cTn id="4" fill="hold">
+                            <p:stCondLst>
+                              <p:cond delay="0"/>
+                            </p:stCondLst>
+                            <p:childTnLst>
+                              <p:par>
+                                <p:cTn id="5" presetID="10" presetClass="entr" presetSubtype="0" fill="hold" grpId="0" nodeType="withEffect">
+                                  <p:stCondLst>
+                                    <p:cond delay="0"/>
+                                  </p:stCondLst>
+                                  <p:childTnLst>
+                                    <p:set>
+                                      <p:cBhvr>
+                                        <p:cTn id="6" dur="1" fill="hold">
+                                          <p:stCondLst>
+                                            <p:cond delay="0"/>
+                                          </p:stCondLst>
+                                        </p:cTn>
+                                        <p:tgtEl>
+                                          <p:spTgt spid="4"/>
+                                        </p:tgtEl>
+                                        <p:attrNameLst>
+                                          <p:attrName>style.visibility</p:attrName>
+                                        </p:attrNameLst>
+                                      </p:cBhvr>
+                                      <p:to>
+                                        <p:strVal val="visible"/>
+                                      </p:to>
+                                    </p:set>
+                                    <p:animEffect transition="in" filter="fade">
+                                      <p:cBhvr>
+                                        <p:cTn id="7" dur="500"/>
+                                        <p:tgtEl>
+                                          <p:spTgt spid="4"/>
+                                        </p:tgtEl>
+                                      </p:cBhvr>
+                                    </p:animEffect>
+                                  </p:childTnLst>
+                                </p:cTn>
+                              </p:par>
+                            </p:childTnLst>
+                          </p:cTn>
+                        </p:par>
+                        <p:par>
+                          <p:cTn id="8" fill="hold">
+                            <p:stCondLst>
+                              <p:cond delay="500"/>
+                            </p:stCondLst>
+                            <p:childTnLst>
+                              <p:par>
+                                <p:cTn id="9" presetID="10" presetClass="entr" presetSubtype="0" fill="hold" nodeType="afterEffect">
+                                  <p:stCondLst>
+                                    <p:cond delay="0"/>
+                                  </p:stCondLst>
+                                  <p:childTnLst>
+                                    <p:set>
+                                      <p:cBhvr>
+                                        <p:cTn id="10" dur="1" fill="hold">
+                                          <p:stCondLst>
+                                            <p:cond delay="0"/>
+                                          </p:stCondLst>
+                                        </p:cTn>
+                                        <p:tgtEl>
+                                          <p:spTgt spid="8"/>
+                                        </p:tgtEl>
+                                        <p:attrNameLst>
+                                          <p:attrName>style.visibility</p:attrName>
+                                        </p:attrNameLst>
+                                      </p:cBhvr>
+                                      <p:to>
+                                        <p:strVal val="visible"/>
+                                      </p:to>
+                                    </p:set>
+                                    <p:animEffect transition="in" filter="fade">
+                                      <p:cBhvr>
+                                        <p:cTn id="11" dur="500"/>
+                                        <p:tgtEl>
+                                          <p:spTgt spid="8"/>
+                                        </p:tgtEl>
+                                      </p:cBhvr>
+                                    </p:animEffect>
+                                  </p:childTnLst>
+                                </p:cTn>
+                              </p:par>
+                            </p:childTnLst>
+                          </p:cTn>
+                        </p:par>
+                      </p:childTnLst>
+                    </p:cTn>
+                  </p:par>
+                </p:childTnLst>
+              </p:cTn>
+              <p:prevCondLst>
+                <p:cond evt="onPrev" delay="0">
+                  <p:tgtEl>
+                    <p:sldTgt/>
+                  </p:tgtEl>
+                </p:cond>
+              </p:prevCondLst>
+              <p:nextCondLst>
+                <p:cond evt="onNext" delay="0">
+                  <p:tgtEl>
+                    <p:sldTgt/>
+                  </p:tgtEl>
+                </p:cond>
+              </p:nextCondLst>
+            </p:seq>
+          </p:childTnLst>
+        </p:cTn>
+      </p:par>
+    </p:tnLst>
+    <p:bldLst>
+      <p:bldP spid="4" grpId="0"/>
+    </p:bldLst>
+  </p:timing>
 </p:sld>
 </file>
 
@@ -10434,18 +11214,151 @@
   <p:clrMapOvr>
     <a:masterClrMapping/>
   </p:clrMapOvr>
-  <mc:AlternateContent xmlns:mc="http://schemas.openxmlformats.org/markup-compatibility/2006">
-    <mc:Choice xmlns:p14="http://schemas.microsoft.com/office/powerpoint/2010/main" Requires="p14">
+  <mc:AlternateContent xmlns:mc="http://schemas.openxmlformats.org/markup-compatibility/2006" xmlns:p14="http://schemas.microsoft.com/office/powerpoint/2010/main">
+    <mc:Choice Requires="p14">
       <p:transition spd="med" p14:dur="700">
         <p:fade/>
       </p:transition>
     </mc:Choice>
-    <mc:Fallback>
+    <mc:Fallback xmlns="">
       <p:transition spd="med">
         <p:fade/>
       </p:transition>
     </mc:Fallback>
   </mc:AlternateContent>
+  <p:timing>
+    <p:tnLst>
+      <p:par>
+        <p:cTn id="1" dur="indefinite" restart="never" nodeType="tmRoot">
+          <p:childTnLst>
+            <p:seq concurrent="1" nextAc="seek">
+              <p:cTn id="2" dur="indefinite" nodeType="mainSeq">
+                <p:childTnLst>
+                  <p:par>
+                    <p:cTn id="3" fill="hold">
+                      <p:stCondLst>
+                        <p:cond delay="indefinite"/>
+                        <p:cond evt="onBegin" delay="0">
+                          <p:tn val="2"/>
+                        </p:cond>
+                      </p:stCondLst>
+                      <p:childTnLst>
+                        <p:par>
+                          <p:cTn id="4" fill="hold">
+                            <p:stCondLst>
+                              <p:cond delay="0"/>
+                            </p:stCondLst>
+                            <p:childTnLst>
+                              <p:par>
+                                <p:cTn id="5" presetID="10" presetClass="entr" presetSubtype="0" fill="hold" grpId="0" nodeType="withEffect">
+                                  <p:stCondLst>
+                                    <p:cond delay="0"/>
+                                  </p:stCondLst>
+                                  <p:childTnLst>
+                                    <p:set>
+                                      <p:cBhvr>
+                                        <p:cTn id="6" dur="1" fill="hold">
+                                          <p:stCondLst>
+                                            <p:cond delay="0"/>
+                                          </p:stCondLst>
+                                        </p:cTn>
+                                        <p:tgtEl>
+                                          <p:spTgt spid="4"/>
+                                        </p:tgtEl>
+                                        <p:attrNameLst>
+                                          <p:attrName>style.visibility</p:attrName>
+                                        </p:attrNameLst>
+                                      </p:cBhvr>
+                                      <p:to>
+                                        <p:strVal val="visible"/>
+                                      </p:to>
+                                    </p:set>
+                                    <p:animEffect transition="in" filter="fade">
+                                      <p:cBhvr>
+                                        <p:cTn id="7" dur="500"/>
+                                        <p:tgtEl>
+                                          <p:spTgt spid="4"/>
+                                        </p:tgtEl>
+                                      </p:cBhvr>
+                                    </p:animEffect>
+                                  </p:childTnLst>
+                                </p:cTn>
+                              </p:par>
+                            </p:childTnLst>
+                          </p:cTn>
+                        </p:par>
+                        <p:par>
+                          <p:cTn id="8" fill="hold">
+                            <p:stCondLst>
+                              <p:cond delay="500"/>
+                            </p:stCondLst>
+                            <p:childTnLst>
+                              <p:par>
+                                <p:cTn id="9" presetID="10" presetClass="entr" presetSubtype="0" fill="hold" nodeType="afterEffect">
+                                  <p:stCondLst>
+                                    <p:cond delay="0"/>
+                                  </p:stCondLst>
+                                  <p:childTnLst>
+                                    <p:set>
+                                      <p:cBhvr>
+                                        <p:cTn id="10" dur="1" fill="hold">
+                                          <p:stCondLst>
+                                            <p:cond delay="0"/>
+                                          </p:stCondLst>
+                                        </p:cTn>
+                                        <p:tgtEl>
+                                          <p:spTgt spid="3"/>
+                                        </p:tgtEl>
+                                        <p:attrNameLst>
+                                          <p:attrName>style.visibility</p:attrName>
+                                        </p:attrNameLst>
+                                      </p:cBhvr>
+                                      <p:to>
+                                        <p:strVal val="visible"/>
+                                      </p:to>
+                                    </p:set>
+                                    <p:animEffect transition="in" filter="fade">
+                                      <p:cBhvr>
+                                        <p:cTn id="11" dur="500"/>
+                                        <p:tgtEl>
+                                          <p:spTgt spid="3"/>
+                                        </p:tgtEl>
+                                      </p:cBhvr>
+                                    </p:animEffect>
+                                  </p:childTnLst>
+                                </p:cTn>
+                              </p:par>
+                            </p:childTnLst>
+                          </p:cTn>
+                        </p:par>
+                      </p:childTnLst>
+                    </p:cTn>
+                  </p:par>
+                </p:childTnLst>
+              </p:cTn>
+              <p:prevCondLst>
+                <p:cond evt="onPrev" delay="0">
+                  <p:tgtEl>
+                    <p:sldTgt/>
+                  </p:tgtEl>
+                </p:cond>
+              </p:prevCondLst>
+              <p:nextCondLst>
+                <p:cond evt="onNext" delay="0">
+                  <p:tgtEl>
+                    <p:sldTgt/>
+                  </p:tgtEl>
+                </p:cond>
+              </p:nextCondLst>
+            </p:seq>
+          </p:childTnLst>
+        </p:cTn>
+      </p:par>
+    </p:tnLst>
+    <p:bldLst>
+      <p:bldP spid="4" grpId="0"/>
+    </p:bldLst>
+  </p:timing>
 </p:sld>
 </file>
 
@@ -10550,6 +11463,139 @@
       </p:transition>
     </mc:Fallback>
   </mc:AlternateContent>
+  <p:timing>
+    <p:tnLst>
+      <p:par>
+        <p:cTn id="1" dur="indefinite" restart="never" nodeType="tmRoot">
+          <p:childTnLst>
+            <p:seq concurrent="1" nextAc="seek">
+              <p:cTn id="2" dur="indefinite" nodeType="mainSeq">
+                <p:childTnLst>
+                  <p:par>
+                    <p:cTn id="3" fill="hold">
+                      <p:stCondLst>
+                        <p:cond delay="indefinite"/>
+                        <p:cond evt="onBegin" delay="0">
+                          <p:tn val="2"/>
+                        </p:cond>
+                      </p:stCondLst>
+                      <p:childTnLst>
+                        <p:par>
+                          <p:cTn id="4" fill="hold">
+                            <p:stCondLst>
+                              <p:cond delay="0"/>
+                            </p:stCondLst>
+                            <p:childTnLst>
+                              <p:par>
+                                <p:cTn id="5" presetID="10" presetClass="entr" presetSubtype="0" fill="hold" grpId="0" nodeType="withEffect">
+                                  <p:stCondLst>
+                                    <p:cond delay="0"/>
+                                  </p:stCondLst>
+                                  <p:childTnLst>
+                                    <p:set>
+                                      <p:cBhvr>
+                                        <p:cTn id="6" dur="1" fill="hold">
+                                          <p:stCondLst>
+                                            <p:cond delay="0"/>
+                                          </p:stCondLst>
+                                        </p:cTn>
+                                        <p:tgtEl>
+                                          <p:spTgt spid="2"/>
+                                        </p:tgtEl>
+                                        <p:attrNameLst>
+                                          <p:attrName>style.visibility</p:attrName>
+                                        </p:attrNameLst>
+                                      </p:cBhvr>
+                                      <p:to>
+                                        <p:strVal val="visible"/>
+                                      </p:to>
+                                    </p:set>
+                                    <p:animEffect transition="in" filter="fade">
+                                      <p:cBhvr>
+                                        <p:cTn id="7" dur="500"/>
+                                        <p:tgtEl>
+                                          <p:spTgt spid="2"/>
+                                        </p:tgtEl>
+                                      </p:cBhvr>
+                                    </p:animEffect>
+                                  </p:childTnLst>
+                                </p:cTn>
+                              </p:par>
+                            </p:childTnLst>
+                          </p:cTn>
+                        </p:par>
+                        <p:par>
+                          <p:cTn id="8" fill="hold">
+                            <p:stCondLst>
+                              <p:cond delay="500"/>
+                            </p:stCondLst>
+                            <p:childTnLst>
+                              <p:par>
+                                <p:cTn id="9" presetID="10" presetClass="entr" presetSubtype="0" fill="hold" nodeType="afterEffect">
+                                  <p:stCondLst>
+                                    <p:cond delay="0"/>
+                                  </p:stCondLst>
+                                  <p:childTnLst>
+                                    <p:set>
+                                      <p:cBhvr>
+                                        <p:cTn id="10" dur="1" fill="hold">
+                                          <p:stCondLst>
+                                            <p:cond delay="0"/>
+                                          </p:stCondLst>
+                                        </p:cTn>
+                                        <p:tgtEl>
+                                          <p:spTgt spid="4"/>
+                                        </p:tgtEl>
+                                        <p:attrNameLst>
+                                          <p:attrName>style.visibility</p:attrName>
+                                        </p:attrNameLst>
+                                      </p:cBhvr>
+                                      <p:to>
+                                        <p:strVal val="visible"/>
+                                      </p:to>
+                                    </p:set>
+                                    <p:animEffect transition="in" filter="fade">
+                                      <p:cBhvr>
+                                        <p:cTn id="11" dur="500"/>
+                                        <p:tgtEl>
+                                          <p:spTgt spid="4"/>
+                                        </p:tgtEl>
+                                      </p:cBhvr>
+                                    </p:animEffect>
+                                  </p:childTnLst>
+                                </p:cTn>
+                              </p:par>
+                            </p:childTnLst>
+                          </p:cTn>
+                        </p:par>
+                      </p:childTnLst>
+                    </p:cTn>
+                  </p:par>
+                </p:childTnLst>
+              </p:cTn>
+              <p:prevCondLst>
+                <p:cond evt="onPrev" delay="0">
+                  <p:tgtEl>
+                    <p:sldTgt/>
+                  </p:tgtEl>
+                </p:cond>
+              </p:prevCondLst>
+              <p:nextCondLst>
+                <p:cond evt="onNext" delay="0">
+                  <p:tgtEl>
+                    <p:sldTgt/>
+                  </p:tgtEl>
+                </p:cond>
+              </p:nextCondLst>
+            </p:seq>
+          </p:childTnLst>
+        </p:cTn>
+      </p:par>
+    </p:tnLst>
+    <p:bldLst>
+      <p:bldP spid="2" grpId="0"/>
+    </p:bldLst>
+  </p:timing>
 </p:sld>
 </file>
 
@@ -10642,18 +11688,151 @@
   <p:clrMapOvr>
     <a:masterClrMapping/>
   </p:clrMapOvr>
-  <mc:AlternateContent xmlns:mc="http://schemas.openxmlformats.org/markup-compatibility/2006">
-    <mc:Choice xmlns:p14="http://schemas.microsoft.com/office/powerpoint/2010/main" Requires="p14">
+  <mc:AlternateContent xmlns:mc="http://schemas.openxmlformats.org/markup-compatibility/2006" xmlns:p14="http://schemas.microsoft.com/office/powerpoint/2010/main">
+    <mc:Choice Requires="p14">
       <p:transition spd="med" p14:dur="700">
         <p:fade/>
       </p:transition>
     </mc:Choice>
-    <mc:Fallback>
+    <mc:Fallback xmlns="">
       <p:transition spd="med">
         <p:fade/>
       </p:transition>
     </mc:Fallback>
   </mc:AlternateContent>
+  <p:timing>
+    <p:tnLst>
+      <p:par>
+        <p:cTn id="1" dur="indefinite" restart="never" nodeType="tmRoot">
+          <p:childTnLst>
+            <p:seq concurrent="1" nextAc="seek">
+              <p:cTn id="2" dur="indefinite" nodeType="mainSeq">
+                <p:childTnLst>
+                  <p:par>
+                    <p:cTn id="3" fill="hold">
+                      <p:stCondLst>
+                        <p:cond delay="indefinite"/>
+                        <p:cond evt="onBegin" delay="0">
+                          <p:tn val="2"/>
+                        </p:cond>
+                      </p:stCondLst>
+                      <p:childTnLst>
+                        <p:par>
+                          <p:cTn id="4" fill="hold">
+                            <p:stCondLst>
+                              <p:cond delay="0"/>
+                            </p:stCondLst>
+                            <p:childTnLst>
+                              <p:par>
+                                <p:cTn id="5" presetID="10" presetClass="entr" presetSubtype="0" fill="hold" grpId="0" nodeType="withEffect">
+                                  <p:stCondLst>
+                                    <p:cond delay="0"/>
+                                  </p:stCondLst>
+                                  <p:childTnLst>
+                                    <p:set>
+                                      <p:cBhvr>
+                                        <p:cTn id="6" dur="1" fill="hold">
+                                          <p:stCondLst>
+                                            <p:cond delay="0"/>
+                                          </p:stCondLst>
+                                        </p:cTn>
+                                        <p:tgtEl>
+                                          <p:spTgt spid="2"/>
+                                        </p:tgtEl>
+                                        <p:attrNameLst>
+                                          <p:attrName>style.visibility</p:attrName>
+                                        </p:attrNameLst>
+                                      </p:cBhvr>
+                                      <p:to>
+                                        <p:strVal val="visible"/>
+                                      </p:to>
+                                    </p:set>
+                                    <p:animEffect transition="in" filter="fade">
+                                      <p:cBhvr>
+                                        <p:cTn id="7" dur="500"/>
+                                        <p:tgtEl>
+                                          <p:spTgt spid="2"/>
+                                        </p:tgtEl>
+                                      </p:cBhvr>
+                                    </p:animEffect>
+                                  </p:childTnLst>
+                                </p:cTn>
+                              </p:par>
+                            </p:childTnLst>
+                          </p:cTn>
+                        </p:par>
+                        <p:par>
+                          <p:cTn id="8" fill="hold">
+                            <p:stCondLst>
+                              <p:cond delay="500"/>
+                            </p:stCondLst>
+                            <p:childTnLst>
+                              <p:par>
+                                <p:cTn id="9" presetID="10" presetClass="entr" presetSubtype="0" fill="hold" nodeType="afterEffect">
+                                  <p:stCondLst>
+                                    <p:cond delay="0"/>
+                                  </p:stCondLst>
+                                  <p:childTnLst>
+                                    <p:set>
+                                      <p:cBhvr>
+                                        <p:cTn id="10" dur="1" fill="hold">
+                                          <p:stCondLst>
+                                            <p:cond delay="0"/>
+                                          </p:stCondLst>
+                                        </p:cTn>
+                                        <p:tgtEl>
+                                          <p:spTgt spid="5"/>
+                                        </p:tgtEl>
+                                        <p:attrNameLst>
+                                          <p:attrName>style.visibility</p:attrName>
+                                        </p:attrNameLst>
+                                      </p:cBhvr>
+                                      <p:to>
+                                        <p:strVal val="visible"/>
+                                      </p:to>
+                                    </p:set>
+                                    <p:animEffect transition="in" filter="fade">
+                                      <p:cBhvr>
+                                        <p:cTn id="11" dur="500"/>
+                                        <p:tgtEl>
+                                          <p:spTgt spid="5"/>
+                                        </p:tgtEl>
+                                      </p:cBhvr>
+                                    </p:animEffect>
+                                  </p:childTnLst>
+                                </p:cTn>
+                              </p:par>
+                            </p:childTnLst>
+                          </p:cTn>
+                        </p:par>
+                      </p:childTnLst>
+                    </p:cTn>
+                  </p:par>
+                </p:childTnLst>
+              </p:cTn>
+              <p:prevCondLst>
+                <p:cond evt="onPrev" delay="0">
+                  <p:tgtEl>
+                    <p:sldTgt/>
+                  </p:tgtEl>
+                </p:cond>
+              </p:prevCondLst>
+              <p:nextCondLst>
+                <p:cond evt="onNext" delay="0">
+                  <p:tgtEl>
+                    <p:sldTgt/>
+                  </p:tgtEl>
+                </p:cond>
+              </p:nextCondLst>
+            </p:seq>
+          </p:childTnLst>
+        </p:cTn>
+      </p:par>
+    </p:tnLst>
+    <p:bldLst>
+      <p:bldP spid="2" grpId="0"/>
+    </p:bldLst>
+  </p:timing>
 </p:sld>
 </file>
 
@@ -10746,18 +11925,151 @@
   <p:clrMapOvr>
     <a:masterClrMapping/>
   </p:clrMapOvr>
-  <mc:AlternateContent xmlns:mc="http://schemas.openxmlformats.org/markup-compatibility/2006">
-    <mc:Choice xmlns:p14="http://schemas.microsoft.com/office/powerpoint/2010/main" Requires="p14">
+  <mc:AlternateContent xmlns:mc="http://schemas.openxmlformats.org/markup-compatibility/2006" xmlns:p14="http://schemas.microsoft.com/office/powerpoint/2010/main">
+    <mc:Choice Requires="p14">
       <p:transition spd="med" p14:dur="700">
         <p:fade/>
       </p:transition>
     </mc:Choice>
-    <mc:Fallback>
+    <mc:Fallback xmlns="">
       <p:transition spd="med">
         <p:fade/>
       </p:transition>
     </mc:Fallback>
   </mc:AlternateContent>
+  <p:timing>
+    <p:tnLst>
+      <p:par>
+        <p:cTn id="1" dur="indefinite" restart="never" nodeType="tmRoot">
+          <p:childTnLst>
+            <p:seq concurrent="1" nextAc="seek">
+              <p:cTn id="2" dur="indefinite" nodeType="mainSeq">
+                <p:childTnLst>
+                  <p:par>
+                    <p:cTn id="3" fill="hold">
+                      <p:stCondLst>
+                        <p:cond delay="indefinite"/>
+                        <p:cond evt="onBegin" delay="0">
+                          <p:tn val="2"/>
+                        </p:cond>
+                      </p:stCondLst>
+                      <p:childTnLst>
+                        <p:par>
+                          <p:cTn id="4" fill="hold">
+                            <p:stCondLst>
+                              <p:cond delay="0"/>
+                            </p:stCondLst>
+                            <p:childTnLst>
+                              <p:par>
+                                <p:cTn id="5" presetID="10" presetClass="entr" presetSubtype="0" fill="hold" grpId="0" nodeType="withEffect">
+                                  <p:stCondLst>
+                                    <p:cond delay="0"/>
+                                  </p:stCondLst>
+                                  <p:childTnLst>
+                                    <p:set>
+                                      <p:cBhvr>
+                                        <p:cTn id="6" dur="1" fill="hold">
+                                          <p:stCondLst>
+                                            <p:cond delay="0"/>
+                                          </p:stCondLst>
+                                        </p:cTn>
+                                        <p:tgtEl>
+                                          <p:spTgt spid="2"/>
+                                        </p:tgtEl>
+                                        <p:attrNameLst>
+                                          <p:attrName>style.visibility</p:attrName>
+                                        </p:attrNameLst>
+                                      </p:cBhvr>
+                                      <p:to>
+                                        <p:strVal val="visible"/>
+                                      </p:to>
+                                    </p:set>
+                                    <p:animEffect transition="in" filter="fade">
+                                      <p:cBhvr>
+                                        <p:cTn id="7" dur="500"/>
+                                        <p:tgtEl>
+                                          <p:spTgt spid="2"/>
+                                        </p:tgtEl>
+                                      </p:cBhvr>
+                                    </p:animEffect>
+                                  </p:childTnLst>
+                                </p:cTn>
+                              </p:par>
+                            </p:childTnLst>
+                          </p:cTn>
+                        </p:par>
+                        <p:par>
+                          <p:cTn id="8" fill="hold">
+                            <p:stCondLst>
+                              <p:cond delay="500"/>
+                            </p:stCondLst>
+                            <p:childTnLst>
+                              <p:par>
+                                <p:cTn id="9" presetID="10" presetClass="entr" presetSubtype="0" fill="hold" nodeType="afterEffect">
+                                  <p:stCondLst>
+                                    <p:cond delay="0"/>
+                                  </p:stCondLst>
+                                  <p:childTnLst>
+                                    <p:set>
+                                      <p:cBhvr>
+                                        <p:cTn id="10" dur="1" fill="hold">
+                                          <p:stCondLst>
+                                            <p:cond delay="0"/>
+                                          </p:stCondLst>
+                                        </p:cTn>
+                                        <p:tgtEl>
+                                          <p:spTgt spid="4"/>
+                                        </p:tgtEl>
+                                        <p:attrNameLst>
+                                          <p:attrName>style.visibility</p:attrName>
+                                        </p:attrNameLst>
+                                      </p:cBhvr>
+                                      <p:to>
+                                        <p:strVal val="visible"/>
+                                      </p:to>
+                                    </p:set>
+                                    <p:animEffect transition="in" filter="fade">
+                                      <p:cBhvr>
+                                        <p:cTn id="11" dur="500"/>
+                                        <p:tgtEl>
+                                          <p:spTgt spid="4"/>
+                                        </p:tgtEl>
+                                      </p:cBhvr>
+                                    </p:animEffect>
+                                  </p:childTnLst>
+                                </p:cTn>
+                              </p:par>
+                            </p:childTnLst>
+                          </p:cTn>
+                        </p:par>
+                      </p:childTnLst>
+                    </p:cTn>
+                  </p:par>
+                </p:childTnLst>
+              </p:cTn>
+              <p:prevCondLst>
+                <p:cond evt="onPrev" delay="0">
+                  <p:tgtEl>
+                    <p:sldTgt/>
+                  </p:tgtEl>
+                </p:cond>
+              </p:prevCondLst>
+              <p:nextCondLst>
+                <p:cond evt="onNext" delay="0">
+                  <p:tgtEl>
+                    <p:sldTgt/>
+                  </p:tgtEl>
+                </p:cond>
+              </p:nextCondLst>
+            </p:seq>
+          </p:childTnLst>
+        </p:cTn>
+      </p:par>
+    </p:tnLst>
+    <p:bldLst>
+      <p:bldP spid="2" grpId="0"/>
+    </p:bldLst>
+  </p:timing>
 </p:sld>
 </file>
 
@@ -10850,18 +12162,151 @@
   <p:clrMapOvr>
     <a:masterClrMapping/>
   </p:clrMapOvr>
-  <mc:AlternateContent xmlns:mc="http://schemas.openxmlformats.org/markup-compatibility/2006">
-    <mc:Choice xmlns:p14="http://schemas.microsoft.com/office/powerpoint/2010/main" Requires="p14">
+  <mc:AlternateContent xmlns:mc="http://schemas.openxmlformats.org/markup-compatibility/2006" xmlns:p14="http://schemas.microsoft.com/office/powerpoint/2010/main">
+    <mc:Choice Requires="p14">
       <p:transition spd="med" p14:dur="700">
         <p:fade/>
       </p:transition>
     </mc:Choice>
-    <mc:Fallback>
+    <mc:Fallback xmlns="">
       <p:transition spd="med">
         <p:fade/>
       </p:transition>
     </mc:Fallback>
   </mc:AlternateContent>
+  <p:timing>
+    <p:tnLst>
+      <p:par>
+        <p:cTn id="1" dur="indefinite" restart="never" nodeType="tmRoot">
+          <p:childTnLst>
+            <p:seq concurrent="1" nextAc="seek">
+              <p:cTn id="2" dur="indefinite" nodeType="mainSeq">
+                <p:childTnLst>
+                  <p:par>
+                    <p:cTn id="3" fill="hold">
+                      <p:stCondLst>
+                        <p:cond delay="indefinite"/>
+                        <p:cond evt="onBegin" delay="0">
+                          <p:tn val="2"/>
+                        </p:cond>
+                      </p:stCondLst>
+                      <p:childTnLst>
+                        <p:par>
+                          <p:cTn id="4" fill="hold">
+                            <p:stCondLst>
+                              <p:cond delay="0"/>
+                            </p:stCondLst>
+                            <p:childTnLst>
+                              <p:par>
+                                <p:cTn id="5" presetID="10" presetClass="entr" presetSubtype="0" fill="hold" grpId="0" nodeType="withEffect">
+                                  <p:stCondLst>
+                                    <p:cond delay="0"/>
+                                  </p:stCondLst>
+                                  <p:childTnLst>
+                                    <p:set>
+                                      <p:cBhvr>
+                                        <p:cTn id="6" dur="1" fill="hold">
+                                          <p:stCondLst>
+                                            <p:cond delay="0"/>
+                                          </p:stCondLst>
+                                        </p:cTn>
+                                        <p:tgtEl>
+                                          <p:spTgt spid="2"/>
+                                        </p:tgtEl>
+                                        <p:attrNameLst>
+                                          <p:attrName>style.visibility</p:attrName>
+                                        </p:attrNameLst>
+                                      </p:cBhvr>
+                                      <p:to>
+                                        <p:strVal val="visible"/>
+                                      </p:to>
+                                    </p:set>
+                                    <p:animEffect transition="in" filter="fade">
+                                      <p:cBhvr>
+                                        <p:cTn id="7" dur="500"/>
+                                        <p:tgtEl>
+                                          <p:spTgt spid="2"/>
+                                        </p:tgtEl>
+                                      </p:cBhvr>
+                                    </p:animEffect>
+                                  </p:childTnLst>
+                                </p:cTn>
+                              </p:par>
+                            </p:childTnLst>
+                          </p:cTn>
+                        </p:par>
+                        <p:par>
+                          <p:cTn id="8" fill="hold">
+                            <p:stCondLst>
+                              <p:cond delay="500"/>
+                            </p:stCondLst>
+                            <p:childTnLst>
+                              <p:par>
+                                <p:cTn id="9" presetID="10" presetClass="entr" presetSubtype="0" fill="hold" nodeType="afterEffect">
+                                  <p:stCondLst>
+                                    <p:cond delay="0"/>
+                                  </p:stCondLst>
+                                  <p:childTnLst>
+                                    <p:set>
+                                      <p:cBhvr>
+                                        <p:cTn id="10" dur="1" fill="hold">
+                                          <p:stCondLst>
+                                            <p:cond delay="0"/>
+                                          </p:stCondLst>
+                                        </p:cTn>
+                                        <p:tgtEl>
+                                          <p:spTgt spid="5"/>
+                                        </p:tgtEl>
+                                        <p:attrNameLst>
+                                          <p:attrName>style.visibility</p:attrName>
+                                        </p:attrNameLst>
+                                      </p:cBhvr>
+                                      <p:to>
+                                        <p:strVal val="visible"/>
+                                      </p:to>
+                                    </p:set>
+                                    <p:animEffect transition="in" filter="fade">
+                                      <p:cBhvr>
+                                        <p:cTn id="11" dur="500"/>
+                                        <p:tgtEl>
+                                          <p:spTgt spid="5"/>
+                                        </p:tgtEl>
+                                      </p:cBhvr>
+                                    </p:animEffect>
+                                  </p:childTnLst>
+                                </p:cTn>
+                              </p:par>
+                            </p:childTnLst>
+                          </p:cTn>
+                        </p:par>
+                      </p:childTnLst>
+                    </p:cTn>
+                  </p:par>
+                </p:childTnLst>
+              </p:cTn>
+              <p:prevCondLst>
+                <p:cond evt="onPrev" delay="0">
+                  <p:tgtEl>
+                    <p:sldTgt/>
+                  </p:tgtEl>
+                </p:cond>
+              </p:prevCondLst>
+              <p:nextCondLst>
+                <p:cond evt="onNext" delay="0">
+                  <p:tgtEl>
+                    <p:sldTgt/>
+                  </p:tgtEl>
+                </p:cond>
+              </p:nextCondLst>
+            </p:seq>
+          </p:childTnLst>
+        </p:cTn>
+      </p:par>
+    </p:tnLst>
+    <p:bldLst>
+      <p:bldP spid="2" grpId="0"/>
+    </p:bldLst>
+  </p:timing>
 </p:sld>
 </file>
 
@@ -10982,18 +12427,160 @@
   <p:clrMapOvr>
     <a:masterClrMapping/>
   </p:clrMapOvr>
-  <mc:AlternateContent xmlns:mc="http://schemas.openxmlformats.org/markup-compatibility/2006">
-    <mc:Choice xmlns:p14="http://schemas.microsoft.com/office/powerpoint/2010/main" Requires="p14">
+  <mc:AlternateContent xmlns:mc="http://schemas.openxmlformats.org/markup-compatibility/2006" xmlns:p14="http://schemas.microsoft.com/office/powerpoint/2010/main">
+    <mc:Choice Requires="p14">
       <p:transition spd="med" p14:dur="700">
         <p:fade/>
       </p:transition>
     </mc:Choice>
-    <mc:Fallback>
+    <mc:Fallback xmlns="">
       <p:transition spd="med">
         <p:fade/>
       </p:transition>
     </mc:Fallback>
   </mc:AlternateContent>
+  <p:timing>
+    <p:tnLst>
+      <p:par>
+        <p:cTn id="1" dur="indefinite" restart="never" nodeType="tmRoot">
+          <p:childTnLst>
+            <p:seq concurrent="1" nextAc="seek">
+              <p:cTn id="2" dur="indefinite" nodeType="mainSeq">
+                <p:childTnLst>
+                  <p:par>
+                    <p:cTn id="3" fill="hold">
+                      <p:stCondLst>
+                        <p:cond delay="indefinite"/>
+                        <p:cond evt="onBegin" delay="0">
+                          <p:tn val="2"/>
+                        </p:cond>
+                      </p:stCondLst>
+                      <p:childTnLst>
+                        <p:par>
+                          <p:cTn id="4" fill="hold">
+                            <p:stCondLst>
+                              <p:cond delay="0"/>
+                            </p:stCondLst>
+                            <p:childTnLst>
+                              <p:par>
+                                <p:cTn id="5" presetID="10" presetClass="entr" presetSubtype="0" fill="hold" grpId="0" nodeType="withEffect">
+                                  <p:stCondLst>
+                                    <p:cond delay="0"/>
+                                  </p:stCondLst>
+                                  <p:childTnLst>
+                                    <p:set>
+                                      <p:cBhvr>
+                                        <p:cTn id="6" dur="1" fill="hold">
+                                          <p:stCondLst>
+                                            <p:cond delay="0"/>
+                                          </p:stCondLst>
+                                        </p:cTn>
+                                        <p:tgtEl>
+                                          <p:spTgt spid="13"/>
+                                        </p:tgtEl>
+                                        <p:attrNameLst>
+                                          <p:attrName>style.visibility</p:attrName>
+                                        </p:attrNameLst>
+                                      </p:cBhvr>
+                                      <p:to>
+                                        <p:strVal val="visible"/>
+                                      </p:to>
+                                    </p:set>
+                                    <p:animEffect transition="in" filter="fade">
+                                      <p:cBhvr>
+                                        <p:cTn id="7" dur="500"/>
+                                        <p:tgtEl>
+                                          <p:spTgt spid="13"/>
+                                        </p:tgtEl>
+                                      </p:cBhvr>
+                                    </p:animEffect>
+                                  </p:childTnLst>
+                                </p:cTn>
+                              </p:par>
+                            </p:childTnLst>
+                          </p:cTn>
+                        </p:par>
+                        <p:par>
+                          <p:cTn id="8" fill="hold">
+                            <p:stCondLst>
+                              <p:cond delay="500"/>
+                            </p:stCondLst>
+                            <p:childTnLst>
+                              <p:par>
+                                <p:cTn id="9" presetID="10" presetClass="entr" presetSubtype="0" fill="hold" grpId="0" nodeType="afterEffect">
+                                  <p:stCondLst>
+                                    <p:cond delay="0"/>
+                                  </p:stCondLst>
+                                  <p:childTnLst>
+                                    <p:set>
+                                      <p:cBhvr>
+                                        <p:cTn id="10" dur="1" fill="hold">
+                                          <p:stCondLst>
+                                            <p:cond delay="0"/>
+                                          </p:stCondLst>
+                                        </p:cTn>
+                                        <p:tgtEl>
+                                          <p:spTgt spid="14">
+                                            <p:txEl>
+                                              <p:pRg st="0" end="0"/>
+                                            </p:txEl>
+                                          </p:spTgt>
+                                        </p:tgtEl>
+                                        <p:attrNameLst>
+                                          <p:attrName>style.visibility</p:attrName>
+                                        </p:attrNameLst>
+                                      </p:cBhvr>
+                                      <p:to>
+                                        <p:strVal val="visible"/>
+                                      </p:to>
+                                    </p:set>
+                                    <p:animEffect transition="in" filter="fade">
+                                      <p:cBhvr>
+                                        <p:cTn id="11" dur="500"/>
+                                        <p:tgtEl>
+                                          <p:spTgt spid="14">
+                                            <p:txEl>
+                                              <p:pRg st="0" end="0"/>
+                                            </p:txEl>
+                                          </p:spTgt>
+                                        </p:tgtEl>
+                                      </p:cBhvr>
+                                    </p:animEffect>
+                                  </p:childTnLst>
+                                </p:cTn>
+                              </p:par>
+                            </p:childTnLst>
+                          </p:cTn>
+                        </p:par>
+                      </p:childTnLst>
+                    </p:cTn>
+                  </p:par>
+                </p:childTnLst>
+              </p:cTn>
+              <p:prevCondLst>
+                <p:cond evt="onPrev" delay="0">
+                  <p:tgtEl>
+                    <p:sldTgt/>
+                  </p:tgtEl>
+                </p:cond>
+              </p:prevCondLst>
+              <p:nextCondLst>
+                <p:cond evt="onNext" delay="0">
+                  <p:tgtEl>
+                    <p:sldTgt/>
+                  </p:tgtEl>
+                </p:cond>
+              </p:nextCondLst>
+            </p:seq>
+          </p:childTnLst>
+        </p:cTn>
+      </p:par>
+    </p:tnLst>
+    <p:bldLst>
+      <p:bldP spid="13" grpId="0"/>
+      <p:bldP spid="14" grpId="0" build="p"/>
+    </p:bldLst>
+  </p:timing>
 </p:sld>
 </file>
 
@@ -11071,10 +12658,265 @@
         </p:nvSpPr>
         <p:spPr/>
         <p:txBody>
-          <a:bodyPr/>
+          <a:bodyPr>
+            <a:normAutofit fontScale="85000" lnSpcReduction="20000"/>
+          </a:bodyPr>
           <a:lstStyle/>
           <a:p>
-            <a:endParaRPr lang="fr-MA"/>
+            <a:pPr>
+              <a:lnSpc>
+                <a:spcPct val="110000"/>
+              </a:lnSpc>
+            </a:pPr>
+            <a:r>
+              <a:rPr lang="fr-MA" sz="2400" dirty="0"/>
+              <a:t>Martin Haugh. The EM </a:t>
+            </a:r>
+            <a:r>
+              <a:rPr lang="fr-MA" sz="2400" dirty="0" err="1"/>
+              <a:t>Algorithm</a:t>
+            </a:r>
+            <a:r>
+              <a:rPr lang="fr-MA" sz="2400" dirty="0"/>
+              <a:t>. </a:t>
+            </a:r>
+            <a:r>
+              <a:rPr lang="fr-MA" sz="2400" dirty="0" err="1"/>
+              <a:t>Published</a:t>
+            </a:r>
+            <a:r>
+              <a:rPr lang="fr-MA" sz="2400" dirty="0"/>
+              <a:t> 2015. </a:t>
+            </a:r>
+            <a:r>
+              <a:rPr lang="fr-MA" sz="2400" dirty="0">
+                <a:hlinkClick r:id="rId2"/>
+              </a:rPr>
+              <a:t>https://www.columbia.edu/~mh2078/MachineLearningORFE/EM_Algorithm.pdf</a:t>
+            </a:r>
+            <a:endParaRPr lang="fr-MA" sz="2400" dirty="0"/>
+          </a:p>
+          <a:p>
+            <a:pPr>
+              <a:lnSpc>
+                <a:spcPct val="110000"/>
+              </a:lnSpc>
+            </a:pPr>
+            <a:r>
+              <a:rPr lang="fr-MA" sz="2400" dirty="0"/>
+              <a:t>Henrik </a:t>
+            </a:r>
+            <a:r>
+              <a:rPr lang="fr-MA" sz="2400" dirty="0" err="1"/>
+              <a:t>Hult</a:t>
+            </a:r>
+            <a:r>
+              <a:rPr lang="fr-MA" sz="2400" dirty="0"/>
+              <a:t>. Lecture 8. </a:t>
+            </a:r>
+            <a:r>
+              <a:rPr lang="fr-MA" sz="2400" dirty="0">
+                <a:hlinkClick r:id="rId3"/>
+              </a:rPr>
+              <a:t>https://www.math.kth.se/matstat/gru/Statistical%20inference/Lecture8.pdf</a:t>
+            </a:r>
+            <a:endParaRPr lang="fr-MA" sz="2400" dirty="0"/>
+          </a:p>
+          <a:p>
+            <a:pPr>
+              <a:lnSpc>
+                <a:spcPct val="110000"/>
+              </a:lnSpc>
+            </a:pPr>
+            <a:r>
+              <a:rPr lang="fr-MA" sz="2400" dirty="0"/>
+              <a:t>Sean </a:t>
+            </a:r>
+            <a:r>
+              <a:rPr lang="fr-MA" sz="2400" dirty="0" err="1"/>
+              <a:t>Borman</a:t>
+            </a:r>
+            <a:r>
+              <a:rPr lang="fr-MA" sz="2400" dirty="0"/>
+              <a:t>. The Expectation </a:t>
+            </a:r>
+            <a:r>
+              <a:rPr lang="fr-MA" sz="2400" dirty="0" err="1"/>
+              <a:t>Maximization</a:t>
+            </a:r>
+            <a:r>
+              <a:rPr lang="fr-MA" sz="2400" dirty="0"/>
+              <a:t> </a:t>
+            </a:r>
+            <a:r>
+              <a:rPr lang="fr-MA" sz="2400" dirty="0" err="1"/>
+              <a:t>Algorithm</a:t>
+            </a:r>
+            <a:r>
+              <a:rPr lang="fr-MA" sz="2400" dirty="0"/>
+              <a:t>, A short tutorial. </a:t>
+            </a:r>
+            <a:r>
+              <a:rPr lang="fr-MA" sz="2400" dirty="0" err="1"/>
+              <a:t>Published</a:t>
+            </a:r>
+            <a:r>
+              <a:rPr lang="fr-MA" sz="2400" dirty="0"/>
+              <a:t> July 18, 2004. </a:t>
+            </a:r>
+            <a:r>
+              <a:rPr lang="fr-MA" sz="2400" dirty="0">
+                <a:hlinkClick r:id="rId4"/>
+              </a:rPr>
+              <a:t>https://www.lri.fr/~sebag/COURS/EM_algorithm.pdf</a:t>
+            </a:r>
+            <a:endParaRPr lang="fr-MA" sz="2400" dirty="0"/>
+          </a:p>
+          <a:p>
+            <a:pPr>
+              <a:lnSpc>
+                <a:spcPct val="110000"/>
+              </a:lnSpc>
+            </a:pPr>
+            <a:r>
+              <a:rPr lang="fr-MA" sz="2400" dirty="0" err="1"/>
+              <a:t>Tengyu</a:t>
+            </a:r>
+            <a:r>
+              <a:rPr lang="fr-MA" sz="2400" dirty="0"/>
+              <a:t> Ma. and Andrew </a:t>
+            </a:r>
+            <a:r>
+              <a:rPr lang="fr-MA" sz="2400" dirty="0" err="1"/>
+              <a:t>Ng</a:t>
+            </a:r>
+            <a:r>
+              <a:rPr lang="fr-MA" sz="2400" dirty="0"/>
+              <a:t>. CS229 Lecture notes. </a:t>
+            </a:r>
+            <a:r>
+              <a:rPr lang="fr-MA" sz="2400" dirty="0" err="1"/>
+              <a:t>Published</a:t>
+            </a:r>
+            <a:r>
+              <a:rPr lang="fr-MA" sz="2400" dirty="0"/>
+              <a:t> May 13, 2019. </a:t>
+            </a:r>
+            <a:r>
+              <a:rPr lang="fr-MA" sz="2400" dirty="0">
+                <a:hlinkClick r:id="rId5"/>
+              </a:rPr>
+              <a:t>https://cs229.stanford.edu/notes2020spring/cs229-notes8.pdf</a:t>
+            </a:r>
+            <a:endParaRPr lang="fr-MA" sz="2400" dirty="0"/>
+          </a:p>
+          <a:p>
+            <a:pPr>
+              <a:lnSpc>
+                <a:spcPct val="110000"/>
+              </a:lnSpc>
+            </a:pPr>
+            <a:r>
+              <a:rPr lang="fr-MA" sz="2400" dirty="0" err="1"/>
+              <a:t>Keng</a:t>
+            </a:r>
+            <a:r>
+              <a:rPr lang="fr-MA" sz="2400" dirty="0"/>
+              <a:t> B. The Expectation-</a:t>
+            </a:r>
+            <a:r>
+              <a:rPr lang="fr-MA" sz="2400" dirty="0" err="1"/>
+              <a:t>Maximization</a:t>
+            </a:r>
+            <a:r>
+              <a:rPr lang="fr-MA" sz="2400" dirty="0"/>
+              <a:t> </a:t>
+            </a:r>
+            <a:r>
+              <a:rPr lang="fr-MA" sz="2400" dirty="0" err="1"/>
+              <a:t>Algorithm</a:t>
+            </a:r>
+            <a:r>
+              <a:rPr lang="fr-MA" sz="2400" dirty="0"/>
+              <a:t>. </a:t>
+            </a:r>
+            <a:r>
+              <a:rPr lang="fr-MA" sz="2400" dirty="0" err="1"/>
+              <a:t>Bounded</a:t>
+            </a:r>
+            <a:r>
+              <a:rPr lang="fr-MA" sz="2400" dirty="0"/>
+              <a:t> </a:t>
+            </a:r>
+            <a:r>
+              <a:rPr lang="fr-MA" sz="2400" dirty="0" err="1"/>
+              <a:t>Rationality</a:t>
+            </a:r>
+            <a:r>
+              <a:rPr lang="fr-MA" sz="2400" dirty="0"/>
+              <a:t>. </a:t>
+            </a:r>
+            <a:r>
+              <a:rPr lang="fr-MA" sz="2400" dirty="0" err="1"/>
+              <a:t>Published</a:t>
+            </a:r>
+            <a:r>
+              <a:rPr lang="fr-MA" sz="2400" dirty="0"/>
+              <a:t> </a:t>
+            </a:r>
+            <a:r>
+              <a:rPr lang="fr-MA" sz="2400" dirty="0" err="1"/>
+              <a:t>October</a:t>
+            </a:r>
+            <a:r>
+              <a:rPr lang="fr-MA" sz="2400" dirty="0"/>
+              <a:t> 7, 2016. </a:t>
+            </a:r>
+            <a:r>
+              <a:rPr lang="fr-MA" sz="2400" dirty="0">
+                <a:hlinkClick r:id="rId6"/>
+              </a:rPr>
+              <a:t>https://bjlkeng.io/posts/the-expectation-maximization-algorithm/</a:t>
+            </a:r>
+            <a:endParaRPr lang="fr-MA" sz="2400" dirty="0"/>
+          </a:p>
+          <a:p>
+            <a:pPr>
+              <a:lnSpc>
+                <a:spcPct val="110000"/>
+              </a:lnSpc>
+            </a:pPr>
+            <a:r>
+              <a:rPr lang="fr-MA" sz="2400" dirty="0" err="1"/>
+              <a:t>Samashi</a:t>
+            </a:r>
+            <a:r>
+              <a:rPr lang="fr-MA" sz="2400" dirty="0"/>
+              <a:t>. (</a:t>
+            </a:r>
+            <a:r>
+              <a:rPr lang="fr-MA" sz="2400" dirty="0" err="1"/>
+              <a:t>n.d</a:t>
+            </a:r>
+            <a:r>
+              <a:rPr lang="fr-MA" sz="2400" dirty="0"/>
+              <a:t>.). GitHub - Samashi47/EM-</a:t>
+            </a:r>
+            <a:r>
+              <a:rPr lang="fr-MA" sz="2400" dirty="0" err="1"/>
+              <a:t>algorithm</a:t>
+            </a:r>
+            <a:r>
+              <a:rPr lang="fr-MA" sz="2400" dirty="0"/>
+              <a:t> </a:t>
+            </a:r>
+            <a:r>
+              <a:rPr lang="fr-MA" sz="2400" dirty="0">
+                <a:hlinkClick r:id="rId7"/>
+              </a:rPr>
+              <a:t>https://github.com/Samashi47/EM-algorithm</a:t>
+            </a:r>
+            <a:endParaRPr lang="fr-MA" sz="2400" dirty="0"/>
           </a:p>
         </p:txBody>
       </p:sp>
@@ -11100,6 +12942,408 @@
       </p:transition>
     </mc:Fallback>
   </mc:AlternateContent>
+  <p:timing>
+    <p:tnLst>
+      <p:par>
+        <p:cTn id="1" dur="indefinite" restart="never" nodeType="tmRoot">
+          <p:childTnLst>
+            <p:seq concurrent="1" nextAc="seek">
+              <p:cTn id="2" dur="indefinite" nodeType="mainSeq">
+                <p:childTnLst>
+                  <p:par>
+                    <p:cTn id="3" fill="hold">
+                      <p:stCondLst>
+                        <p:cond delay="indefinite"/>
+                        <p:cond evt="onBegin" delay="0">
+                          <p:tn val="2"/>
+                        </p:cond>
+                      </p:stCondLst>
+                      <p:childTnLst>
+                        <p:par>
+                          <p:cTn id="4" fill="hold">
+                            <p:stCondLst>
+                              <p:cond delay="0"/>
+                            </p:stCondLst>
+                            <p:childTnLst>
+                              <p:par>
+                                <p:cTn id="5" presetID="10" presetClass="entr" presetSubtype="0" fill="hold" grpId="0" nodeType="withEffect">
+                                  <p:stCondLst>
+                                    <p:cond delay="0"/>
+                                  </p:stCondLst>
+                                  <p:childTnLst>
+                                    <p:set>
+                                      <p:cBhvr>
+                                        <p:cTn id="6" dur="1" fill="hold">
+                                          <p:stCondLst>
+                                            <p:cond delay="0"/>
+                                          </p:stCondLst>
+                                        </p:cTn>
+                                        <p:tgtEl>
+                                          <p:spTgt spid="2"/>
+                                        </p:tgtEl>
+                                        <p:attrNameLst>
+                                          <p:attrName>style.visibility</p:attrName>
+                                        </p:attrNameLst>
+                                      </p:cBhvr>
+                                      <p:to>
+                                        <p:strVal val="visible"/>
+                                      </p:to>
+                                    </p:set>
+                                    <p:animEffect transition="in" filter="fade">
+                                      <p:cBhvr>
+                                        <p:cTn id="7" dur="500"/>
+                                        <p:tgtEl>
+                                          <p:spTgt spid="2"/>
+                                        </p:tgtEl>
+                                      </p:cBhvr>
+                                    </p:animEffect>
+                                  </p:childTnLst>
+                                </p:cTn>
+                              </p:par>
+                            </p:childTnLst>
+                          </p:cTn>
+                        </p:par>
+                        <p:par>
+                          <p:cTn id="8" fill="hold">
+                            <p:stCondLst>
+                              <p:cond delay="500"/>
+                            </p:stCondLst>
+                            <p:childTnLst>
+                              <p:par>
+                                <p:cTn id="9" presetID="10" presetClass="entr" presetSubtype="0" fill="hold" grpId="0" nodeType="afterEffect">
+                                  <p:stCondLst>
+                                    <p:cond delay="0"/>
+                                  </p:stCondLst>
+                                  <p:childTnLst>
+                                    <p:set>
+                                      <p:cBhvr>
+                                        <p:cTn id="10" dur="1" fill="hold">
+                                          <p:stCondLst>
+                                            <p:cond delay="0"/>
+                                          </p:stCondLst>
+                                        </p:cTn>
+                                        <p:tgtEl>
+                                          <p:spTgt spid="3">
+                                            <p:txEl>
+                                              <p:pRg st="0" end="0"/>
+                                            </p:txEl>
+                                          </p:spTgt>
+                                        </p:tgtEl>
+                                        <p:attrNameLst>
+                                          <p:attrName>style.visibility</p:attrName>
+                                        </p:attrNameLst>
+                                      </p:cBhvr>
+                                      <p:to>
+                                        <p:strVal val="visible"/>
+                                      </p:to>
+                                    </p:set>
+                                    <p:animEffect transition="in" filter="fade">
+                                      <p:cBhvr>
+                                        <p:cTn id="11" dur="500"/>
+                                        <p:tgtEl>
+                                          <p:spTgt spid="3">
+                                            <p:txEl>
+                                              <p:pRg st="0" end="0"/>
+                                            </p:txEl>
+                                          </p:spTgt>
+                                        </p:tgtEl>
+                                      </p:cBhvr>
+                                    </p:animEffect>
+                                  </p:childTnLst>
+                                </p:cTn>
+                              </p:par>
+                            </p:childTnLst>
+                          </p:cTn>
+                        </p:par>
+                        <p:par>
+                          <p:cTn id="12" fill="hold">
+                            <p:stCondLst>
+                              <p:cond delay="1000"/>
+                            </p:stCondLst>
+                            <p:childTnLst>
+                              <p:par>
+                                <p:cTn id="13" presetID="10" presetClass="entr" presetSubtype="0" fill="hold" grpId="0" nodeType="afterEffect">
+                                  <p:stCondLst>
+                                    <p:cond delay="0"/>
+                                  </p:stCondLst>
+                                  <p:childTnLst>
+                                    <p:set>
+                                      <p:cBhvr>
+                                        <p:cTn id="14" dur="1" fill="hold">
+                                          <p:stCondLst>
+                                            <p:cond delay="0"/>
+                                          </p:stCondLst>
+                                        </p:cTn>
+                                        <p:tgtEl>
+                                          <p:spTgt spid="3">
+                                            <p:txEl>
+                                              <p:pRg st="1" end="1"/>
+                                            </p:txEl>
+                                          </p:spTgt>
+                                        </p:tgtEl>
+                                        <p:attrNameLst>
+                                          <p:attrName>style.visibility</p:attrName>
+                                        </p:attrNameLst>
+                                      </p:cBhvr>
+                                      <p:to>
+                                        <p:strVal val="visible"/>
+                                      </p:to>
+                                    </p:set>
+                                    <p:animEffect transition="in" filter="fade">
+                                      <p:cBhvr>
+                                        <p:cTn id="15" dur="500"/>
+                                        <p:tgtEl>
+                                          <p:spTgt spid="3">
+                                            <p:txEl>
+                                              <p:pRg st="1" end="1"/>
+                                            </p:txEl>
+                                          </p:spTgt>
+                                        </p:tgtEl>
+                                      </p:cBhvr>
+                                    </p:animEffect>
+                                  </p:childTnLst>
+                                </p:cTn>
+                              </p:par>
+                            </p:childTnLst>
+                          </p:cTn>
+                        </p:par>
+                        <p:par>
+                          <p:cTn id="16" fill="hold">
+                            <p:stCondLst>
+                              <p:cond delay="1500"/>
+                            </p:stCondLst>
+                            <p:childTnLst>
+                              <p:par>
+                                <p:cTn id="17" presetID="10" presetClass="entr" presetSubtype="0" fill="hold" grpId="0" nodeType="afterEffect">
+                                  <p:stCondLst>
+                                    <p:cond delay="0"/>
+                                  </p:stCondLst>
+                                  <p:childTnLst>
+                                    <p:set>
+                                      <p:cBhvr>
+                                        <p:cTn id="18" dur="1" fill="hold">
+                                          <p:stCondLst>
+                                            <p:cond delay="0"/>
+                                          </p:stCondLst>
+                                        </p:cTn>
+                                        <p:tgtEl>
+                                          <p:spTgt spid="3">
+                                            <p:txEl>
+                                              <p:pRg st="2" end="2"/>
+                                            </p:txEl>
+                                          </p:spTgt>
+                                        </p:tgtEl>
+                                        <p:attrNameLst>
+                                          <p:attrName>style.visibility</p:attrName>
+                                        </p:attrNameLst>
+                                      </p:cBhvr>
+                                      <p:to>
+                                        <p:strVal val="visible"/>
+                                      </p:to>
+                                    </p:set>
+                                    <p:animEffect transition="in" filter="fade">
+                                      <p:cBhvr>
+                                        <p:cTn id="19" dur="500"/>
+                                        <p:tgtEl>
+                                          <p:spTgt spid="3">
+                                            <p:txEl>
+                                              <p:pRg st="2" end="2"/>
+                                            </p:txEl>
+                                          </p:spTgt>
+                                        </p:tgtEl>
+                                      </p:cBhvr>
+                                    </p:animEffect>
+                                  </p:childTnLst>
+                                </p:cTn>
+                              </p:par>
+                            </p:childTnLst>
+                          </p:cTn>
+                        </p:par>
+                        <p:par>
+                          <p:cTn id="20" fill="hold">
+                            <p:stCondLst>
+                              <p:cond delay="2000"/>
+                            </p:stCondLst>
+                            <p:childTnLst>
+                              <p:par>
+                                <p:cTn id="21" presetID="10" presetClass="entr" presetSubtype="0" fill="hold" grpId="0" nodeType="afterEffect">
+                                  <p:stCondLst>
+                                    <p:cond delay="0"/>
+                                  </p:stCondLst>
+                                  <p:childTnLst>
+                                    <p:set>
+                                      <p:cBhvr>
+                                        <p:cTn id="22" dur="1" fill="hold">
+                                          <p:stCondLst>
+                                            <p:cond delay="0"/>
+                                          </p:stCondLst>
+                                        </p:cTn>
+                                        <p:tgtEl>
+                                          <p:spTgt spid="3">
+                                            <p:txEl>
+                                              <p:pRg st="3" end="3"/>
+                                            </p:txEl>
+                                          </p:spTgt>
+                                        </p:tgtEl>
+                                        <p:attrNameLst>
+                                          <p:attrName>style.visibility</p:attrName>
+                                        </p:attrNameLst>
+                                      </p:cBhvr>
+                                      <p:to>
+                                        <p:strVal val="visible"/>
+                                      </p:to>
+                                    </p:set>
+                                    <p:animEffect transition="in" filter="fade">
+                                      <p:cBhvr>
+                                        <p:cTn id="23" dur="500"/>
+                                        <p:tgtEl>
+                                          <p:spTgt spid="3">
+                                            <p:txEl>
+                                              <p:pRg st="3" end="3"/>
+                                            </p:txEl>
+                                          </p:spTgt>
+                                        </p:tgtEl>
+                                      </p:cBhvr>
+                                    </p:animEffect>
+                                  </p:childTnLst>
+                                </p:cTn>
+                              </p:par>
+                            </p:childTnLst>
+                          </p:cTn>
+                        </p:par>
+                        <p:par>
+                          <p:cTn id="24" fill="hold">
+                            <p:stCondLst>
+                              <p:cond delay="2500"/>
+                            </p:stCondLst>
+                            <p:childTnLst>
+                              <p:par>
+                                <p:cTn id="25" presetID="10" presetClass="entr" presetSubtype="0" fill="hold" grpId="0" nodeType="afterEffect">
+                                  <p:stCondLst>
+                                    <p:cond delay="0"/>
+                                  </p:stCondLst>
+                                  <p:childTnLst>
+                                    <p:set>
+                                      <p:cBhvr>
+                                        <p:cTn id="26" dur="1" fill="hold">
+                                          <p:stCondLst>
+                                            <p:cond delay="0"/>
+                                          </p:stCondLst>
+                                        </p:cTn>
+                                        <p:tgtEl>
+                                          <p:spTgt spid="3">
+                                            <p:txEl>
+                                              <p:pRg st="4" end="4"/>
+                                            </p:txEl>
+                                          </p:spTgt>
+                                        </p:tgtEl>
+                                        <p:attrNameLst>
+                                          <p:attrName>style.visibility</p:attrName>
+                                        </p:attrNameLst>
+                                      </p:cBhvr>
+                                      <p:to>
+                                        <p:strVal val="visible"/>
+                                      </p:to>
+                                    </p:set>
+                                    <p:animEffect transition="in" filter="fade">
+                                      <p:cBhvr>
+                                        <p:cTn id="27" dur="500"/>
+                                        <p:tgtEl>
+                                          <p:spTgt spid="3">
+                                            <p:txEl>
+                                              <p:pRg st="4" end="4"/>
+                                            </p:txEl>
+                                          </p:spTgt>
+                                        </p:tgtEl>
+                                      </p:cBhvr>
+                                    </p:animEffect>
+                                  </p:childTnLst>
+                                </p:cTn>
+                              </p:par>
+                            </p:childTnLst>
+                          </p:cTn>
+                        </p:par>
+                        <p:par>
+                          <p:cTn id="28" fill="hold">
+                            <p:stCondLst>
+                              <p:cond delay="3000"/>
+                            </p:stCondLst>
+                            <p:childTnLst>
+                              <p:par>
+                                <p:cTn id="29" presetID="10" presetClass="entr" presetSubtype="0" fill="hold" grpId="0" nodeType="afterEffect">
+                                  <p:stCondLst>
+                                    <p:cond delay="0"/>
+                                  </p:stCondLst>
+                                  <p:childTnLst>
+                                    <p:set>
+                                      <p:cBhvr>
+                                        <p:cTn id="30" dur="1" fill="hold">
+                                          <p:stCondLst>
+                                            <p:cond delay="0"/>
+                                          </p:stCondLst>
+                                        </p:cTn>
+                                        <p:tgtEl>
+                                          <p:spTgt spid="3">
+                                            <p:txEl>
+                                              <p:pRg st="5" end="5"/>
+                                            </p:txEl>
+                                          </p:spTgt>
+                                        </p:tgtEl>
+                                        <p:attrNameLst>
+                                          <p:attrName>style.visibility</p:attrName>
+                                        </p:attrNameLst>
+                                      </p:cBhvr>
+                                      <p:to>
+                                        <p:strVal val="visible"/>
+                                      </p:to>
+                                    </p:set>
+                                    <p:animEffect transition="in" filter="fade">
+                                      <p:cBhvr>
+                                        <p:cTn id="31" dur="500"/>
+                                        <p:tgtEl>
+                                          <p:spTgt spid="3">
+                                            <p:txEl>
+                                              <p:pRg st="5" end="5"/>
+                                            </p:txEl>
+                                          </p:spTgt>
+                                        </p:tgtEl>
+                                      </p:cBhvr>
+                                    </p:animEffect>
+                                  </p:childTnLst>
+                                </p:cTn>
+                              </p:par>
+                            </p:childTnLst>
+                          </p:cTn>
+                        </p:par>
+                      </p:childTnLst>
+                    </p:cTn>
+                  </p:par>
+                </p:childTnLst>
+              </p:cTn>
+              <p:prevCondLst>
+                <p:cond evt="onPrev" delay="0">
+                  <p:tgtEl>
+                    <p:sldTgt/>
+                  </p:tgtEl>
+                </p:cond>
+              </p:prevCondLst>
+              <p:nextCondLst>
+                <p:cond evt="onNext" delay="0">
+                  <p:tgtEl>
+                    <p:sldTgt/>
+                  </p:tgtEl>
+                </p:cond>
+              </p:nextCondLst>
+            </p:seq>
+          </p:childTnLst>
+        </p:cTn>
+      </p:par>
+    </p:tnLst>
+    <p:bldLst>
+      <p:bldP spid="2" grpId="0"/>
+      <p:bldP spid="3" grpId="0" build="p"/>
+    </p:bldLst>
+  </p:timing>
 </p:sld>
 </file>
 
@@ -11329,18 +13573,427 @@
   <p:clrMapOvr>
     <a:masterClrMapping/>
   </p:clrMapOvr>
-  <mc:AlternateContent xmlns:mc="http://schemas.openxmlformats.org/markup-compatibility/2006" xmlns:p14="http://schemas.microsoft.com/office/powerpoint/2010/main">
-    <mc:Choice Requires="p14">
+  <mc:AlternateContent xmlns:mc="http://schemas.openxmlformats.org/markup-compatibility/2006">
+    <mc:Choice xmlns:p14="http://schemas.microsoft.com/office/powerpoint/2010/main" Requires="p14">
       <p:transition spd="med" p14:dur="700">
         <p:fade/>
       </p:transition>
     </mc:Choice>
-    <mc:Fallback xmlns="">
+    <mc:Fallback>
       <p:transition spd="med">
         <p:fade/>
       </p:transition>
     </mc:Fallback>
   </mc:AlternateContent>
+  <p:timing>
+    <p:tnLst>
+      <p:par>
+        <p:cTn id="1" dur="indefinite" restart="never" nodeType="tmRoot">
+          <p:childTnLst>
+            <p:seq concurrent="1" nextAc="seek">
+              <p:cTn id="2" dur="indefinite" nodeType="mainSeq">
+                <p:childTnLst>
+                  <p:par>
+                    <p:cTn id="3" fill="hold">
+                      <p:stCondLst>
+                        <p:cond delay="indefinite"/>
+                        <p:cond evt="onBegin" delay="0">
+                          <p:tn val="2"/>
+                        </p:cond>
+                      </p:stCondLst>
+                      <p:childTnLst>
+                        <p:par>
+                          <p:cTn id="4" fill="hold">
+                            <p:stCondLst>
+                              <p:cond delay="0"/>
+                            </p:stCondLst>
+                            <p:childTnLst>
+                              <p:par>
+                                <p:cTn id="5" presetID="10" presetClass="entr" presetSubtype="0" fill="hold" grpId="0" nodeType="withEffect">
+                                  <p:stCondLst>
+                                    <p:cond delay="0"/>
+                                  </p:stCondLst>
+                                  <p:childTnLst>
+                                    <p:set>
+                                      <p:cBhvr>
+                                        <p:cTn id="6" dur="1" fill="hold">
+                                          <p:stCondLst>
+                                            <p:cond delay="0"/>
+                                          </p:stCondLst>
+                                        </p:cTn>
+                                        <p:tgtEl>
+                                          <p:spTgt spid="14">
+                                            <p:txEl>
+                                              <p:pRg st="0" end="0"/>
+                                            </p:txEl>
+                                          </p:spTgt>
+                                        </p:tgtEl>
+                                        <p:attrNameLst>
+                                          <p:attrName>style.visibility</p:attrName>
+                                        </p:attrNameLst>
+                                      </p:cBhvr>
+                                      <p:to>
+                                        <p:strVal val="visible"/>
+                                      </p:to>
+                                    </p:set>
+                                    <p:animEffect transition="in" filter="fade">
+                                      <p:cBhvr>
+                                        <p:cTn id="7" dur="350"/>
+                                        <p:tgtEl>
+                                          <p:spTgt spid="14">
+                                            <p:txEl>
+                                              <p:pRg st="0" end="0"/>
+                                            </p:txEl>
+                                          </p:spTgt>
+                                        </p:tgtEl>
+                                      </p:cBhvr>
+                                    </p:animEffect>
+                                  </p:childTnLst>
+                                </p:cTn>
+                              </p:par>
+                            </p:childTnLst>
+                          </p:cTn>
+                        </p:par>
+                        <p:par>
+                          <p:cTn id="8" fill="hold">
+                            <p:stCondLst>
+                              <p:cond delay="350"/>
+                            </p:stCondLst>
+                            <p:childTnLst>
+                              <p:par>
+                                <p:cTn id="9" presetID="10" presetClass="entr" presetSubtype="0" fill="hold" grpId="0" nodeType="afterEffect">
+                                  <p:stCondLst>
+                                    <p:cond delay="0"/>
+                                  </p:stCondLst>
+                                  <p:childTnLst>
+                                    <p:set>
+                                      <p:cBhvr>
+                                        <p:cTn id="10" dur="1" fill="hold">
+                                          <p:stCondLst>
+                                            <p:cond delay="0"/>
+                                          </p:stCondLst>
+                                        </p:cTn>
+                                        <p:tgtEl>
+                                          <p:spTgt spid="14">
+                                            <p:txEl>
+                                              <p:pRg st="1" end="1"/>
+                                            </p:txEl>
+                                          </p:spTgt>
+                                        </p:tgtEl>
+                                        <p:attrNameLst>
+                                          <p:attrName>style.visibility</p:attrName>
+                                        </p:attrNameLst>
+                                      </p:cBhvr>
+                                      <p:to>
+                                        <p:strVal val="visible"/>
+                                      </p:to>
+                                    </p:set>
+                                    <p:animEffect transition="in" filter="fade">
+                                      <p:cBhvr>
+                                        <p:cTn id="11" dur="350"/>
+                                        <p:tgtEl>
+                                          <p:spTgt spid="14">
+                                            <p:txEl>
+                                              <p:pRg st="1" end="1"/>
+                                            </p:txEl>
+                                          </p:spTgt>
+                                        </p:tgtEl>
+                                      </p:cBhvr>
+                                    </p:animEffect>
+                                  </p:childTnLst>
+                                </p:cTn>
+                              </p:par>
+                            </p:childTnLst>
+                          </p:cTn>
+                        </p:par>
+                        <p:par>
+                          <p:cTn id="12" fill="hold">
+                            <p:stCondLst>
+                              <p:cond delay="700"/>
+                            </p:stCondLst>
+                            <p:childTnLst>
+                              <p:par>
+                                <p:cTn id="13" presetID="10" presetClass="entr" presetSubtype="0" fill="hold" grpId="0" nodeType="afterEffect">
+                                  <p:stCondLst>
+                                    <p:cond delay="0"/>
+                                  </p:stCondLst>
+                                  <p:childTnLst>
+                                    <p:set>
+                                      <p:cBhvr>
+                                        <p:cTn id="14" dur="1" fill="hold">
+                                          <p:stCondLst>
+                                            <p:cond delay="0"/>
+                                          </p:stCondLst>
+                                        </p:cTn>
+                                        <p:tgtEl>
+                                          <p:spTgt spid="14">
+                                            <p:txEl>
+                                              <p:pRg st="2" end="2"/>
+                                            </p:txEl>
+                                          </p:spTgt>
+                                        </p:tgtEl>
+                                        <p:attrNameLst>
+                                          <p:attrName>style.visibility</p:attrName>
+                                        </p:attrNameLst>
+                                      </p:cBhvr>
+                                      <p:to>
+                                        <p:strVal val="visible"/>
+                                      </p:to>
+                                    </p:set>
+                                    <p:animEffect transition="in" filter="fade">
+                                      <p:cBhvr>
+                                        <p:cTn id="15" dur="350"/>
+                                        <p:tgtEl>
+                                          <p:spTgt spid="14">
+                                            <p:txEl>
+                                              <p:pRg st="2" end="2"/>
+                                            </p:txEl>
+                                          </p:spTgt>
+                                        </p:tgtEl>
+                                      </p:cBhvr>
+                                    </p:animEffect>
+                                  </p:childTnLst>
+                                </p:cTn>
+                              </p:par>
+                            </p:childTnLst>
+                          </p:cTn>
+                        </p:par>
+                        <p:par>
+                          <p:cTn id="16" fill="hold">
+                            <p:stCondLst>
+                              <p:cond delay="1050"/>
+                            </p:stCondLst>
+                            <p:childTnLst>
+                              <p:par>
+                                <p:cTn id="17" presetID="10" presetClass="entr" presetSubtype="0" fill="hold" grpId="0" nodeType="afterEffect">
+                                  <p:stCondLst>
+                                    <p:cond delay="0"/>
+                                  </p:stCondLst>
+                                  <p:childTnLst>
+                                    <p:set>
+                                      <p:cBhvr>
+                                        <p:cTn id="18" dur="1" fill="hold">
+                                          <p:stCondLst>
+                                            <p:cond delay="0"/>
+                                          </p:stCondLst>
+                                        </p:cTn>
+                                        <p:tgtEl>
+                                          <p:spTgt spid="14">
+                                            <p:txEl>
+                                              <p:pRg st="3" end="3"/>
+                                            </p:txEl>
+                                          </p:spTgt>
+                                        </p:tgtEl>
+                                        <p:attrNameLst>
+                                          <p:attrName>style.visibility</p:attrName>
+                                        </p:attrNameLst>
+                                      </p:cBhvr>
+                                      <p:to>
+                                        <p:strVal val="visible"/>
+                                      </p:to>
+                                    </p:set>
+                                    <p:animEffect transition="in" filter="fade">
+                                      <p:cBhvr>
+                                        <p:cTn id="19" dur="350"/>
+                                        <p:tgtEl>
+                                          <p:spTgt spid="14">
+                                            <p:txEl>
+                                              <p:pRg st="3" end="3"/>
+                                            </p:txEl>
+                                          </p:spTgt>
+                                        </p:tgtEl>
+                                      </p:cBhvr>
+                                    </p:animEffect>
+                                  </p:childTnLst>
+                                </p:cTn>
+                              </p:par>
+                            </p:childTnLst>
+                          </p:cTn>
+                        </p:par>
+                        <p:par>
+                          <p:cTn id="20" fill="hold">
+                            <p:stCondLst>
+                              <p:cond delay="1400"/>
+                            </p:stCondLst>
+                            <p:childTnLst>
+                              <p:par>
+                                <p:cTn id="21" presetID="10" presetClass="entr" presetSubtype="0" fill="hold" grpId="0" nodeType="afterEffect">
+                                  <p:stCondLst>
+                                    <p:cond delay="0"/>
+                                  </p:stCondLst>
+                                  <p:childTnLst>
+                                    <p:set>
+                                      <p:cBhvr>
+                                        <p:cTn id="22" dur="1" fill="hold">
+                                          <p:stCondLst>
+                                            <p:cond delay="0"/>
+                                          </p:stCondLst>
+                                        </p:cTn>
+                                        <p:tgtEl>
+                                          <p:spTgt spid="14">
+                                            <p:txEl>
+                                              <p:pRg st="4" end="4"/>
+                                            </p:txEl>
+                                          </p:spTgt>
+                                        </p:tgtEl>
+                                        <p:attrNameLst>
+                                          <p:attrName>style.visibility</p:attrName>
+                                        </p:attrNameLst>
+                                      </p:cBhvr>
+                                      <p:to>
+                                        <p:strVal val="visible"/>
+                                      </p:to>
+                                    </p:set>
+                                    <p:animEffect transition="in" filter="fade">
+                                      <p:cBhvr>
+                                        <p:cTn id="23" dur="350"/>
+                                        <p:tgtEl>
+                                          <p:spTgt spid="14">
+                                            <p:txEl>
+                                              <p:pRg st="4" end="4"/>
+                                            </p:txEl>
+                                          </p:spTgt>
+                                        </p:tgtEl>
+                                      </p:cBhvr>
+                                    </p:animEffect>
+                                  </p:childTnLst>
+                                </p:cTn>
+                              </p:par>
+                            </p:childTnLst>
+                          </p:cTn>
+                        </p:par>
+                        <p:par>
+                          <p:cTn id="24" fill="hold">
+                            <p:stCondLst>
+                              <p:cond delay="1750"/>
+                            </p:stCondLst>
+                            <p:childTnLst>
+                              <p:par>
+                                <p:cTn id="25" presetID="10" presetClass="entr" presetSubtype="0" fill="hold" grpId="0" nodeType="afterEffect">
+                                  <p:stCondLst>
+                                    <p:cond delay="0"/>
+                                  </p:stCondLst>
+                                  <p:childTnLst>
+                                    <p:set>
+                                      <p:cBhvr>
+                                        <p:cTn id="26" dur="1" fill="hold">
+                                          <p:stCondLst>
+                                            <p:cond delay="0"/>
+                                          </p:stCondLst>
+                                        </p:cTn>
+                                        <p:tgtEl>
+                                          <p:spTgt spid="14">
+                                            <p:txEl>
+                                              <p:pRg st="5" end="5"/>
+                                            </p:txEl>
+                                          </p:spTgt>
+                                        </p:tgtEl>
+                                        <p:attrNameLst>
+                                          <p:attrName>style.visibility</p:attrName>
+                                        </p:attrNameLst>
+                                      </p:cBhvr>
+                                      <p:to>
+                                        <p:strVal val="visible"/>
+                                      </p:to>
+                                    </p:set>
+                                    <p:animEffect transition="in" filter="fade">
+                                      <p:cBhvr>
+                                        <p:cTn id="27" dur="350"/>
+                                        <p:tgtEl>
+                                          <p:spTgt spid="14">
+                                            <p:txEl>
+                                              <p:pRg st="5" end="5"/>
+                                            </p:txEl>
+                                          </p:spTgt>
+                                        </p:tgtEl>
+                                      </p:cBhvr>
+                                    </p:animEffect>
+                                  </p:childTnLst>
+                                </p:cTn>
+                              </p:par>
+                            </p:childTnLst>
+                          </p:cTn>
+                        </p:par>
+                        <p:par>
+                          <p:cTn id="28" fill="hold">
+                            <p:stCondLst>
+                              <p:cond delay="2100"/>
+                            </p:stCondLst>
+                            <p:childTnLst>
+                              <p:par>
+                                <p:cTn id="29" presetID="10" presetClass="entr" presetSubtype="0" fill="hold" grpId="0" nodeType="afterEffect">
+                                  <p:stCondLst>
+                                    <p:cond delay="0"/>
+                                  </p:stCondLst>
+                                  <p:childTnLst>
+                                    <p:set>
+                                      <p:cBhvr>
+                                        <p:cTn id="30" dur="1" fill="hold">
+                                          <p:stCondLst>
+                                            <p:cond delay="0"/>
+                                          </p:stCondLst>
+                                        </p:cTn>
+                                        <p:tgtEl>
+                                          <p:spTgt spid="14">
+                                            <p:txEl>
+                                              <p:pRg st="6" end="6"/>
+                                            </p:txEl>
+                                          </p:spTgt>
+                                        </p:tgtEl>
+                                        <p:attrNameLst>
+                                          <p:attrName>style.visibility</p:attrName>
+                                        </p:attrNameLst>
+                                      </p:cBhvr>
+                                      <p:to>
+                                        <p:strVal val="visible"/>
+                                      </p:to>
+                                    </p:set>
+                                    <p:animEffect transition="in" filter="fade">
+                                      <p:cBhvr>
+                                        <p:cTn id="31" dur="350"/>
+                                        <p:tgtEl>
+                                          <p:spTgt spid="14">
+                                            <p:txEl>
+                                              <p:pRg st="6" end="6"/>
+                                            </p:txEl>
+                                          </p:spTgt>
+                                        </p:tgtEl>
+                                      </p:cBhvr>
+                                    </p:animEffect>
+                                  </p:childTnLst>
+                                </p:cTn>
+                              </p:par>
+                            </p:childTnLst>
+                          </p:cTn>
+                        </p:par>
+                      </p:childTnLst>
+                    </p:cTn>
+                  </p:par>
+                </p:childTnLst>
+              </p:cTn>
+              <p:prevCondLst>
+                <p:cond evt="onPrev" delay="0">
+                  <p:tgtEl>
+                    <p:sldTgt/>
+                  </p:tgtEl>
+                </p:cond>
+              </p:prevCondLst>
+              <p:nextCondLst>
+                <p:cond evt="onNext" delay="0">
+                  <p:tgtEl>
+                    <p:sldTgt/>
+                  </p:tgtEl>
+                </p:cond>
+              </p:nextCondLst>
+            </p:seq>
+          </p:childTnLst>
+        </p:cTn>
+      </p:par>
+    </p:tnLst>
+    <p:bldLst>
+      <p:bldP spid="14" grpId="0" uiExpand="1" build="p"/>
+    </p:bldLst>
+  </p:timing>
 </p:sld>
 </file>
 
@@ -11462,6 +14115,140 @@
       </p:transition>
     </mc:Fallback>
   </mc:AlternateContent>
+  <p:timing>
+    <p:tnLst>
+      <p:par>
+        <p:cTn id="1" dur="indefinite" restart="never" nodeType="tmRoot">
+          <p:childTnLst>
+            <p:seq concurrent="1" nextAc="seek">
+              <p:cTn id="2" dur="indefinite" nodeType="mainSeq">
+                <p:childTnLst>
+                  <p:par>
+                    <p:cTn id="3" fill="hold">
+                      <p:stCondLst>
+                        <p:cond delay="indefinite"/>
+                        <p:cond evt="onBegin" delay="0">
+                          <p:tn val="2"/>
+                        </p:cond>
+                      </p:stCondLst>
+                      <p:childTnLst>
+                        <p:par>
+                          <p:cTn id="4" fill="hold">
+                            <p:stCondLst>
+                              <p:cond delay="0"/>
+                            </p:stCondLst>
+                            <p:childTnLst>
+                              <p:par>
+                                <p:cTn id="5" presetID="10" presetClass="entr" presetSubtype="0" fill="hold" grpId="0" nodeType="withEffect">
+                                  <p:stCondLst>
+                                    <p:cond delay="0"/>
+                                  </p:stCondLst>
+                                  <p:childTnLst>
+                                    <p:set>
+                                      <p:cBhvr>
+                                        <p:cTn id="6" dur="1" fill="hold">
+                                          <p:stCondLst>
+                                            <p:cond delay="0"/>
+                                          </p:stCondLst>
+                                        </p:cTn>
+                                        <p:tgtEl>
+                                          <p:spTgt spid="2"/>
+                                        </p:tgtEl>
+                                        <p:attrNameLst>
+                                          <p:attrName>style.visibility</p:attrName>
+                                        </p:attrNameLst>
+                                      </p:cBhvr>
+                                      <p:to>
+                                        <p:strVal val="visible"/>
+                                      </p:to>
+                                    </p:set>
+                                    <p:animEffect transition="in" filter="fade">
+                                      <p:cBhvr>
+                                        <p:cTn id="7" dur="500"/>
+                                        <p:tgtEl>
+                                          <p:spTgt spid="2"/>
+                                        </p:tgtEl>
+                                      </p:cBhvr>
+                                    </p:animEffect>
+                                  </p:childTnLst>
+                                </p:cTn>
+                              </p:par>
+                            </p:childTnLst>
+                          </p:cTn>
+                        </p:par>
+                        <p:par>
+                          <p:cTn id="8" fill="hold">
+                            <p:stCondLst>
+                              <p:cond delay="500"/>
+                            </p:stCondLst>
+                            <p:childTnLst>
+                              <p:par>
+                                <p:cTn id="9" presetID="10" presetClass="entr" presetSubtype="0" fill="hold" grpId="0" nodeType="afterEffect">
+                                  <p:stCondLst>
+                                    <p:cond delay="0"/>
+                                  </p:stCondLst>
+                                  <p:childTnLst>
+                                    <p:set>
+                                      <p:cBhvr>
+                                        <p:cTn id="10" dur="1" fill="hold">
+                                          <p:stCondLst>
+                                            <p:cond delay="0"/>
+                                          </p:stCondLst>
+                                        </p:cTn>
+                                        <p:tgtEl>
+                                          <p:spTgt spid="3"/>
+                                        </p:tgtEl>
+                                        <p:attrNameLst>
+                                          <p:attrName>style.visibility</p:attrName>
+                                        </p:attrNameLst>
+                                      </p:cBhvr>
+                                      <p:to>
+                                        <p:strVal val="visible"/>
+                                      </p:to>
+                                    </p:set>
+                                    <p:animEffect transition="in" filter="fade">
+                                      <p:cBhvr>
+                                        <p:cTn id="11" dur="500"/>
+                                        <p:tgtEl>
+                                          <p:spTgt spid="3"/>
+                                        </p:tgtEl>
+                                      </p:cBhvr>
+                                    </p:animEffect>
+                                  </p:childTnLst>
+                                </p:cTn>
+                              </p:par>
+                            </p:childTnLst>
+                          </p:cTn>
+                        </p:par>
+                      </p:childTnLst>
+                    </p:cTn>
+                  </p:par>
+                </p:childTnLst>
+              </p:cTn>
+              <p:prevCondLst>
+                <p:cond evt="onPrev" delay="0">
+                  <p:tgtEl>
+                    <p:sldTgt/>
+                  </p:tgtEl>
+                </p:cond>
+              </p:prevCondLst>
+              <p:nextCondLst>
+                <p:cond evt="onNext" delay="0">
+                  <p:tgtEl>
+                    <p:sldTgt/>
+                  </p:tgtEl>
+                </p:cond>
+              </p:nextCondLst>
+            </p:seq>
+          </p:childTnLst>
+        </p:cTn>
+      </p:par>
+    </p:tnLst>
+    <p:bldLst>
+      <p:bldP spid="2" grpId="0"/>
+      <p:bldP spid="3" grpId="0" animBg="1"/>
+    </p:bldLst>
+  </p:timing>
 </p:sld>
 </file>
 
@@ -11614,6 +14401,148 @@
       </p:transition>
     </mc:Fallback>
   </mc:AlternateContent>
+  <p:timing>
+    <p:tnLst>
+      <p:par>
+        <p:cTn id="1" dur="indefinite" restart="never" nodeType="tmRoot">
+          <p:childTnLst>
+            <p:seq concurrent="1" nextAc="seek">
+              <p:cTn id="2" dur="indefinite" nodeType="mainSeq">
+                <p:childTnLst>
+                  <p:par>
+                    <p:cTn id="3" fill="hold">
+                      <p:stCondLst>
+                        <p:cond delay="indefinite"/>
+                        <p:cond evt="onBegin" delay="0">
+                          <p:tn val="2"/>
+                        </p:cond>
+                      </p:stCondLst>
+                      <p:childTnLst>
+                        <p:par>
+                          <p:cTn id="4" fill="hold">
+                            <p:stCondLst>
+                              <p:cond delay="0"/>
+                            </p:stCondLst>
+                            <p:childTnLst>
+                              <p:par>
+                                <p:cTn id="5" presetID="10" presetClass="entr" presetSubtype="0" fill="hold" grpId="0" nodeType="withEffect">
+                                  <p:stCondLst>
+                                    <p:cond delay="0"/>
+                                  </p:stCondLst>
+                                  <p:childTnLst>
+                                    <p:set>
+                                      <p:cBhvr>
+                                        <p:cTn id="6" dur="1" fill="hold">
+                                          <p:stCondLst>
+                                            <p:cond delay="0"/>
+                                          </p:stCondLst>
+                                        </p:cTn>
+                                        <p:tgtEl>
+                                          <p:spTgt spid="4"/>
+                                        </p:tgtEl>
+                                        <p:attrNameLst>
+                                          <p:attrName>style.visibility</p:attrName>
+                                        </p:attrNameLst>
+                                      </p:cBhvr>
+                                      <p:to>
+                                        <p:strVal val="visible"/>
+                                      </p:to>
+                                    </p:set>
+                                    <p:animEffect transition="in" filter="fade">
+                                      <p:cBhvr>
+                                        <p:cTn id="7" dur="500"/>
+                                        <p:tgtEl>
+                                          <p:spTgt spid="4"/>
+                                        </p:tgtEl>
+                                      </p:cBhvr>
+                                    </p:animEffect>
+                                  </p:childTnLst>
+                                </p:cTn>
+                              </p:par>
+                            </p:childTnLst>
+                          </p:cTn>
+                        </p:par>
+                        <p:par>
+                          <p:cTn id="8" fill="hold">
+                            <p:stCondLst>
+                              <p:cond delay="500"/>
+                            </p:stCondLst>
+                            <p:childTnLst>
+                              <p:par>
+                                <p:cTn id="9" presetID="10" presetClass="entr" presetSubtype="0" fill="hold" grpId="0" nodeType="afterEffect">
+                                  <p:stCondLst>
+                                    <p:cond delay="0"/>
+                                  </p:stCondLst>
+                                  <p:childTnLst>
+                                    <p:set>
+                                      <p:cBhvr>
+                                        <p:cTn id="10" dur="1" fill="hold">
+                                          <p:stCondLst>
+                                            <p:cond delay="0"/>
+                                          </p:stCondLst>
+                                        </p:cTn>
+                                        <p:tgtEl>
+                                          <p:spTgt spid="5">
+                                            <p:txEl>
+                                              <p:pRg st="0" end="0"/>
+                                            </p:txEl>
+                                          </p:spTgt>
+                                        </p:tgtEl>
+                                        <p:attrNameLst>
+                                          <p:attrName>style.visibility</p:attrName>
+                                        </p:attrNameLst>
+                                      </p:cBhvr>
+                                      <p:to>
+                                        <p:strVal val="visible"/>
+                                      </p:to>
+                                    </p:set>
+                                    <p:animEffect transition="in" filter="fade">
+                                      <p:cBhvr>
+                                        <p:cTn id="11" dur="500"/>
+                                        <p:tgtEl>
+                                          <p:spTgt spid="5">
+                                            <p:txEl>
+                                              <p:pRg st="0" end="0"/>
+                                            </p:txEl>
+                                          </p:spTgt>
+                                        </p:tgtEl>
+                                      </p:cBhvr>
+                                    </p:animEffect>
+                                  </p:childTnLst>
+                                </p:cTn>
+                              </p:par>
+                            </p:childTnLst>
+                          </p:cTn>
+                        </p:par>
+                      </p:childTnLst>
+                    </p:cTn>
+                  </p:par>
+                </p:childTnLst>
+              </p:cTn>
+              <p:prevCondLst>
+                <p:cond evt="onPrev" delay="0">
+                  <p:tgtEl>
+                    <p:sldTgt/>
+                  </p:tgtEl>
+                </p:cond>
+              </p:prevCondLst>
+              <p:nextCondLst>
+                <p:cond evt="onNext" delay="0">
+                  <p:tgtEl>
+                    <p:sldTgt/>
+                  </p:tgtEl>
+                </p:cond>
+              </p:nextCondLst>
+            </p:seq>
+          </p:childTnLst>
+        </p:cTn>
+      </p:par>
+    </p:tnLst>
+    <p:bldLst>
+      <p:bldP spid="4" grpId="0"/>
+      <p:bldP spid="5" grpId="0" build="p"/>
+    </p:bldLst>
+  </p:timing>
 </p:sld>
 </file>
 
@@ -12159,7 +15088,7 @@
                     <a:latin typeface="Cambria Math" panose="02040503050406030204" pitchFamily="18" charset="0"/>
                     <a:ea typeface="Cambria Math" panose="02040503050406030204" pitchFamily="18" charset="0"/>
                   </a:rPr>
-                  <a:t>Où :                                          </a:t>
+                  <a:t>Où :                                               </a:t>
                 </a:r>
                 <a14:m>
                   <m:oMath xmlns:m="http://schemas.openxmlformats.org/officeDocument/2006/math">
@@ -13685,18 +16614,524 @@
   <p:clrMapOvr>
     <a:masterClrMapping/>
   </p:clrMapOvr>
-  <mc:AlternateContent xmlns:mc="http://schemas.openxmlformats.org/markup-compatibility/2006">
-    <mc:Choice xmlns:p14="http://schemas.microsoft.com/office/powerpoint/2010/main" Requires="p14">
+  <mc:AlternateContent xmlns:mc="http://schemas.openxmlformats.org/markup-compatibility/2006" xmlns:p14="http://schemas.microsoft.com/office/powerpoint/2010/main">
+    <mc:Choice Requires="p14">
       <p:transition spd="med" p14:dur="700">
         <p:fade/>
       </p:transition>
     </mc:Choice>
-    <mc:Fallback>
+    <mc:Fallback xmlns="">
       <p:transition spd="med">
         <p:fade/>
       </p:transition>
     </mc:Fallback>
   </mc:AlternateContent>
+  <p:timing>
+    <p:tnLst>
+      <p:par>
+        <p:cTn id="1" dur="indefinite" restart="never" nodeType="tmRoot">
+          <p:childTnLst>
+            <p:seq concurrent="1" nextAc="seek">
+              <p:cTn id="2" dur="indefinite" nodeType="mainSeq">
+                <p:childTnLst>
+                  <p:par>
+                    <p:cTn id="3" fill="hold">
+                      <p:stCondLst>
+                        <p:cond delay="indefinite"/>
+                        <p:cond evt="onBegin" delay="0">
+                          <p:tn val="2"/>
+                        </p:cond>
+                      </p:stCondLst>
+                      <p:childTnLst>
+                        <p:par>
+                          <p:cTn id="4" fill="hold">
+                            <p:stCondLst>
+                              <p:cond delay="0"/>
+                            </p:stCondLst>
+                            <p:childTnLst>
+                              <p:par>
+                                <p:cTn id="5" presetID="10" presetClass="entr" presetSubtype="0" fill="hold" grpId="0" nodeType="withEffect">
+                                  <p:stCondLst>
+                                    <p:cond delay="0"/>
+                                  </p:stCondLst>
+                                  <p:childTnLst>
+                                    <p:set>
+                                      <p:cBhvr>
+                                        <p:cTn id="6" dur="1" fill="hold">
+                                          <p:stCondLst>
+                                            <p:cond delay="0"/>
+                                          </p:stCondLst>
+                                        </p:cTn>
+                                        <p:tgtEl>
+                                          <p:spTgt spid="13"/>
+                                        </p:tgtEl>
+                                        <p:attrNameLst>
+                                          <p:attrName>style.visibility</p:attrName>
+                                        </p:attrNameLst>
+                                      </p:cBhvr>
+                                      <p:to>
+                                        <p:strVal val="visible"/>
+                                      </p:to>
+                                    </p:set>
+                                    <p:animEffect transition="in" filter="fade">
+                                      <p:cBhvr>
+                                        <p:cTn id="7" dur="500"/>
+                                        <p:tgtEl>
+                                          <p:spTgt spid="13"/>
+                                        </p:tgtEl>
+                                      </p:cBhvr>
+                                    </p:animEffect>
+                                  </p:childTnLst>
+                                </p:cTn>
+                              </p:par>
+                            </p:childTnLst>
+                          </p:cTn>
+                        </p:par>
+                        <p:par>
+                          <p:cTn id="8" fill="hold">
+                            <p:stCondLst>
+                              <p:cond delay="500"/>
+                            </p:stCondLst>
+                            <p:childTnLst>
+                              <p:par>
+                                <p:cTn id="9" presetID="10" presetClass="entr" presetSubtype="0" fill="hold" grpId="0" nodeType="afterEffect">
+                                  <p:stCondLst>
+                                    <p:cond delay="0"/>
+                                  </p:stCondLst>
+                                  <p:childTnLst>
+                                    <p:set>
+                                      <p:cBhvr>
+                                        <p:cTn id="10" dur="1" fill="hold">
+                                          <p:stCondLst>
+                                            <p:cond delay="0"/>
+                                          </p:stCondLst>
+                                        </p:cTn>
+                                        <p:tgtEl>
+                                          <p:spTgt spid="14">
+                                            <p:txEl>
+                                              <p:pRg st="0" end="0"/>
+                                            </p:txEl>
+                                          </p:spTgt>
+                                        </p:tgtEl>
+                                        <p:attrNameLst>
+                                          <p:attrName>style.visibility</p:attrName>
+                                        </p:attrNameLst>
+                                      </p:cBhvr>
+                                      <p:to>
+                                        <p:strVal val="visible"/>
+                                      </p:to>
+                                    </p:set>
+                                    <p:animEffect transition="in" filter="fade">
+                                      <p:cBhvr>
+                                        <p:cTn id="11" dur="350"/>
+                                        <p:tgtEl>
+                                          <p:spTgt spid="14">
+                                            <p:txEl>
+                                              <p:pRg st="0" end="0"/>
+                                            </p:txEl>
+                                          </p:spTgt>
+                                        </p:tgtEl>
+                                      </p:cBhvr>
+                                    </p:animEffect>
+                                  </p:childTnLst>
+                                </p:cTn>
+                              </p:par>
+                            </p:childTnLst>
+                          </p:cTn>
+                        </p:par>
+                        <p:par>
+                          <p:cTn id="12" fill="hold">
+                            <p:stCondLst>
+                              <p:cond delay="850"/>
+                            </p:stCondLst>
+                            <p:childTnLst>
+                              <p:par>
+                                <p:cTn id="13" presetID="10" presetClass="entr" presetSubtype="0" fill="hold" grpId="0" nodeType="afterEffect">
+                                  <p:stCondLst>
+                                    <p:cond delay="0"/>
+                                  </p:stCondLst>
+                                  <p:childTnLst>
+                                    <p:set>
+                                      <p:cBhvr>
+                                        <p:cTn id="14" dur="1" fill="hold">
+                                          <p:stCondLst>
+                                            <p:cond delay="0"/>
+                                          </p:stCondLst>
+                                        </p:cTn>
+                                        <p:tgtEl>
+                                          <p:spTgt spid="14">
+                                            <p:txEl>
+                                              <p:pRg st="1" end="1"/>
+                                            </p:txEl>
+                                          </p:spTgt>
+                                        </p:tgtEl>
+                                        <p:attrNameLst>
+                                          <p:attrName>style.visibility</p:attrName>
+                                        </p:attrNameLst>
+                                      </p:cBhvr>
+                                      <p:to>
+                                        <p:strVal val="visible"/>
+                                      </p:to>
+                                    </p:set>
+                                    <p:animEffect transition="in" filter="fade">
+                                      <p:cBhvr>
+                                        <p:cTn id="15" dur="350"/>
+                                        <p:tgtEl>
+                                          <p:spTgt spid="14">
+                                            <p:txEl>
+                                              <p:pRg st="1" end="1"/>
+                                            </p:txEl>
+                                          </p:spTgt>
+                                        </p:tgtEl>
+                                      </p:cBhvr>
+                                    </p:animEffect>
+                                  </p:childTnLst>
+                                </p:cTn>
+                              </p:par>
+                            </p:childTnLst>
+                          </p:cTn>
+                        </p:par>
+                        <p:par>
+                          <p:cTn id="16" fill="hold">
+                            <p:stCondLst>
+                              <p:cond delay="1200"/>
+                            </p:stCondLst>
+                            <p:childTnLst>
+                              <p:par>
+                                <p:cTn id="17" presetID="10" presetClass="entr" presetSubtype="0" fill="hold" grpId="0" nodeType="afterEffect">
+                                  <p:stCondLst>
+                                    <p:cond delay="0"/>
+                                  </p:stCondLst>
+                                  <p:childTnLst>
+                                    <p:set>
+                                      <p:cBhvr>
+                                        <p:cTn id="18" dur="1" fill="hold">
+                                          <p:stCondLst>
+                                            <p:cond delay="0"/>
+                                          </p:stCondLst>
+                                        </p:cTn>
+                                        <p:tgtEl>
+                                          <p:spTgt spid="14">
+                                            <p:txEl>
+                                              <p:pRg st="2" end="2"/>
+                                            </p:txEl>
+                                          </p:spTgt>
+                                        </p:tgtEl>
+                                        <p:attrNameLst>
+                                          <p:attrName>style.visibility</p:attrName>
+                                        </p:attrNameLst>
+                                      </p:cBhvr>
+                                      <p:to>
+                                        <p:strVal val="visible"/>
+                                      </p:to>
+                                    </p:set>
+                                    <p:animEffect transition="in" filter="fade">
+                                      <p:cBhvr>
+                                        <p:cTn id="19" dur="350"/>
+                                        <p:tgtEl>
+                                          <p:spTgt spid="14">
+                                            <p:txEl>
+                                              <p:pRg st="2" end="2"/>
+                                            </p:txEl>
+                                          </p:spTgt>
+                                        </p:tgtEl>
+                                      </p:cBhvr>
+                                    </p:animEffect>
+                                  </p:childTnLst>
+                                </p:cTn>
+                              </p:par>
+                            </p:childTnLst>
+                          </p:cTn>
+                        </p:par>
+                        <p:par>
+                          <p:cTn id="20" fill="hold">
+                            <p:stCondLst>
+                              <p:cond delay="1550"/>
+                            </p:stCondLst>
+                            <p:childTnLst>
+                              <p:par>
+                                <p:cTn id="21" presetID="10" presetClass="entr" presetSubtype="0" fill="hold" grpId="0" nodeType="afterEffect">
+                                  <p:stCondLst>
+                                    <p:cond delay="0"/>
+                                  </p:stCondLst>
+                                  <p:childTnLst>
+                                    <p:set>
+                                      <p:cBhvr>
+                                        <p:cTn id="22" dur="1" fill="hold">
+                                          <p:stCondLst>
+                                            <p:cond delay="0"/>
+                                          </p:stCondLst>
+                                        </p:cTn>
+                                        <p:tgtEl>
+                                          <p:spTgt spid="14">
+                                            <p:txEl>
+                                              <p:pRg st="3" end="3"/>
+                                            </p:txEl>
+                                          </p:spTgt>
+                                        </p:tgtEl>
+                                        <p:attrNameLst>
+                                          <p:attrName>style.visibility</p:attrName>
+                                        </p:attrNameLst>
+                                      </p:cBhvr>
+                                      <p:to>
+                                        <p:strVal val="visible"/>
+                                      </p:to>
+                                    </p:set>
+                                    <p:animEffect transition="in" filter="fade">
+                                      <p:cBhvr>
+                                        <p:cTn id="23" dur="350"/>
+                                        <p:tgtEl>
+                                          <p:spTgt spid="14">
+                                            <p:txEl>
+                                              <p:pRg st="3" end="3"/>
+                                            </p:txEl>
+                                          </p:spTgt>
+                                        </p:tgtEl>
+                                      </p:cBhvr>
+                                    </p:animEffect>
+                                  </p:childTnLst>
+                                </p:cTn>
+                              </p:par>
+                            </p:childTnLst>
+                          </p:cTn>
+                        </p:par>
+                        <p:par>
+                          <p:cTn id="24" fill="hold">
+                            <p:stCondLst>
+                              <p:cond delay="1900"/>
+                            </p:stCondLst>
+                            <p:childTnLst>
+                              <p:par>
+                                <p:cTn id="25" presetID="10" presetClass="entr" presetSubtype="0" fill="hold" grpId="0" nodeType="afterEffect">
+                                  <p:stCondLst>
+                                    <p:cond delay="0"/>
+                                  </p:stCondLst>
+                                  <p:childTnLst>
+                                    <p:set>
+                                      <p:cBhvr>
+                                        <p:cTn id="26" dur="1" fill="hold">
+                                          <p:stCondLst>
+                                            <p:cond delay="0"/>
+                                          </p:stCondLst>
+                                        </p:cTn>
+                                        <p:tgtEl>
+                                          <p:spTgt spid="14">
+                                            <p:txEl>
+                                              <p:pRg st="4" end="4"/>
+                                            </p:txEl>
+                                          </p:spTgt>
+                                        </p:tgtEl>
+                                        <p:attrNameLst>
+                                          <p:attrName>style.visibility</p:attrName>
+                                        </p:attrNameLst>
+                                      </p:cBhvr>
+                                      <p:to>
+                                        <p:strVal val="visible"/>
+                                      </p:to>
+                                    </p:set>
+                                    <p:animEffect transition="in" filter="fade">
+                                      <p:cBhvr>
+                                        <p:cTn id="27" dur="350"/>
+                                        <p:tgtEl>
+                                          <p:spTgt spid="14">
+                                            <p:txEl>
+                                              <p:pRg st="4" end="4"/>
+                                            </p:txEl>
+                                          </p:spTgt>
+                                        </p:tgtEl>
+                                      </p:cBhvr>
+                                    </p:animEffect>
+                                  </p:childTnLst>
+                                </p:cTn>
+                              </p:par>
+                            </p:childTnLst>
+                          </p:cTn>
+                        </p:par>
+                        <p:par>
+                          <p:cTn id="28" fill="hold">
+                            <p:stCondLst>
+                              <p:cond delay="2250"/>
+                            </p:stCondLst>
+                            <p:childTnLst>
+                              <p:par>
+                                <p:cTn id="29" presetID="10" presetClass="entr" presetSubtype="0" fill="hold" grpId="0" nodeType="afterEffect">
+                                  <p:stCondLst>
+                                    <p:cond delay="0"/>
+                                  </p:stCondLst>
+                                  <p:childTnLst>
+                                    <p:set>
+                                      <p:cBhvr>
+                                        <p:cTn id="30" dur="1" fill="hold">
+                                          <p:stCondLst>
+                                            <p:cond delay="0"/>
+                                          </p:stCondLst>
+                                        </p:cTn>
+                                        <p:tgtEl>
+                                          <p:spTgt spid="14">
+                                            <p:txEl>
+                                              <p:pRg st="5" end="5"/>
+                                            </p:txEl>
+                                          </p:spTgt>
+                                        </p:tgtEl>
+                                        <p:attrNameLst>
+                                          <p:attrName>style.visibility</p:attrName>
+                                        </p:attrNameLst>
+                                      </p:cBhvr>
+                                      <p:to>
+                                        <p:strVal val="visible"/>
+                                      </p:to>
+                                    </p:set>
+                                    <p:animEffect transition="in" filter="fade">
+                                      <p:cBhvr>
+                                        <p:cTn id="31" dur="350"/>
+                                        <p:tgtEl>
+                                          <p:spTgt spid="14">
+                                            <p:txEl>
+                                              <p:pRg st="5" end="5"/>
+                                            </p:txEl>
+                                          </p:spTgt>
+                                        </p:tgtEl>
+                                      </p:cBhvr>
+                                    </p:animEffect>
+                                  </p:childTnLst>
+                                </p:cTn>
+                              </p:par>
+                            </p:childTnLst>
+                          </p:cTn>
+                        </p:par>
+                        <p:par>
+                          <p:cTn id="32" fill="hold">
+                            <p:stCondLst>
+                              <p:cond delay="2600"/>
+                            </p:stCondLst>
+                            <p:childTnLst>
+                              <p:par>
+                                <p:cTn id="33" presetID="10" presetClass="entr" presetSubtype="0" fill="hold" grpId="0" nodeType="afterEffect">
+                                  <p:stCondLst>
+                                    <p:cond delay="0"/>
+                                  </p:stCondLst>
+                                  <p:childTnLst>
+                                    <p:set>
+                                      <p:cBhvr>
+                                        <p:cTn id="34" dur="1" fill="hold">
+                                          <p:stCondLst>
+                                            <p:cond delay="0"/>
+                                          </p:stCondLst>
+                                        </p:cTn>
+                                        <p:tgtEl>
+                                          <p:spTgt spid="14">
+                                            <p:txEl>
+                                              <p:pRg st="6" end="6"/>
+                                            </p:txEl>
+                                          </p:spTgt>
+                                        </p:tgtEl>
+                                        <p:attrNameLst>
+                                          <p:attrName>style.visibility</p:attrName>
+                                        </p:attrNameLst>
+                                      </p:cBhvr>
+                                      <p:to>
+                                        <p:strVal val="visible"/>
+                                      </p:to>
+                                    </p:set>
+                                    <p:animEffect transition="in" filter="fade">
+                                      <p:cBhvr>
+                                        <p:cTn id="35" dur="350"/>
+                                        <p:tgtEl>
+                                          <p:spTgt spid="14">
+                                            <p:txEl>
+                                              <p:pRg st="6" end="6"/>
+                                            </p:txEl>
+                                          </p:spTgt>
+                                        </p:tgtEl>
+                                      </p:cBhvr>
+                                    </p:animEffect>
+                                  </p:childTnLst>
+                                </p:cTn>
+                              </p:par>
+                            </p:childTnLst>
+                          </p:cTn>
+                        </p:par>
+                        <p:par>
+                          <p:cTn id="36" fill="hold">
+                            <p:stCondLst>
+                              <p:cond delay="2950"/>
+                            </p:stCondLst>
+                            <p:childTnLst>
+                              <p:par>
+                                <p:cTn id="37" presetID="10" presetClass="entr" presetSubtype="0" fill="hold" grpId="0" nodeType="afterEffect">
+                                  <p:stCondLst>
+                                    <p:cond delay="0"/>
+                                  </p:stCondLst>
+                                  <p:childTnLst>
+                                    <p:set>
+                                      <p:cBhvr>
+                                        <p:cTn id="38" dur="1" fill="hold">
+                                          <p:stCondLst>
+                                            <p:cond delay="0"/>
+                                          </p:stCondLst>
+                                        </p:cTn>
+                                        <p:tgtEl>
+                                          <p:spTgt spid="14">
+                                            <p:txEl>
+                                              <p:pRg st="7" end="7"/>
+                                            </p:txEl>
+                                          </p:spTgt>
+                                        </p:tgtEl>
+                                        <p:attrNameLst>
+                                          <p:attrName>style.visibility</p:attrName>
+                                        </p:attrNameLst>
+                                      </p:cBhvr>
+                                      <p:to>
+                                        <p:strVal val="visible"/>
+                                      </p:to>
+                                    </p:set>
+                                    <p:animEffect transition="in" filter="fade">
+                                      <p:cBhvr>
+                                        <p:cTn id="39" dur="350"/>
+                                        <p:tgtEl>
+                                          <p:spTgt spid="14">
+                                            <p:txEl>
+                                              <p:pRg st="7" end="7"/>
+                                            </p:txEl>
+                                          </p:spTgt>
+                                        </p:tgtEl>
+                                      </p:cBhvr>
+                                    </p:animEffect>
+                                  </p:childTnLst>
+                                </p:cTn>
+                              </p:par>
+                            </p:childTnLst>
+                          </p:cTn>
+                        </p:par>
+                      </p:childTnLst>
+                    </p:cTn>
+                  </p:par>
+                </p:childTnLst>
+              </p:cTn>
+              <p:prevCondLst>
+                <p:cond evt="onPrev" delay="0">
+                  <p:tgtEl>
+                    <p:sldTgt/>
+                  </p:tgtEl>
+                </p:cond>
+              </p:prevCondLst>
+              <p:nextCondLst>
+                <p:cond evt="onNext" delay="0">
+                  <p:tgtEl>
+                    <p:sldTgt/>
+                  </p:tgtEl>
+                </p:cond>
+              </p:nextCondLst>
+            </p:seq>
+          </p:childTnLst>
+        </p:cTn>
+      </p:par>
+    </p:tnLst>
+    <p:bldLst>
+      <p:bldP spid="13" grpId="0"/>
+      <p:bldP spid="14" grpId="0" uiExpand="1" build="p"/>
+    </p:bldLst>
+  </p:timing>
 </p:sld>
 </file>
 
@@ -13751,8 +17186,8 @@
           </a:p>
         </p:txBody>
       </p:sp>
-      <mc:AlternateContent xmlns:mc="http://schemas.openxmlformats.org/markup-compatibility/2006">
-        <mc:Choice xmlns:a14="http://schemas.microsoft.com/office/drawing/2010/main" Requires="a14">
+      <mc:AlternateContent xmlns:mc="http://schemas.openxmlformats.org/markup-compatibility/2006" xmlns:a14="http://schemas.microsoft.com/office/drawing/2010/main">
+        <mc:Choice Requires="a14">
           <p:sp>
             <p:nvSpPr>
               <p:cNvPr id="14" name="Content Placeholder 13"/>
@@ -14780,7 +18215,7 @@
             </p:txBody>
           </p:sp>
         </mc:Choice>
-        <mc:Fallback>
+        <mc:Fallback xmlns="">
           <p:sp>
             <p:nvSpPr>
               <p:cNvPr id="14" name="Content Placeholder 13"/>
@@ -14828,18 +18263,419 @@
   <p:clrMapOvr>
     <a:masterClrMapping/>
   </p:clrMapOvr>
-  <mc:AlternateContent xmlns:mc="http://schemas.openxmlformats.org/markup-compatibility/2006">
-    <mc:Choice xmlns:p14="http://schemas.microsoft.com/office/powerpoint/2010/main" Requires="p14">
+  <mc:AlternateContent xmlns:mc="http://schemas.openxmlformats.org/markup-compatibility/2006" xmlns:p14="http://schemas.microsoft.com/office/powerpoint/2010/main">
+    <mc:Choice Requires="p14">
       <p:transition spd="med" p14:dur="700">
         <p:fade/>
       </p:transition>
     </mc:Choice>
-    <mc:Fallback>
+    <mc:Fallback xmlns="">
       <p:transition spd="med">
         <p:fade/>
       </p:transition>
     </mc:Fallback>
   </mc:AlternateContent>
+  <p:timing>
+    <p:tnLst>
+      <p:par>
+        <p:cTn id="1" dur="indefinite" restart="never" nodeType="tmRoot">
+          <p:childTnLst>
+            <p:seq concurrent="1" nextAc="seek">
+              <p:cTn id="2" dur="indefinite" nodeType="mainSeq">
+                <p:childTnLst>
+                  <p:par>
+                    <p:cTn id="3" fill="hold">
+                      <p:stCondLst>
+                        <p:cond delay="indefinite"/>
+                        <p:cond evt="onBegin" delay="0">
+                          <p:tn val="2"/>
+                        </p:cond>
+                      </p:stCondLst>
+                      <p:childTnLst>
+                        <p:par>
+                          <p:cTn id="4" fill="hold">
+                            <p:stCondLst>
+                              <p:cond delay="0"/>
+                            </p:stCondLst>
+                            <p:childTnLst>
+                              <p:par>
+                                <p:cTn id="5" presetID="10" presetClass="entr" presetSubtype="0" fill="hold" grpId="0" nodeType="withEffect">
+                                  <p:stCondLst>
+                                    <p:cond delay="0"/>
+                                  </p:stCondLst>
+                                  <p:childTnLst>
+                                    <p:set>
+                                      <p:cBhvr>
+                                        <p:cTn id="6" dur="1" fill="hold">
+                                          <p:stCondLst>
+                                            <p:cond delay="0"/>
+                                          </p:stCondLst>
+                                        </p:cTn>
+                                        <p:tgtEl>
+                                          <p:spTgt spid="13"/>
+                                        </p:tgtEl>
+                                        <p:attrNameLst>
+                                          <p:attrName>style.visibility</p:attrName>
+                                        </p:attrNameLst>
+                                      </p:cBhvr>
+                                      <p:to>
+                                        <p:strVal val="visible"/>
+                                      </p:to>
+                                    </p:set>
+                                    <p:animEffect transition="in" filter="fade">
+                                      <p:cBhvr>
+                                        <p:cTn id="7" dur="500"/>
+                                        <p:tgtEl>
+                                          <p:spTgt spid="13"/>
+                                        </p:tgtEl>
+                                      </p:cBhvr>
+                                    </p:animEffect>
+                                  </p:childTnLst>
+                                </p:cTn>
+                              </p:par>
+                            </p:childTnLst>
+                          </p:cTn>
+                        </p:par>
+                        <p:par>
+                          <p:cTn id="8" fill="hold">
+                            <p:stCondLst>
+                              <p:cond delay="500"/>
+                            </p:stCondLst>
+                            <p:childTnLst>
+                              <p:par>
+                                <p:cTn id="9" presetID="10" presetClass="entr" presetSubtype="0" fill="hold" nodeType="afterEffect">
+                                  <p:stCondLst>
+                                    <p:cond delay="0"/>
+                                  </p:stCondLst>
+                                  <p:childTnLst>
+                                    <p:set>
+                                      <p:cBhvr>
+                                        <p:cTn id="10" dur="1" fill="hold">
+                                          <p:stCondLst>
+                                            <p:cond delay="0"/>
+                                          </p:stCondLst>
+                                        </p:cTn>
+                                        <p:tgtEl>
+                                          <p:spTgt spid="14">
+                                            <p:txEl>
+                                              <p:pRg st="0" end="0"/>
+                                            </p:txEl>
+                                          </p:spTgt>
+                                        </p:tgtEl>
+                                        <p:attrNameLst>
+                                          <p:attrName>style.visibility</p:attrName>
+                                        </p:attrNameLst>
+                                      </p:cBhvr>
+                                      <p:to>
+                                        <p:strVal val="visible"/>
+                                      </p:to>
+                                    </p:set>
+                                    <p:animEffect transition="in" filter="fade">
+                                      <p:cBhvr>
+                                        <p:cTn id="11" dur="500"/>
+                                        <p:tgtEl>
+                                          <p:spTgt spid="14">
+                                            <p:txEl>
+                                              <p:pRg st="0" end="0"/>
+                                            </p:txEl>
+                                          </p:spTgt>
+                                        </p:tgtEl>
+                                      </p:cBhvr>
+                                    </p:animEffect>
+                                  </p:childTnLst>
+                                </p:cTn>
+                              </p:par>
+                            </p:childTnLst>
+                          </p:cTn>
+                        </p:par>
+                        <p:par>
+                          <p:cTn id="12" fill="hold">
+                            <p:stCondLst>
+                              <p:cond delay="1000"/>
+                            </p:stCondLst>
+                            <p:childTnLst>
+                              <p:par>
+                                <p:cTn id="13" presetID="10" presetClass="entr" presetSubtype="0" fill="hold" nodeType="afterEffect">
+                                  <p:stCondLst>
+                                    <p:cond delay="0"/>
+                                  </p:stCondLst>
+                                  <p:childTnLst>
+                                    <p:set>
+                                      <p:cBhvr>
+                                        <p:cTn id="14" dur="1" fill="hold">
+                                          <p:stCondLst>
+                                            <p:cond delay="0"/>
+                                          </p:stCondLst>
+                                        </p:cTn>
+                                        <p:tgtEl>
+                                          <p:spTgt spid="14">
+                                            <p:txEl>
+                                              <p:pRg st="1" end="1"/>
+                                            </p:txEl>
+                                          </p:spTgt>
+                                        </p:tgtEl>
+                                        <p:attrNameLst>
+                                          <p:attrName>style.visibility</p:attrName>
+                                        </p:attrNameLst>
+                                      </p:cBhvr>
+                                      <p:to>
+                                        <p:strVal val="visible"/>
+                                      </p:to>
+                                    </p:set>
+                                    <p:animEffect transition="in" filter="fade">
+                                      <p:cBhvr>
+                                        <p:cTn id="15" dur="500"/>
+                                        <p:tgtEl>
+                                          <p:spTgt spid="14">
+                                            <p:txEl>
+                                              <p:pRg st="1" end="1"/>
+                                            </p:txEl>
+                                          </p:spTgt>
+                                        </p:tgtEl>
+                                      </p:cBhvr>
+                                    </p:animEffect>
+                                  </p:childTnLst>
+                                </p:cTn>
+                              </p:par>
+                            </p:childTnLst>
+                          </p:cTn>
+                        </p:par>
+                        <p:par>
+                          <p:cTn id="16" fill="hold">
+                            <p:stCondLst>
+                              <p:cond delay="1500"/>
+                            </p:stCondLst>
+                            <p:childTnLst>
+                              <p:par>
+                                <p:cTn id="17" presetID="10" presetClass="entr" presetSubtype="0" fill="hold" nodeType="afterEffect">
+                                  <p:stCondLst>
+                                    <p:cond delay="0"/>
+                                  </p:stCondLst>
+                                  <p:childTnLst>
+                                    <p:set>
+                                      <p:cBhvr>
+                                        <p:cTn id="18" dur="1" fill="hold">
+                                          <p:stCondLst>
+                                            <p:cond delay="0"/>
+                                          </p:stCondLst>
+                                        </p:cTn>
+                                        <p:tgtEl>
+                                          <p:spTgt spid="14">
+                                            <p:txEl>
+                                              <p:pRg st="2" end="2"/>
+                                            </p:txEl>
+                                          </p:spTgt>
+                                        </p:tgtEl>
+                                        <p:attrNameLst>
+                                          <p:attrName>style.visibility</p:attrName>
+                                        </p:attrNameLst>
+                                      </p:cBhvr>
+                                      <p:to>
+                                        <p:strVal val="visible"/>
+                                      </p:to>
+                                    </p:set>
+                                    <p:animEffect transition="in" filter="fade">
+                                      <p:cBhvr>
+                                        <p:cTn id="19" dur="500"/>
+                                        <p:tgtEl>
+                                          <p:spTgt spid="14">
+                                            <p:txEl>
+                                              <p:pRg st="2" end="2"/>
+                                            </p:txEl>
+                                          </p:spTgt>
+                                        </p:tgtEl>
+                                      </p:cBhvr>
+                                    </p:animEffect>
+                                  </p:childTnLst>
+                                </p:cTn>
+                              </p:par>
+                            </p:childTnLst>
+                          </p:cTn>
+                        </p:par>
+                        <p:par>
+                          <p:cTn id="20" fill="hold">
+                            <p:stCondLst>
+                              <p:cond delay="2000"/>
+                            </p:stCondLst>
+                            <p:childTnLst>
+                              <p:par>
+                                <p:cTn id="21" presetID="10" presetClass="entr" presetSubtype="0" fill="hold" nodeType="afterEffect">
+                                  <p:stCondLst>
+                                    <p:cond delay="0"/>
+                                  </p:stCondLst>
+                                  <p:childTnLst>
+                                    <p:set>
+                                      <p:cBhvr>
+                                        <p:cTn id="22" dur="1" fill="hold">
+                                          <p:stCondLst>
+                                            <p:cond delay="0"/>
+                                          </p:stCondLst>
+                                        </p:cTn>
+                                        <p:tgtEl>
+                                          <p:spTgt spid="14">
+                                            <p:txEl>
+                                              <p:pRg st="3" end="3"/>
+                                            </p:txEl>
+                                          </p:spTgt>
+                                        </p:tgtEl>
+                                        <p:attrNameLst>
+                                          <p:attrName>style.visibility</p:attrName>
+                                        </p:attrNameLst>
+                                      </p:cBhvr>
+                                      <p:to>
+                                        <p:strVal val="visible"/>
+                                      </p:to>
+                                    </p:set>
+                                    <p:animEffect transition="in" filter="fade">
+                                      <p:cBhvr>
+                                        <p:cTn id="23" dur="500"/>
+                                        <p:tgtEl>
+                                          <p:spTgt spid="14">
+                                            <p:txEl>
+                                              <p:pRg st="3" end="3"/>
+                                            </p:txEl>
+                                          </p:spTgt>
+                                        </p:tgtEl>
+                                      </p:cBhvr>
+                                    </p:animEffect>
+                                  </p:childTnLst>
+                                </p:cTn>
+                              </p:par>
+                            </p:childTnLst>
+                          </p:cTn>
+                        </p:par>
+                        <p:par>
+                          <p:cTn id="24" fill="hold">
+                            <p:stCondLst>
+                              <p:cond delay="2500"/>
+                            </p:stCondLst>
+                            <p:childTnLst>
+                              <p:par>
+                                <p:cTn id="25" presetID="10" presetClass="entr" presetSubtype="0" fill="hold" nodeType="afterEffect">
+                                  <p:stCondLst>
+                                    <p:cond delay="0"/>
+                                  </p:stCondLst>
+                                  <p:childTnLst>
+                                    <p:set>
+                                      <p:cBhvr>
+                                        <p:cTn id="26" dur="1" fill="hold">
+                                          <p:stCondLst>
+                                            <p:cond delay="0"/>
+                                          </p:stCondLst>
+                                        </p:cTn>
+                                        <p:tgtEl>
+                                          <p:spTgt spid="14">
+                                            <p:txEl>
+                                              <p:pRg st="4" end="4"/>
+                                            </p:txEl>
+                                          </p:spTgt>
+                                        </p:tgtEl>
+                                        <p:attrNameLst>
+                                          <p:attrName>style.visibility</p:attrName>
+                                        </p:attrNameLst>
+                                      </p:cBhvr>
+                                      <p:to>
+                                        <p:strVal val="visible"/>
+                                      </p:to>
+                                    </p:set>
+                                    <p:animEffect transition="in" filter="fade">
+                                      <p:cBhvr>
+                                        <p:cTn id="27" dur="500"/>
+                                        <p:tgtEl>
+                                          <p:spTgt spid="14">
+                                            <p:txEl>
+                                              <p:pRg st="4" end="4"/>
+                                            </p:txEl>
+                                          </p:spTgt>
+                                        </p:tgtEl>
+                                      </p:cBhvr>
+                                    </p:animEffect>
+                                  </p:childTnLst>
+                                </p:cTn>
+                              </p:par>
+                            </p:childTnLst>
+                          </p:cTn>
+                        </p:par>
+                        <p:par>
+                          <p:cTn id="28" fill="hold">
+                            <p:stCondLst>
+                              <p:cond delay="3000"/>
+                            </p:stCondLst>
+                            <p:childTnLst>
+                              <p:par>
+                                <p:cTn id="29" presetID="10" presetClass="entr" presetSubtype="0" fill="hold" nodeType="afterEffect">
+                                  <p:stCondLst>
+                                    <p:cond delay="0"/>
+                                  </p:stCondLst>
+                                  <p:childTnLst>
+                                    <p:set>
+                                      <p:cBhvr>
+                                        <p:cTn id="30" dur="1" fill="hold">
+                                          <p:stCondLst>
+                                            <p:cond delay="0"/>
+                                          </p:stCondLst>
+                                        </p:cTn>
+                                        <p:tgtEl>
+                                          <p:spTgt spid="14">
+                                            <p:txEl>
+                                              <p:pRg st="5" end="5"/>
+                                            </p:txEl>
+                                          </p:spTgt>
+                                        </p:tgtEl>
+                                        <p:attrNameLst>
+                                          <p:attrName>style.visibility</p:attrName>
+                                        </p:attrNameLst>
+                                      </p:cBhvr>
+                                      <p:to>
+                                        <p:strVal val="visible"/>
+                                      </p:to>
+                                    </p:set>
+                                    <p:animEffect transition="in" filter="fade">
+                                      <p:cBhvr>
+                                        <p:cTn id="31" dur="500"/>
+                                        <p:tgtEl>
+                                          <p:spTgt spid="14">
+                                            <p:txEl>
+                                              <p:pRg st="5" end="5"/>
+                                            </p:txEl>
+                                          </p:spTgt>
+                                        </p:tgtEl>
+                                      </p:cBhvr>
+                                    </p:animEffect>
+                                  </p:childTnLst>
+                                </p:cTn>
+                              </p:par>
+                            </p:childTnLst>
+                          </p:cTn>
+                        </p:par>
+                      </p:childTnLst>
+                    </p:cTn>
+                  </p:par>
+                </p:childTnLst>
+              </p:cTn>
+              <p:prevCondLst>
+                <p:cond evt="onPrev" delay="0">
+                  <p:tgtEl>
+                    <p:sldTgt/>
+                  </p:tgtEl>
+                </p:cond>
+              </p:prevCondLst>
+              <p:nextCondLst>
+                <p:cond evt="onNext" delay="0">
+                  <p:tgtEl>
+                    <p:sldTgt/>
+                  </p:tgtEl>
+                </p:cond>
+              </p:nextCondLst>
+            </p:seq>
+          </p:childTnLst>
+        </p:cTn>
+      </p:par>
+    </p:tnLst>
+    <p:bldLst>
+      <p:bldP spid="13" grpId="0"/>
+    </p:bldLst>
+  </p:timing>
 </p:sld>
 </file>
 
@@ -14894,8 +18730,8 @@
           </a:p>
         </p:txBody>
       </p:sp>
-      <mc:AlternateContent xmlns:mc="http://schemas.openxmlformats.org/markup-compatibility/2006">
-        <mc:Choice xmlns:a14="http://schemas.microsoft.com/office/drawing/2010/main" Requires="a14">
+      <mc:AlternateContent xmlns:mc="http://schemas.openxmlformats.org/markup-compatibility/2006" xmlns:a14="http://schemas.microsoft.com/office/drawing/2010/main">
+        <mc:Choice Requires="a14">
           <p:sp>
             <p:nvSpPr>
               <p:cNvPr id="14" name="Content Placeholder 13"/>
@@ -15781,7 +19617,7 @@
             </p:txBody>
           </p:sp>
         </mc:Choice>
-        <mc:Fallback>
+        <mc:Fallback xmlns="">
           <p:sp>
             <p:nvSpPr>
               <p:cNvPr id="14" name="Content Placeholder 13"/>
@@ -15829,18 +19665,420 @@
   <p:clrMapOvr>
     <a:masterClrMapping/>
   </p:clrMapOvr>
-  <mc:AlternateContent xmlns:mc="http://schemas.openxmlformats.org/markup-compatibility/2006">
-    <mc:Choice xmlns:p14="http://schemas.microsoft.com/office/powerpoint/2010/main" Requires="p14">
+  <mc:AlternateContent xmlns:mc="http://schemas.openxmlformats.org/markup-compatibility/2006" xmlns:p14="http://schemas.microsoft.com/office/powerpoint/2010/main">
+    <mc:Choice Requires="p14">
       <p:transition spd="med" p14:dur="700">
         <p:fade/>
       </p:transition>
     </mc:Choice>
-    <mc:Fallback>
+    <mc:Fallback xmlns="">
       <p:transition spd="med">
         <p:fade/>
       </p:transition>
     </mc:Fallback>
   </mc:AlternateContent>
+  <p:timing>
+    <p:tnLst>
+      <p:par>
+        <p:cTn id="1" dur="indefinite" restart="never" nodeType="tmRoot">
+          <p:childTnLst>
+            <p:seq concurrent="1" nextAc="seek">
+              <p:cTn id="2" dur="indefinite" nodeType="mainSeq">
+                <p:childTnLst>
+                  <p:par>
+                    <p:cTn id="3" fill="hold">
+                      <p:stCondLst>
+                        <p:cond delay="indefinite"/>
+                        <p:cond evt="onBegin" delay="0">
+                          <p:tn val="2"/>
+                        </p:cond>
+                      </p:stCondLst>
+                      <p:childTnLst>
+                        <p:par>
+                          <p:cTn id="4" fill="hold">
+                            <p:stCondLst>
+                              <p:cond delay="0"/>
+                            </p:stCondLst>
+                            <p:childTnLst>
+                              <p:par>
+                                <p:cTn id="5" presetID="10" presetClass="entr" presetSubtype="0" fill="hold" grpId="0" nodeType="withEffect">
+                                  <p:stCondLst>
+                                    <p:cond delay="0"/>
+                                  </p:stCondLst>
+                                  <p:childTnLst>
+                                    <p:set>
+                                      <p:cBhvr>
+                                        <p:cTn id="6" dur="1" fill="hold">
+                                          <p:stCondLst>
+                                            <p:cond delay="0"/>
+                                          </p:stCondLst>
+                                        </p:cTn>
+                                        <p:tgtEl>
+                                          <p:spTgt spid="13"/>
+                                        </p:tgtEl>
+                                        <p:attrNameLst>
+                                          <p:attrName>style.visibility</p:attrName>
+                                        </p:attrNameLst>
+                                      </p:cBhvr>
+                                      <p:to>
+                                        <p:strVal val="visible"/>
+                                      </p:to>
+                                    </p:set>
+                                    <p:animEffect transition="in" filter="fade">
+                                      <p:cBhvr>
+                                        <p:cTn id="7" dur="500"/>
+                                        <p:tgtEl>
+                                          <p:spTgt spid="13"/>
+                                        </p:tgtEl>
+                                      </p:cBhvr>
+                                    </p:animEffect>
+                                  </p:childTnLst>
+                                </p:cTn>
+                              </p:par>
+                            </p:childTnLst>
+                          </p:cTn>
+                        </p:par>
+                        <p:par>
+                          <p:cTn id="8" fill="hold">
+                            <p:stCondLst>
+                              <p:cond delay="500"/>
+                            </p:stCondLst>
+                            <p:childTnLst>
+                              <p:par>
+                                <p:cTn id="9" presetID="10" presetClass="entr" presetSubtype="0" fill="hold" grpId="0" nodeType="afterEffect">
+                                  <p:stCondLst>
+                                    <p:cond delay="0"/>
+                                  </p:stCondLst>
+                                  <p:childTnLst>
+                                    <p:set>
+                                      <p:cBhvr>
+                                        <p:cTn id="10" dur="1" fill="hold">
+                                          <p:stCondLst>
+                                            <p:cond delay="0"/>
+                                          </p:stCondLst>
+                                        </p:cTn>
+                                        <p:tgtEl>
+                                          <p:spTgt spid="14">
+                                            <p:txEl>
+                                              <p:pRg st="0" end="0"/>
+                                            </p:txEl>
+                                          </p:spTgt>
+                                        </p:tgtEl>
+                                        <p:attrNameLst>
+                                          <p:attrName>style.visibility</p:attrName>
+                                        </p:attrNameLst>
+                                      </p:cBhvr>
+                                      <p:to>
+                                        <p:strVal val="visible"/>
+                                      </p:to>
+                                    </p:set>
+                                    <p:animEffect transition="in" filter="fade">
+                                      <p:cBhvr>
+                                        <p:cTn id="11" dur="500"/>
+                                        <p:tgtEl>
+                                          <p:spTgt spid="14">
+                                            <p:txEl>
+                                              <p:pRg st="0" end="0"/>
+                                            </p:txEl>
+                                          </p:spTgt>
+                                        </p:tgtEl>
+                                      </p:cBhvr>
+                                    </p:animEffect>
+                                  </p:childTnLst>
+                                </p:cTn>
+                              </p:par>
+                            </p:childTnLst>
+                          </p:cTn>
+                        </p:par>
+                        <p:par>
+                          <p:cTn id="12" fill="hold">
+                            <p:stCondLst>
+                              <p:cond delay="1000"/>
+                            </p:stCondLst>
+                            <p:childTnLst>
+                              <p:par>
+                                <p:cTn id="13" presetID="10" presetClass="entr" presetSubtype="0" fill="hold" grpId="0" nodeType="afterEffect">
+                                  <p:stCondLst>
+                                    <p:cond delay="0"/>
+                                  </p:stCondLst>
+                                  <p:childTnLst>
+                                    <p:set>
+                                      <p:cBhvr>
+                                        <p:cTn id="14" dur="1" fill="hold">
+                                          <p:stCondLst>
+                                            <p:cond delay="0"/>
+                                          </p:stCondLst>
+                                        </p:cTn>
+                                        <p:tgtEl>
+                                          <p:spTgt spid="14">
+                                            <p:txEl>
+                                              <p:pRg st="1" end="1"/>
+                                            </p:txEl>
+                                          </p:spTgt>
+                                        </p:tgtEl>
+                                        <p:attrNameLst>
+                                          <p:attrName>style.visibility</p:attrName>
+                                        </p:attrNameLst>
+                                      </p:cBhvr>
+                                      <p:to>
+                                        <p:strVal val="visible"/>
+                                      </p:to>
+                                    </p:set>
+                                    <p:animEffect transition="in" filter="fade">
+                                      <p:cBhvr>
+                                        <p:cTn id="15" dur="500"/>
+                                        <p:tgtEl>
+                                          <p:spTgt spid="14">
+                                            <p:txEl>
+                                              <p:pRg st="1" end="1"/>
+                                            </p:txEl>
+                                          </p:spTgt>
+                                        </p:tgtEl>
+                                      </p:cBhvr>
+                                    </p:animEffect>
+                                  </p:childTnLst>
+                                </p:cTn>
+                              </p:par>
+                            </p:childTnLst>
+                          </p:cTn>
+                        </p:par>
+                        <p:par>
+                          <p:cTn id="16" fill="hold">
+                            <p:stCondLst>
+                              <p:cond delay="1500"/>
+                            </p:stCondLst>
+                            <p:childTnLst>
+                              <p:par>
+                                <p:cTn id="17" presetID="10" presetClass="entr" presetSubtype="0" fill="hold" grpId="0" nodeType="afterEffect">
+                                  <p:stCondLst>
+                                    <p:cond delay="0"/>
+                                  </p:stCondLst>
+                                  <p:childTnLst>
+                                    <p:set>
+                                      <p:cBhvr>
+                                        <p:cTn id="18" dur="1" fill="hold">
+                                          <p:stCondLst>
+                                            <p:cond delay="0"/>
+                                          </p:stCondLst>
+                                        </p:cTn>
+                                        <p:tgtEl>
+                                          <p:spTgt spid="14">
+                                            <p:txEl>
+                                              <p:pRg st="2" end="2"/>
+                                            </p:txEl>
+                                          </p:spTgt>
+                                        </p:tgtEl>
+                                        <p:attrNameLst>
+                                          <p:attrName>style.visibility</p:attrName>
+                                        </p:attrNameLst>
+                                      </p:cBhvr>
+                                      <p:to>
+                                        <p:strVal val="visible"/>
+                                      </p:to>
+                                    </p:set>
+                                    <p:animEffect transition="in" filter="fade">
+                                      <p:cBhvr>
+                                        <p:cTn id="19" dur="500"/>
+                                        <p:tgtEl>
+                                          <p:spTgt spid="14">
+                                            <p:txEl>
+                                              <p:pRg st="2" end="2"/>
+                                            </p:txEl>
+                                          </p:spTgt>
+                                        </p:tgtEl>
+                                      </p:cBhvr>
+                                    </p:animEffect>
+                                  </p:childTnLst>
+                                </p:cTn>
+                              </p:par>
+                            </p:childTnLst>
+                          </p:cTn>
+                        </p:par>
+                        <p:par>
+                          <p:cTn id="20" fill="hold">
+                            <p:stCondLst>
+                              <p:cond delay="2000"/>
+                            </p:stCondLst>
+                            <p:childTnLst>
+                              <p:par>
+                                <p:cTn id="21" presetID="10" presetClass="entr" presetSubtype="0" fill="hold" grpId="0" nodeType="afterEffect">
+                                  <p:stCondLst>
+                                    <p:cond delay="0"/>
+                                  </p:stCondLst>
+                                  <p:childTnLst>
+                                    <p:set>
+                                      <p:cBhvr>
+                                        <p:cTn id="22" dur="1" fill="hold">
+                                          <p:stCondLst>
+                                            <p:cond delay="0"/>
+                                          </p:stCondLst>
+                                        </p:cTn>
+                                        <p:tgtEl>
+                                          <p:spTgt spid="14">
+                                            <p:txEl>
+                                              <p:pRg st="3" end="3"/>
+                                            </p:txEl>
+                                          </p:spTgt>
+                                        </p:tgtEl>
+                                        <p:attrNameLst>
+                                          <p:attrName>style.visibility</p:attrName>
+                                        </p:attrNameLst>
+                                      </p:cBhvr>
+                                      <p:to>
+                                        <p:strVal val="visible"/>
+                                      </p:to>
+                                    </p:set>
+                                    <p:animEffect transition="in" filter="fade">
+                                      <p:cBhvr>
+                                        <p:cTn id="23" dur="500"/>
+                                        <p:tgtEl>
+                                          <p:spTgt spid="14">
+                                            <p:txEl>
+                                              <p:pRg st="3" end="3"/>
+                                            </p:txEl>
+                                          </p:spTgt>
+                                        </p:tgtEl>
+                                      </p:cBhvr>
+                                    </p:animEffect>
+                                  </p:childTnLst>
+                                </p:cTn>
+                              </p:par>
+                            </p:childTnLst>
+                          </p:cTn>
+                        </p:par>
+                        <p:par>
+                          <p:cTn id="24" fill="hold">
+                            <p:stCondLst>
+                              <p:cond delay="2500"/>
+                            </p:stCondLst>
+                            <p:childTnLst>
+                              <p:par>
+                                <p:cTn id="25" presetID="10" presetClass="entr" presetSubtype="0" fill="hold" grpId="0" nodeType="afterEffect">
+                                  <p:stCondLst>
+                                    <p:cond delay="0"/>
+                                  </p:stCondLst>
+                                  <p:childTnLst>
+                                    <p:set>
+                                      <p:cBhvr>
+                                        <p:cTn id="26" dur="1" fill="hold">
+                                          <p:stCondLst>
+                                            <p:cond delay="0"/>
+                                          </p:stCondLst>
+                                        </p:cTn>
+                                        <p:tgtEl>
+                                          <p:spTgt spid="14">
+                                            <p:txEl>
+                                              <p:pRg st="4" end="4"/>
+                                            </p:txEl>
+                                          </p:spTgt>
+                                        </p:tgtEl>
+                                        <p:attrNameLst>
+                                          <p:attrName>style.visibility</p:attrName>
+                                        </p:attrNameLst>
+                                      </p:cBhvr>
+                                      <p:to>
+                                        <p:strVal val="visible"/>
+                                      </p:to>
+                                    </p:set>
+                                    <p:animEffect transition="in" filter="fade">
+                                      <p:cBhvr>
+                                        <p:cTn id="27" dur="500"/>
+                                        <p:tgtEl>
+                                          <p:spTgt spid="14">
+                                            <p:txEl>
+                                              <p:pRg st="4" end="4"/>
+                                            </p:txEl>
+                                          </p:spTgt>
+                                        </p:tgtEl>
+                                      </p:cBhvr>
+                                    </p:animEffect>
+                                  </p:childTnLst>
+                                </p:cTn>
+                              </p:par>
+                            </p:childTnLst>
+                          </p:cTn>
+                        </p:par>
+                        <p:par>
+                          <p:cTn id="28" fill="hold">
+                            <p:stCondLst>
+                              <p:cond delay="3000"/>
+                            </p:stCondLst>
+                            <p:childTnLst>
+                              <p:par>
+                                <p:cTn id="29" presetID="10" presetClass="entr" presetSubtype="0" fill="hold" grpId="0" nodeType="afterEffect">
+                                  <p:stCondLst>
+                                    <p:cond delay="0"/>
+                                  </p:stCondLst>
+                                  <p:childTnLst>
+                                    <p:set>
+                                      <p:cBhvr>
+                                        <p:cTn id="30" dur="1" fill="hold">
+                                          <p:stCondLst>
+                                            <p:cond delay="0"/>
+                                          </p:stCondLst>
+                                        </p:cTn>
+                                        <p:tgtEl>
+                                          <p:spTgt spid="14">
+                                            <p:txEl>
+                                              <p:pRg st="5" end="5"/>
+                                            </p:txEl>
+                                          </p:spTgt>
+                                        </p:tgtEl>
+                                        <p:attrNameLst>
+                                          <p:attrName>style.visibility</p:attrName>
+                                        </p:attrNameLst>
+                                      </p:cBhvr>
+                                      <p:to>
+                                        <p:strVal val="visible"/>
+                                      </p:to>
+                                    </p:set>
+                                    <p:animEffect transition="in" filter="fade">
+                                      <p:cBhvr>
+                                        <p:cTn id="31" dur="500"/>
+                                        <p:tgtEl>
+                                          <p:spTgt spid="14">
+                                            <p:txEl>
+                                              <p:pRg st="5" end="5"/>
+                                            </p:txEl>
+                                          </p:spTgt>
+                                        </p:tgtEl>
+                                      </p:cBhvr>
+                                    </p:animEffect>
+                                  </p:childTnLst>
+                                </p:cTn>
+                              </p:par>
+                            </p:childTnLst>
+                          </p:cTn>
+                        </p:par>
+                      </p:childTnLst>
+                    </p:cTn>
+                  </p:par>
+                </p:childTnLst>
+              </p:cTn>
+              <p:prevCondLst>
+                <p:cond evt="onPrev" delay="0">
+                  <p:tgtEl>
+                    <p:sldTgt/>
+                  </p:tgtEl>
+                </p:cond>
+              </p:prevCondLst>
+              <p:nextCondLst>
+                <p:cond evt="onNext" delay="0">
+                  <p:tgtEl>
+                    <p:sldTgt/>
+                  </p:tgtEl>
+                </p:cond>
+              </p:nextCondLst>
+            </p:seq>
+          </p:childTnLst>
+        </p:cTn>
+      </p:par>
+    </p:tnLst>
+    <p:bldLst>
+      <p:bldP spid="13" grpId="0"/>
+      <p:bldP spid="14" grpId="0" build="p"/>
+    </p:bldLst>
+  </p:timing>
 </p:sld>
 </file>
 
@@ -15948,6 +20186,139 @@
       </p:transition>
     </mc:Fallback>
   </mc:AlternateContent>
+  <p:timing>
+    <p:tnLst>
+      <p:par>
+        <p:cTn id="1" dur="indefinite" restart="never" nodeType="tmRoot">
+          <p:childTnLst>
+            <p:seq concurrent="1" nextAc="seek">
+              <p:cTn id="2" dur="indefinite" nodeType="mainSeq">
+                <p:childTnLst>
+                  <p:par>
+                    <p:cTn id="3" fill="hold">
+                      <p:stCondLst>
+                        <p:cond delay="indefinite"/>
+                        <p:cond evt="onBegin" delay="0">
+                          <p:tn val="2"/>
+                        </p:cond>
+                      </p:stCondLst>
+                      <p:childTnLst>
+                        <p:par>
+                          <p:cTn id="4" fill="hold">
+                            <p:stCondLst>
+                              <p:cond delay="0"/>
+                            </p:stCondLst>
+                            <p:childTnLst>
+                              <p:par>
+                                <p:cTn id="5" presetID="10" presetClass="entr" presetSubtype="0" fill="hold" nodeType="withEffect">
+                                  <p:stCondLst>
+                                    <p:cond delay="0"/>
+                                  </p:stCondLst>
+                                  <p:childTnLst>
+                                    <p:set>
+                                      <p:cBhvr>
+                                        <p:cTn id="6" dur="1" fill="hold">
+                                          <p:stCondLst>
+                                            <p:cond delay="0"/>
+                                          </p:stCondLst>
+                                        </p:cTn>
+                                        <p:tgtEl>
+                                          <p:spTgt spid="7"/>
+                                        </p:tgtEl>
+                                        <p:attrNameLst>
+                                          <p:attrName>style.visibility</p:attrName>
+                                        </p:attrNameLst>
+                                      </p:cBhvr>
+                                      <p:to>
+                                        <p:strVal val="visible"/>
+                                      </p:to>
+                                    </p:set>
+                                    <p:animEffect transition="in" filter="fade">
+                                      <p:cBhvr>
+                                        <p:cTn id="7" dur="500"/>
+                                        <p:tgtEl>
+                                          <p:spTgt spid="7"/>
+                                        </p:tgtEl>
+                                      </p:cBhvr>
+                                    </p:animEffect>
+                                  </p:childTnLst>
+                                </p:cTn>
+                              </p:par>
+                            </p:childTnLst>
+                          </p:cTn>
+                        </p:par>
+                        <p:par>
+                          <p:cTn id="8" fill="hold">
+                            <p:stCondLst>
+                              <p:cond delay="500"/>
+                            </p:stCondLst>
+                            <p:childTnLst>
+                              <p:par>
+                                <p:cTn id="9" presetID="10" presetClass="entr" presetSubtype="0" fill="hold" grpId="0" nodeType="afterEffect">
+                                  <p:stCondLst>
+                                    <p:cond delay="0"/>
+                                  </p:stCondLst>
+                                  <p:childTnLst>
+                                    <p:set>
+                                      <p:cBhvr>
+                                        <p:cTn id="10" dur="1" fill="hold">
+                                          <p:stCondLst>
+                                            <p:cond delay="0"/>
+                                          </p:stCondLst>
+                                        </p:cTn>
+                                        <p:tgtEl>
+                                          <p:spTgt spid="8"/>
+                                        </p:tgtEl>
+                                        <p:attrNameLst>
+                                          <p:attrName>style.visibility</p:attrName>
+                                        </p:attrNameLst>
+                                      </p:cBhvr>
+                                      <p:to>
+                                        <p:strVal val="visible"/>
+                                      </p:to>
+                                    </p:set>
+                                    <p:animEffect transition="in" filter="fade">
+                                      <p:cBhvr>
+                                        <p:cTn id="11" dur="500"/>
+                                        <p:tgtEl>
+                                          <p:spTgt spid="8"/>
+                                        </p:tgtEl>
+                                      </p:cBhvr>
+                                    </p:animEffect>
+                                  </p:childTnLst>
+                                </p:cTn>
+                              </p:par>
+                            </p:childTnLst>
+                          </p:cTn>
+                        </p:par>
+                      </p:childTnLst>
+                    </p:cTn>
+                  </p:par>
+                </p:childTnLst>
+              </p:cTn>
+              <p:prevCondLst>
+                <p:cond evt="onPrev" delay="0">
+                  <p:tgtEl>
+                    <p:sldTgt/>
+                  </p:tgtEl>
+                </p:cond>
+              </p:prevCondLst>
+              <p:nextCondLst>
+                <p:cond evt="onNext" delay="0">
+                  <p:tgtEl>
+                    <p:sldTgt/>
+                  </p:tgtEl>
+                </p:cond>
+              </p:nextCondLst>
+            </p:seq>
+          </p:childTnLst>
+        </p:cTn>
+      </p:par>
+    </p:tnLst>
+    <p:bldLst>
+      <p:bldP spid="8" grpId="0"/>
+    </p:bldLst>
+  </p:timing>
 </p:sld>
 </file>
 
@@ -16001,8 +20372,8 @@
           </a:p>
         </p:txBody>
       </p:sp>
-      <mc:AlternateContent xmlns:mc="http://schemas.openxmlformats.org/markup-compatibility/2006">
-        <mc:Choice xmlns:a14="http://schemas.microsoft.com/office/drawing/2010/main" Requires="a14">
+      <mc:AlternateContent xmlns:mc="http://schemas.openxmlformats.org/markup-compatibility/2006" xmlns:a14="http://schemas.microsoft.com/office/drawing/2010/main">
+        <mc:Choice Requires="a14">
           <p:sp>
             <p:nvSpPr>
               <p:cNvPr id="14" name="Content Placeholder 13"/>
@@ -16343,7 +20714,7 @@
             </p:txBody>
           </p:sp>
         </mc:Choice>
-        <mc:Fallback>
+        <mc:Fallback xmlns="">
           <p:sp>
             <p:nvSpPr>
               <p:cNvPr id="14" name="Content Placeholder 13"/>
@@ -16391,18 +20762,524 @@
   <p:clrMapOvr>
     <a:masterClrMapping/>
   </p:clrMapOvr>
-  <mc:AlternateContent xmlns:mc="http://schemas.openxmlformats.org/markup-compatibility/2006">
-    <mc:Choice xmlns:p14="http://schemas.microsoft.com/office/powerpoint/2010/main" Requires="p14">
+  <mc:AlternateContent xmlns:mc="http://schemas.openxmlformats.org/markup-compatibility/2006" xmlns:p14="http://schemas.microsoft.com/office/powerpoint/2010/main">
+    <mc:Choice Requires="p14">
       <p:transition spd="med" p14:dur="700">
         <p:fade/>
       </p:transition>
     </mc:Choice>
-    <mc:Fallback>
+    <mc:Fallback xmlns="">
       <p:transition spd="med">
         <p:fade/>
       </p:transition>
     </mc:Fallback>
   </mc:AlternateContent>
+  <p:timing>
+    <p:tnLst>
+      <p:par>
+        <p:cTn id="1" dur="indefinite" restart="never" nodeType="tmRoot">
+          <p:childTnLst>
+            <p:seq concurrent="1" nextAc="seek">
+              <p:cTn id="2" dur="indefinite" nodeType="mainSeq">
+                <p:childTnLst>
+                  <p:par>
+                    <p:cTn id="3" fill="hold">
+                      <p:stCondLst>
+                        <p:cond delay="indefinite"/>
+                        <p:cond evt="onBegin" delay="0">
+                          <p:tn val="2"/>
+                        </p:cond>
+                      </p:stCondLst>
+                      <p:childTnLst>
+                        <p:par>
+                          <p:cTn id="4" fill="hold">
+                            <p:stCondLst>
+                              <p:cond delay="0"/>
+                            </p:stCondLst>
+                            <p:childTnLst>
+                              <p:par>
+                                <p:cTn id="5" presetID="10" presetClass="entr" presetSubtype="0" fill="hold" grpId="0" nodeType="withEffect">
+                                  <p:stCondLst>
+                                    <p:cond delay="0"/>
+                                  </p:stCondLst>
+                                  <p:childTnLst>
+                                    <p:set>
+                                      <p:cBhvr>
+                                        <p:cTn id="6" dur="1" fill="hold">
+                                          <p:stCondLst>
+                                            <p:cond delay="0"/>
+                                          </p:stCondLst>
+                                        </p:cTn>
+                                        <p:tgtEl>
+                                          <p:spTgt spid="13"/>
+                                        </p:tgtEl>
+                                        <p:attrNameLst>
+                                          <p:attrName>style.visibility</p:attrName>
+                                        </p:attrNameLst>
+                                      </p:cBhvr>
+                                      <p:to>
+                                        <p:strVal val="visible"/>
+                                      </p:to>
+                                    </p:set>
+                                    <p:animEffect transition="in" filter="fade">
+                                      <p:cBhvr>
+                                        <p:cTn id="7" dur="500"/>
+                                        <p:tgtEl>
+                                          <p:spTgt spid="13"/>
+                                        </p:tgtEl>
+                                      </p:cBhvr>
+                                    </p:animEffect>
+                                  </p:childTnLst>
+                                </p:cTn>
+                              </p:par>
+                            </p:childTnLst>
+                          </p:cTn>
+                        </p:par>
+                        <p:par>
+                          <p:cTn id="8" fill="hold">
+                            <p:stCondLst>
+                              <p:cond delay="500"/>
+                            </p:stCondLst>
+                            <p:childTnLst>
+                              <p:par>
+                                <p:cTn id="9" presetID="10" presetClass="entr" presetSubtype="0" fill="hold" grpId="0" nodeType="afterEffect">
+                                  <p:stCondLst>
+                                    <p:cond delay="0"/>
+                                  </p:stCondLst>
+                                  <p:childTnLst>
+                                    <p:set>
+                                      <p:cBhvr>
+                                        <p:cTn id="10" dur="1" fill="hold">
+                                          <p:stCondLst>
+                                            <p:cond delay="0"/>
+                                          </p:stCondLst>
+                                        </p:cTn>
+                                        <p:tgtEl>
+                                          <p:spTgt spid="14">
+                                            <p:txEl>
+                                              <p:pRg st="0" end="0"/>
+                                            </p:txEl>
+                                          </p:spTgt>
+                                        </p:tgtEl>
+                                        <p:attrNameLst>
+                                          <p:attrName>style.visibility</p:attrName>
+                                        </p:attrNameLst>
+                                      </p:cBhvr>
+                                      <p:to>
+                                        <p:strVal val="visible"/>
+                                      </p:to>
+                                    </p:set>
+                                    <p:animEffect transition="in" filter="fade">
+                                      <p:cBhvr>
+                                        <p:cTn id="11" dur="500"/>
+                                        <p:tgtEl>
+                                          <p:spTgt spid="14">
+                                            <p:txEl>
+                                              <p:pRg st="0" end="0"/>
+                                            </p:txEl>
+                                          </p:spTgt>
+                                        </p:tgtEl>
+                                      </p:cBhvr>
+                                    </p:animEffect>
+                                  </p:childTnLst>
+                                </p:cTn>
+                              </p:par>
+                            </p:childTnLst>
+                          </p:cTn>
+                        </p:par>
+                        <p:par>
+                          <p:cTn id="12" fill="hold">
+                            <p:stCondLst>
+                              <p:cond delay="1000"/>
+                            </p:stCondLst>
+                            <p:childTnLst>
+                              <p:par>
+                                <p:cTn id="13" presetID="10" presetClass="entr" presetSubtype="0" fill="hold" grpId="0" nodeType="afterEffect">
+                                  <p:stCondLst>
+                                    <p:cond delay="0"/>
+                                  </p:stCondLst>
+                                  <p:childTnLst>
+                                    <p:set>
+                                      <p:cBhvr>
+                                        <p:cTn id="14" dur="1" fill="hold">
+                                          <p:stCondLst>
+                                            <p:cond delay="0"/>
+                                          </p:stCondLst>
+                                        </p:cTn>
+                                        <p:tgtEl>
+                                          <p:spTgt spid="14">
+                                            <p:txEl>
+                                              <p:pRg st="1" end="1"/>
+                                            </p:txEl>
+                                          </p:spTgt>
+                                        </p:tgtEl>
+                                        <p:attrNameLst>
+                                          <p:attrName>style.visibility</p:attrName>
+                                        </p:attrNameLst>
+                                      </p:cBhvr>
+                                      <p:to>
+                                        <p:strVal val="visible"/>
+                                      </p:to>
+                                    </p:set>
+                                    <p:animEffect transition="in" filter="fade">
+                                      <p:cBhvr>
+                                        <p:cTn id="15" dur="500"/>
+                                        <p:tgtEl>
+                                          <p:spTgt spid="14">
+                                            <p:txEl>
+                                              <p:pRg st="1" end="1"/>
+                                            </p:txEl>
+                                          </p:spTgt>
+                                        </p:tgtEl>
+                                      </p:cBhvr>
+                                    </p:animEffect>
+                                  </p:childTnLst>
+                                </p:cTn>
+                              </p:par>
+                            </p:childTnLst>
+                          </p:cTn>
+                        </p:par>
+                        <p:par>
+                          <p:cTn id="16" fill="hold">
+                            <p:stCondLst>
+                              <p:cond delay="1500"/>
+                            </p:stCondLst>
+                            <p:childTnLst>
+                              <p:par>
+                                <p:cTn id="17" presetID="10" presetClass="entr" presetSubtype="0" fill="hold" grpId="0" nodeType="afterEffect">
+                                  <p:stCondLst>
+                                    <p:cond delay="0"/>
+                                  </p:stCondLst>
+                                  <p:childTnLst>
+                                    <p:set>
+                                      <p:cBhvr>
+                                        <p:cTn id="18" dur="1" fill="hold">
+                                          <p:stCondLst>
+                                            <p:cond delay="0"/>
+                                          </p:stCondLst>
+                                        </p:cTn>
+                                        <p:tgtEl>
+                                          <p:spTgt spid="14">
+                                            <p:txEl>
+                                              <p:pRg st="2" end="2"/>
+                                            </p:txEl>
+                                          </p:spTgt>
+                                        </p:tgtEl>
+                                        <p:attrNameLst>
+                                          <p:attrName>style.visibility</p:attrName>
+                                        </p:attrNameLst>
+                                      </p:cBhvr>
+                                      <p:to>
+                                        <p:strVal val="visible"/>
+                                      </p:to>
+                                    </p:set>
+                                    <p:animEffect transition="in" filter="fade">
+                                      <p:cBhvr>
+                                        <p:cTn id="19" dur="500"/>
+                                        <p:tgtEl>
+                                          <p:spTgt spid="14">
+                                            <p:txEl>
+                                              <p:pRg st="2" end="2"/>
+                                            </p:txEl>
+                                          </p:spTgt>
+                                        </p:tgtEl>
+                                      </p:cBhvr>
+                                    </p:animEffect>
+                                  </p:childTnLst>
+                                </p:cTn>
+                              </p:par>
+                            </p:childTnLst>
+                          </p:cTn>
+                        </p:par>
+                        <p:par>
+                          <p:cTn id="20" fill="hold">
+                            <p:stCondLst>
+                              <p:cond delay="2000"/>
+                            </p:stCondLst>
+                            <p:childTnLst>
+                              <p:par>
+                                <p:cTn id="21" presetID="10" presetClass="entr" presetSubtype="0" fill="hold" grpId="0" nodeType="afterEffect">
+                                  <p:stCondLst>
+                                    <p:cond delay="0"/>
+                                  </p:stCondLst>
+                                  <p:childTnLst>
+                                    <p:set>
+                                      <p:cBhvr>
+                                        <p:cTn id="22" dur="1" fill="hold">
+                                          <p:stCondLst>
+                                            <p:cond delay="0"/>
+                                          </p:stCondLst>
+                                        </p:cTn>
+                                        <p:tgtEl>
+                                          <p:spTgt spid="14">
+                                            <p:txEl>
+                                              <p:pRg st="3" end="3"/>
+                                            </p:txEl>
+                                          </p:spTgt>
+                                        </p:tgtEl>
+                                        <p:attrNameLst>
+                                          <p:attrName>style.visibility</p:attrName>
+                                        </p:attrNameLst>
+                                      </p:cBhvr>
+                                      <p:to>
+                                        <p:strVal val="visible"/>
+                                      </p:to>
+                                    </p:set>
+                                    <p:animEffect transition="in" filter="fade">
+                                      <p:cBhvr>
+                                        <p:cTn id="23" dur="500"/>
+                                        <p:tgtEl>
+                                          <p:spTgt spid="14">
+                                            <p:txEl>
+                                              <p:pRg st="3" end="3"/>
+                                            </p:txEl>
+                                          </p:spTgt>
+                                        </p:tgtEl>
+                                      </p:cBhvr>
+                                    </p:animEffect>
+                                  </p:childTnLst>
+                                </p:cTn>
+                              </p:par>
+                            </p:childTnLst>
+                          </p:cTn>
+                        </p:par>
+                        <p:par>
+                          <p:cTn id="24" fill="hold">
+                            <p:stCondLst>
+                              <p:cond delay="2500"/>
+                            </p:stCondLst>
+                            <p:childTnLst>
+                              <p:par>
+                                <p:cTn id="25" presetID="10" presetClass="entr" presetSubtype="0" fill="hold" grpId="0" nodeType="afterEffect">
+                                  <p:stCondLst>
+                                    <p:cond delay="0"/>
+                                  </p:stCondLst>
+                                  <p:childTnLst>
+                                    <p:set>
+                                      <p:cBhvr>
+                                        <p:cTn id="26" dur="1" fill="hold">
+                                          <p:stCondLst>
+                                            <p:cond delay="0"/>
+                                          </p:stCondLst>
+                                        </p:cTn>
+                                        <p:tgtEl>
+                                          <p:spTgt spid="14">
+                                            <p:txEl>
+                                              <p:pRg st="4" end="4"/>
+                                            </p:txEl>
+                                          </p:spTgt>
+                                        </p:tgtEl>
+                                        <p:attrNameLst>
+                                          <p:attrName>style.visibility</p:attrName>
+                                        </p:attrNameLst>
+                                      </p:cBhvr>
+                                      <p:to>
+                                        <p:strVal val="visible"/>
+                                      </p:to>
+                                    </p:set>
+                                    <p:animEffect transition="in" filter="fade">
+                                      <p:cBhvr>
+                                        <p:cTn id="27" dur="500"/>
+                                        <p:tgtEl>
+                                          <p:spTgt spid="14">
+                                            <p:txEl>
+                                              <p:pRg st="4" end="4"/>
+                                            </p:txEl>
+                                          </p:spTgt>
+                                        </p:tgtEl>
+                                      </p:cBhvr>
+                                    </p:animEffect>
+                                  </p:childTnLst>
+                                </p:cTn>
+                              </p:par>
+                            </p:childTnLst>
+                          </p:cTn>
+                        </p:par>
+                        <p:par>
+                          <p:cTn id="28" fill="hold">
+                            <p:stCondLst>
+                              <p:cond delay="3000"/>
+                            </p:stCondLst>
+                            <p:childTnLst>
+                              <p:par>
+                                <p:cTn id="29" presetID="10" presetClass="entr" presetSubtype="0" fill="hold" grpId="0" nodeType="afterEffect">
+                                  <p:stCondLst>
+                                    <p:cond delay="0"/>
+                                  </p:stCondLst>
+                                  <p:childTnLst>
+                                    <p:set>
+                                      <p:cBhvr>
+                                        <p:cTn id="30" dur="1" fill="hold">
+                                          <p:stCondLst>
+                                            <p:cond delay="0"/>
+                                          </p:stCondLst>
+                                        </p:cTn>
+                                        <p:tgtEl>
+                                          <p:spTgt spid="14">
+                                            <p:txEl>
+                                              <p:pRg st="5" end="5"/>
+                                            </p:txEl>
+                                          </p:spTgt>
+                                        </p:tgtEl>
+                                        <p:attrNameLst>
+                                          <p:attrName>style.visibility</p:attrName>
+                                        </p:attrNameLst>
+                                      </p:cBhvr>
+                                      <p:to>
+                                        <p:strVal val="visible"/>
+                                      </p:to>
+                                    </p:set>
+                                    <p:animEffect transition="in" filter="fade">
+                                      <p:cBhvr>
+                                        <p:cTn id="31" dur="500"/>
+                                        <p:tgtEl>
+                                          <p:spTgt spid="14">
+                                            <p:txEl>
+                                              <p:pRg st="5" end="5"/>
+                                            </p:txEl>
+                                          </p:spTgt>
+                                        </p:tgtEl>
+                                      </p:cBhvr>
+                                    </p:animEffect>
+                                  </p:childTnLst>
+                                </p:cTn>
+                              </p:par>
+                            </p:childTnLst>
+                          </p:cTn>
+                        </p:par>
+                        <p:par>
+                          <p:cTn id="32" fill="hold">
+                            <p:stCondLst>
+                              <p:cond delay="3500"/>
+                            </p:stCondLst>
+                            <p:childTnLst>
+                              <p:par>
+                                <p:cTn id="33" presetID="10" presetClass="entr" presetSubtype="0" fill="hold" grpId="0" nodeType="afterEffect">
+                                  <p:stCondLst>
+                                    <p:cond delay="0"/>
+                                  </p:stCondLst>
+                                  <p:childTnLst>
+                                    <p:set>
+                                      <p:cBhvr>
+                                        <p:cTn id="34" dur="1" fill="hold">
+                                          <p:stCondLst>
+                                            <p:cond delay="0"/>
+                                          </p:stCondLst>
+                                        </p:cTn>
+                                        <p:tgtEl>
+                                          <p:spTgt spid="14">
+                                            <p:txEl>
+                                              <p:pRg st="6" end="6"/>
+                                            </p:txEl>
+                                          </p:spTgt>
+                                        </p:tgtEl>
+                                        <p:attrNameLst>
+                                          <p:attrName>style.visibility</p:attrName>
+                                        </p:attrNameLst>
+                                      </p:cBhvr>
+                                      <p:to>
+                                        <p:strVal val="visible"/>
+                                      </p:to>
+                                    </p:set>
+                                    <p:animEffect transition="in" filter="fade">
+                                      <p:cBhvr>
+                                        <p:cTn id="35" dur="500"/>
+                                        <p:tgtEl>
+                                          <p:spTgt spid="14">
+                                            <p:txEl>
+                                              <p:pRg st="6" end="6"/>
+                                            </p:txEl>
+                                          </p:spTgt>
+                                        </p:tgtEl>
+                                      </p:cBhvr>
+                                    </p:animEffect>
+                                  </p:childTnLst>
+                                </p:cTn>
+                              </p:par>
+                            </p:childTnLst>
+                          </p:cTn>
+                        </p:par>
+                        <p:par>
+                          <p:cTn id="36" fill="hold">
+                            <p:stCondLst>
+                              <p:cond delay="4000"/>
+                            </p:stCondLst>
+                            <p:childTnLst>
+                              <p:par>
+                                <p:cTn id="37" presetID="10" presetClass="entr" presetSubtype="0" fill="hold" grpId="0" nodeType="afterEffect">
+                                  <p:stCondLst>
+                                    <p:cond delay="0"/>
+                                  </p:stCondLst>
+                                  <p:childTnLst>
+                                    <p:set>
+                                      <p:cBhvr>
+                                        <p:cTn id="38" dur="1" fill="hold">
+                                          <p:stCondLst>
+                                            <p:cond delay="0"/>
+                                          </p:stCondLst>
+                                        </p:cTn>
+                                        <p:tgtEl>
+                                          <p:spTgt spid="14">
+                                            <p:txEl>
+                                              <p:pRg st="7" end="7"/>
+                                            </p:txEl>
+                                          </p:spTgt>
+                                        </p:tgtEl>
+                                        <p:attrNameLst>
+                                          <p:attrName>style.visibility</p:attrName>
+                                        </p:attrNameLst>
+                                      </p:cBhvr>
+                                      <p:to>
+                                        <p:strVal val="visible"/>
+                                      </p:to>
+                                    </p:set>
+                                    <p:animEffect transition="in" filter="fade">
+                                      <p:cBhvr>
+                                        <p:cTn id="39" dur="500"/>
+                                        <p:tgtEl>
+                                          <p:spTgt spid="14">
+                                            <p:txEl>
+                                              <p:pRg st="7" end="7"/>
+                                            </p:txEl>
+                                          </p:spTgt>
+                                        </p:tgtEl>
+                                      </p:cBhvr>
+                                    </p:animEffect>
+                                  </p:childTnLst>
+                                </p:cTn>
+                              </p:par>
+                            </p:childTnLst>
+                          </p:cTn>
+                        </p:par>
+                      </p:childTnLst>
+                    </p:cTn>
+                  </p:par>
+                </p:childTnLst>
+              </p:cTn>
+              <p:prevCondLst>
+                <p:cond evt="onPrev" delay="0">
+                  <p:tgtEl>
+                    <p:sldTgt/>
+                  </p:tgtEl>
+                </p:cond>
+              </p:prevCondLst>
+              <p:nextCondLst>
+                <p:cond evt="onNext" delay="0">
+                  <p:tgtEl>
+                    <p:sldTgt/>
+                  </p:tgtEl>
+                </p:cond>
+              </p:nextCondLst>
+            </p:seq>
+          </p:childTnLst>
+        </p:cTn>
+      </p:par>
+    </p:tnLst>
+    <p:bldLst>
+      <p:bldP spid="13" grpId="0"/>
+      <p:bldP spid="14" grpId="0" build="p"/>
+    </p:bldLst>
+  </p:timing>
 </p:sld>
 </file>
 
@@ -16614,8 +21491,8 @@
           </a:p>
         </p:txBody>
       </p:sp>
-      <mc:AlternateContent xmlns:mc="http://schemas.openxmlformats.org/markup-compatibility/2006">
-        <mc:Choice xmlns:a14="http://schemas.microsoft.com/office/drawing/2010/main" Requires="a14">
+      <mc:AlternateContent xmlns:mc="http://schemas.openxmlformats.org/markup-compatibility/2006" xmlns:a14="http://schemas.microsoft.com/office/drawing/2010/main">
+        <mc:Choice Requires="a14">
           <p:sp>
             <p:nvSpPr>
               <p:cNvPr id="2" name="TextBox 1">
@@ -16644,6 +21521,7 @@
               </a:bodyPr>
               <a:lstStyle/>
               <a:p>
+                <a:pPr/>
                 <a14:m>
                   <m:oMathPara xmlns:m="http://schemas.openxmlformats.org/officeDocument/2006/math">
                     <m:oMathParaPr>
@@ -16860,7 +21738,7 @@
             </p:txBody>
           </p:sp>
         </mc:Choice>
-        <mc:Fallback>
+        <mc:Fallback xmlns="">
           <p:sp>
             <p:nvSpPr>
               <p:cNvPr id="2" name="TextBox 1">
@@ -16915,18 +21793,569 @@
   <p:clrMapOvr>
     <a:masterClrMapping/>
   </p:clrMapOvr>
-  <mc:AlternateContent xmlns:mc="http://schemas.openxmlformats.org/markup-compatibility/2006">
-    <mc:Choice xmlns:p14="http://schemas.microsoft.com/office/powerpoint/2010/main" Requires="p14">
+  <mc:AlternateContent xmlns:mc="http://schemas.openxmlformats.org/markup-compatibility/2006" xmlns:p14="http://schemas.microsoft.com/office/powerpoint/2010/main">
+    <mc:Choice Requires="p14">
       <p:transition spd="med" p14:dur="700">
         <p:fade/>
       </p:transition>
     </mc:Choice>
-    <mc:Fallback>
+    <mc:Fallback xmlns="">
       <p:transition spd="med">
         <p:fade/>
       </p:transition>
     </mc:Fallback>
   </mc:AlternateContent>
+  <p:timing>
+    <p:tnLst>
+      <p:par>
+        <p:cTn id="1" dur="indefinite" restart="never" nodeType="tmRoot">
+          <p:childTnLst>
+            <p:seq concurrent="1" nextAc="seek">
+              <p:cTn id="2" dur="indefinite" nodeType="mainSeq">
+                <p:childTnLst>
+                  <p:par>
+                    <p:cTn id="3" fill="hold">
+                      <p:stCondLst>
+                        <p:cond delay="indefinite"/>
+                        <p:cond evt="onBegin" delay="0">
+                          <p:tn val="2"/>
+                        </p:cond>
+                      </p:stCondLst>
+                      <p:childTnLst>
+                        <p:par>
+                          <p:cTn id="4" fill="hold">
+                            <p:stCondLst>
+                              <p:cond delay="0"/>
+                            </p:stCondLst>
+                            <p:childTnLst>
+                              <p:par>
+                                <p:cTn id="5" presetID="10" presetClass="entr" presetSubtype="0" fill="hold" grpId="0" nodeType="withEffect">
+                                  <p:stCondLst>
+                                    <p:cond delay="0"/>
+                                  </p:stCondLst>
+                                  <p:childTnLst>
+                                    <p:set>
+                                      <p:cBhvr>
+                                        <p:cTn id="6" dur="1" fill="hold">
+                                          <p:stCondLst>
+                                            <p:cond delay="0"/>
+                                          </p:stCondLst>
+                                        </p:cTn>
+                                        <p:tgtEl>
+                                          <p:spTgt spid="13"/>
+                                        </p:tgtEl>
+                                        <p:attrNameLst>
+                                          <p:attrName>style.visibility</p:attrName>
+                                        </p:attrNameLst>
+                                      </p:cBhvr>
+                                      <p:to>
+                                        <p:strVal val="visible"/>
+                                      </p:to>
+                                    </p:set>
+                                    <p:animEffect transition="in" filter="fade">
+                                      <p:cBhvr>
+                                        <p:cTn id="7" dur="500"/>
+                                        <p:tgtEl>
+                                          <p:spTgt spid="13"/>
+                                        </p:tgtEl>
+                                      </p:cBhvr>
+                                    </p:animEffect>
+                                  </p:childTnLst>
+                                </p:cTn>
+                              </p:par>
+                            </p:childTnLst>
+                          </p:cTn>
+                        </p:par>
+                        <p:par>
+                          <p:cTn id="8" fill="hold">
+                            <p:stCondLst>
+                              <p:cond delay="500"/>
+                            </p:stCondLst>
+                            <p:childTnLst>
+                              <p:par>
+                                <p:cTn id="9" presetID="10" presetClass="entr" presetSubtype="0" fill="hold" grpId="0" nodeType="afterEffect">
+                                  <p:stCondLst>
+                                    <p:cond delay="0"/>
+                                  </p:stCondLst>
+                                  <p:childTnLst>
+                                    <p:set>
+                                      <p:cBhvr>
+                                        <p:cTn id="10" dur="1" fill="hold">
+                                          <p:stCondLst>
+                                            <p:cond delay="0"/>
+                                          </p:stCondLst>
+                                        </p:cTn>
+                                        <p:tgtEl>
+                                          <p:spTgt spid="14">
+                                            <p:txEl>
+                                              <p:pRg st="0" end="0"/>
+                                            </p:txEl>
+                                          </p:spTgt>
+                                        </p:tgtEl>
+                                        <p:attrNameLst>
+                                          <p:attrName>style.visibility</p:attrName>
+                                        </p:attrNameLst>
+                                      </p:cBhvr>
+                                      <p:to>
+                                        <p:strVal val="visible"/>
+                                      </p:to>
+                                    </p:set>
+                                    <p:animEffect transition="in" filter="fade">
+                                      <p:cBhvr>
+                                        <p:cTn id="11" dur="500"/>
+                                        <p:tgtEl>
+                                          <p:spTgt spid="14">
+                                            <p:txEl>
+                                              <p:pRg st="0" end="0"/>
+                                            </p:txEl>
+                                          </p:spTgt>
+                                        </p:tgtEl>
+                                      </p:cBhvr>
+                                    </p:animEffect>
+                                  </p:childTnLst>
+                                </p:cTn>
+                              </p:par>
+                            </p:childTnLst>
+                          </p:cTn>
+                        </p:par>
+                        <p:par>
+                          <p:cTn id="12" fill="hold">
+                            <p:stCondLst>
+                              <p:cond delay="1000"/>
+                            </p:stCondLst>
+                            <p:childTnLst>
+                              <p:par>
+                                <p:cTn id="13" presetID="10" presetClass="entr" presetSubtype="0" fill="hold" grpId="0" nodeType="afterEffect">
+                                  <p:stCondLst>
+                                    <p:cond delay="0"/>
+                                  </p:stCondLst>
+                                  <p:childTnLst>
+                                    <p:set>
+                                      <p:cBhvr>
+                                        <p:cTn id="14" dur="1" fill="hold">
+                                          <p:stCondLst>
+                                            <p:cond delay="0"/>
+                                          </p:stCondLst>
+                                        </p:cTn>
+                                        <p:tgtEl>
+                                          <p:spTgt spid="14">
+                                            <p:txEl>
+                                              <p:pRg st="1" end="1"/>
+                                            </p:txEl>
+                                          </p:spTgt>
+                                        </p:tgtEl>
+                                        <p:attrNameLst>
+                                          <p:attrName>style.visibility</p:attrName>
+                                        </p:attrNameLst>
+                                      </p:cBhvr>
+                                      <p:to>
+                                        <p:strVal val="visible"/>
+                                      </p:to>
+                                    </p:set>
+                                    <p:animEffect transition="in" filter="fade">
+                                      <p:cBhvr>
+                                        <p:cTn id="15" dur="500"/>
+                                        <p:tgtEl>
+                                          <p:spTgt spid="14">
+                                            <p:txEl>
+                                              <p:pRg st="1" end="1"/>
+                                            </p:txEl>
+                                          </p:spTgt>
+                                        </p:tgtEl>
+                                      </p:cBhvr>
+                                    </p:animEffect>
+                                  </p:childTnLst>
+                                </p:cTn>
+                              </p:par>
+                            </p:childTnLst>
+                          </p:cTn>
+                        </p:par>
+                        <p:par>
+                          <p:cTn id="16" fill="hold">
+                            <p:stCondLst>
+                              <p:cond delay="1500"/>
+                            </p:stCondLst>
+                            <p:childTnLst>
+                              <p:par>
+                                <p:cTn id="17" presetID="10" presetClass="entr" presetSubtype="0" fill="hold" grpId="0" nodeType="afterEffect">
+                                  <p:stCondLst>
+                                    <p:cond delay="0"/>
+                                  </p:stCondLst>
+                                  <p:childTnLst>
+                                    <p:set>
+                                      <p:cBhvr>
+                                        <p:cTn id="18" dur="1" fill="hold">
+                                          <p:stCondLst>
+                                            <p:cond delay="0"/>
+                                          </p:stCondLst>
+                                        </p:cTn>
+                                        <p:tgtEl>
+                                          <p:spTgt spid="14">
+                                            <p:txEl>
+                                              <p:pRg st="2" end="2"/>
+                                            </p:txEl>
+                                          </p:spTgt>
+                                        </p:tgtEl>
+                                        <p:attrNameLst>
+                                          <p:attrName>style.visibility</p:attrName>
+                                        </p:attrNameLst>
+                                      </p:cBhvr>
+                                      <p:to>
+                                        <p:strVal val="visible"/>
+                                      </p:to>
+                                    </p:set>
+                                    <p:animEffect transition="in" filter="fade">
+                                      <p:cBhvr>
+                                        <p:cTn id="19" dur="500"/>
+                                        <p:tgtEl>
+                                          <p:spTgt spid="14">
+                                            <p:txEl>
+                                              <p:pRg st="2" end="2"/>
+                                            </p:txEl>
+                                          </p:spTgt>
+                                        </p:tgtEl>
+                                      </p:cBhvr>
+                                    </p:animEffect>
+                                  </p:childTnLst>
+                                </p:cTn>
+                              </p:par>
+                            </p:childTnLst>
+                          </p:cTn>
+                        </p:par>
+                        <p:par>
+                          <p:cTn id="20" fill="hold">
+                            <p:stCondLst>
+                              <p:cond delay="2000"/>
+                            </p:stCondLst>
+                            <p:childTnLst>
+                              <p:par>
+                                <p:cTn id="21" presetID="10" presetClass="entr" presetSubtype="0" fill="hold" grpId="0" nodeType="afterEffect">
+                                  <p:stCondLst>
+                                    <p:cond delay="0"/>
+                                  </p:stCondLst>
+                                  <p:childTnLst>
+                                    <p:set>
+                                      <p:cBhvr>
+                                        <p:cTn id="22" dur="1" fill="hold">
+                                          <p:stCondLst>
+                                            <p:cond delay="0"/>
+                                          </p:stCondLst>
+                                        </p:cTn>
+                                        <p:tgtEl>
+                                          <p:spTgt spid="14">
+                                            <p:txEl>
+                                              <p:pRg st="3" end="3"/>
+                                            </p:txEl>
+                                          </p:spTgt>
+                                        </p:tgtEl>
+                                        <p:attrNameLst>
+                                          <p:attrName>style.visibility</p:attrName>
+                                        </p:attrNameLst>
+                                      </p:cBhvr>
+                                      <p:to>
+                                        <p:strVal val="visible"/>
+                                      </p:to>
+                                    </p:set>
+                                    <p:animEffect transition="in" filter="fade">
+                                      <p:cBhvr>
+                                        <p:cTn id="23" dur="500"/>
+                                        <p:tgtEl>
+                                          <p:spTgt spid="14">
+                                            <p:txEl>
+                                              <p:pRg st="3" end="3"/>
+                                            </p:txEl>
+                                          </p:spTgt>
+                                        </p:tgtEl>
+                                      </p:cBhvr>
+                                    </p:animEffect>
+                                  </p:childTnLst>
+                                </p:cTn>
+                              </p:par>
+                            </p:childTnLst>
+                          </p:cTn>
+                        </p:par>
+                        <p:par>
+                          <p:cTn id="24" fill="hold">
+                            <p:stCondLst>
+                              <p:cond delay="2500"/>
+                            </p:stCondLst>
+                            <p:childTnLst>
+                              <p:par>
+                                <p:cTn id="25" presetID="10" presetClass="entr" presetSubtype="0" fill="hold" grpId="0" nodeType="afterEffect">
+                                  <p:stCondLst>
+                                    <p:cond delay="0"/>
+                                  </p:stCondLst>
+                                  <p:childTnLst>
+                                    <p:set>
+                                      <p:cBhvr>
+                                        <p:cTn id="26" dur="1" fill="hold">
+                                          <p:stCondLst>
+                                            <p:cond delay="0"/>
+                                          </p:stCondLst>
+                                        </p:cTn>
+                                        <p:tgtEl>
+                                          <p:spTgt spid="14">
+                                            <p:txEl>
+                                              <p:pRg st="4" end="4"/>
+                                            </p:txEl>
+                                          </p:spTgt>
+                                        </p:tgtEl>
+                                        <p:attrNameLst>
+                                          <p:attrName>style.visibility</p:attrName>
+                                        </p:attrNameLst>
+                                      </p:cBhvr>
+                                      <p:to>
+                                        <p:strVal val="visible"/>
+                                      </p:to>
+                                    </p:set>
+                                    <p:animEffect transition="in" filter="fade">
+                                      <p:cBhvr>
+                                        <p:cTn id="27" dur="500"/>
+                                        <p:tgtEl>
+                                          <p:spTgt spid="14">
+                                            <p:txEl>
+                                              <p:pRg st="4" end="4"/>
+                                            </p:txEl>
+                                          </p:spTgt>
+                                        </p:tgtEl>
+                                      </p:cBhvr>
+                                    </p:animEffect>
+                                  </p:childTnLst>
+                                </p:cTn>
+                              </p:par>
+                            </p:childTnLst>
+                          </p:cTn>
+                        </p:par>
+                        <p:par>
+                          <p:cTn id="28" fill="hold">
+                            <p:stCondLst>
+                              <p:cond delay="3000"/>
+                            </p:stCondLst>
+                            <p:childTnLst>
+                              <p:par>
+                                <p:cTn id="29" presetID="10" presetClass="entr" presetSubtype="0" fill="hold" grpId="0" nodeType="afterEffect">
+                                  <p:stCondLst>
+                                    <p:cond delay="0"/>
+                                  </p:stCondLst>
+                                  <p:childTnLst>
+                                    <p:set>
+                                      <p:cBhvr>
+                                        <p:cTn id="30" dur="1" fill="hold">
+                                          <p:stCondLst>
+                                            <p:cond delay="0"/>
+                                          </p:stCondLst>
+                                        </p:cTn>
+                                        <p:tgtEl>
+                                          <p:spTgt spid="14">
+                                            <p:txEl>
+                                              <p:pRg st="5" end="5"/>
+                                            </p:txEl>
+                                          </p:spTgt>
+                                        </p:tgtEl>
+                                        <p:attrNameLst>
+                                          <p:attrName>style.visibility</p:attrName>
+                                        </p:attrNameLst>
+                                      </p:cBhvr>
+                                      <p:to>
+                                        <p:strVal val="visible"/>
+                                      </p:to>
+                                    </p:set>
+                                    <p:animEffect transition="in" filter="fade">
+                                      <p:cBhvr>
+                                        <p:cTn id="31" dur="500"/>
+                                        <p:tgtEl>
+                                          <p:spTgt spid="14">
+                                            <p:txEl>
+                                              <p:pRg st="5" end="5"/>
+                                            </p:txEl>
+                                          </p:spTgt>
+                                        </p:tgtEl>
+                                      </p:cBhvr>
+                                    </p:animEffect>
+                                  </p:childTnLst>
+                                </p:cTn>
+                              </p:par>
+                            </p:childTnLst>
+                          </p:cTn>
+                        </p:par>
+                        <p:par>
+                          <p:cTn id="32" fill="hold">
+                            <p:stCondLst>
+                              <p:cond delay="3500"/>
+                            </p:stCondLst>
+                            <p:childTnLst>
+                              <p:par>
+                                <p:cTn id="33" presetID="10" presetClass="entr" presetSubtype="0" fill="hold" grpId="0" nodeType="afterEffect">
+                                  <p:stCondLst>
+                                    <p:cond delay="0"/>
+                                  </p:stCondLst>
+                                  <p:childTnLst>
+                                    <p:set>
+                                      <p:cBhvr>
+                                        <p:cTn id="34" dur="1" fill="hold">
+                                          <p:stCondLst>
+                                            <p:cond delay="0"/>
+                                          </p:stCondLst>
+                                        </p:cTn>
+                                        <p:tgtEl>
+                                          <p:spTgt spid="14">
+                                            <p:txEl>
+                                              <p:pRg st="6" end="6"/>
+                                            </p:txEl>
+                                          </p:spTgt>
+                                        </p:tgtEl>
+                                        <p:attrNameLst>
+                                          <p:attrName>style.visibility</p:attrName>
+                                        </p:attrNameLst>
+                                      </p:cBhvr>
+                                      <p:to>
+                                        <p:strVal val="visible"/>
+                                      </p:to>
+                                    </p:set>
+                                    <p:animEffect transition="in" filter="fade">
+                                      <p:cBhvr>
+                                        <p:cTn id="35" dur="500"/>
+                                        <p:tgtEl>
+                                          <p:spTgt spid="14">
+                                            <p:txEl>
+                                              <p:pRg st="6" end="6"/>
+                                            </p:txEl>
+                                          </p:spTgt>
+                                        </p:tgtEl>
+                                      </p:cBhvr>
+                                    </p:animEffect>
+                                  </p:childTnLst>
+                                </p:cTn>
+                              </p:par>
+                            </p:childTnLst>
+                          </p:cTn>
+                        </p:par>
+                        <p:par>
+                          <p:cTn id="36" fill="hold">
+                            <p:stCondLst>
+                              <p:cond delay="4000"/>
+                            </p:stCondLst>
+                            <p:childTnLst>
+                              <p:par>
+                                <p:cTn id="37" presetID="10" presetClass="entr" presetSubtype="0" fill="hold" grpId="0" nodeType="afterEffect">
+                                  <p:stCondLst>
+                                    <p:cond delay="0"/>
+                                  </p:stCondLst>
+                                  <p:childTnLst>
+                                    <p:set>
+                                      <p:cBhvr>
+                                        <p:cTn id="38" dur="1" fill="hold">
+                                          <p:stCondLst>
+                                            <p:cond delay="0"/>
+                                          </p:stCondLst>
+                                        </p:cTn>
+                                        <p:tgtEl>
+                                          <p:spTgt spid="14">
+                                            <p:txEl>
+                                              <p:pRg st="7" end="7"/>
+                                            </p:txEl>
+                                          </p:spTgt>
+                                        </p:tgtEl>
+                                        <p:attrNameLst>
+                                          <p:attrName>style.visibility</p:attrName>
+                                        </p:attrNameLst>
+                                      </p:cBhvr>
+                                      <p:to>
+                                        <p:strVal val="visible"/>
+                                      </p:to>
+                                    </p:set>
+                                    <p:animEffect transition="in" filter="fade">
+                                      <p:cBhvr>
+                                        <p:cTn id="39" dur="500"/>
+                                        <p:tgtEl>
+                                          <p:spTgt spid="14">
+                                            <p:txEl>
+                                              <p:pRg st="7" end="7"/>
+                                            </p:txEl>
+                                          </p:spTgt>
+                                        </p:tgtEl>
+                                      </p:cBhvr>
+                                    </p:animEffect>
+                                  </p:childTnLst>
+                                </p:cTn>
+                              </p:par>
+                            </p:childTnLst>
+                          </p:cTn>
+                        </p:par>
+                        <p:par>
+                          <p:cTn id="40" fill="hold">
+                            <p:stCondLst>
+                              <p:cond delay="4500"/>
+                            </p:stCondLst>
+                            <p:childTnLst>
+                              <p:par>
+                                <p:cTn id="41" presetID="10" presetClass="entr" presetSubtype="0" fill="hold" grpId="0" nodeType="afterEffect">
+                                  <p:stCondLst>
+                                    <p:cond delay="0"/>
+                                  </p:stCondLst>
+                                  <p:childTnLst>
+                                    <p:set>
+                                      <p:cBhvr>
+                                        <p:cTn id="42" dur="1" fill="hold">
+                                          <p:stCondLst>
+                                            <p:cond delay="0"/>
+                                          </p:stCondLst>
+                                        </p:cTn>
+                                        <p:tgtEl>
+                                          <p:spTgt spid="2"/>
+                                        </p:tgtEl>
+                                        <p:attrNameLst>
+                                          <p:attrName>style.visibility</p:attrName>
+                                        </p:attrNameLst>
+                                      </p:cBhvr>
+                                      <p:to>
+                                        <p:strVal val="visible"/>
+                                      </p:to>
+                                    </p:set>
+                                    <p:animEffect transition="in" filter="fade">
+                                      <p:cBhvr>
+                                        <p:cTn id="43" dur="500"/>
+                                        <p:tgtEl>
+                                          <p:spTgt spid="2"/>
+                                        </p:tgtEl>
+                                      </p:cBhvr>
+                                    </p:animEffect>
+                                  </p:childTnLst>
+                                </p:cTn>
+                              </p:par>
+                            </p:childTnLst>
+                          </p:cTn>
+                        </p:par>
+                      </p:childTnLst>
+                    </p:cTn>
+                  </p:par>
+                </p:childTnLst>
+              </p:cTn>
+              <p:prevCondLst>
+                <p:cond evt="onPrev" delay="0">
+                  <p:tgtEl>
+                    <p:sldTgt/>
+                  </p:tgtEl>
+                </p:cond>
+              </p:prevCondLst>
+              <p:nextCondLst>
+                <p:cond evt="onNext" delay="0">
+                  <p:tgtEl>
+                    <p:sldTgt/>
+                  </p:tgtEl>
+                </p:cond>
+              </p:nextCondLst>
+            </p:seq>
+          </p:childTnLst>
+        </p:cTn>
+      </p:par>
+    </p:tnLst>
+    <p:bldLst>
+      <p:bldP spid="13" grpId="0"/>
+      <p:bldP spid="14" grpId="0" build="p"/>
+      <p:bldP spid="2" grpId="0"/>
+    </p:bldLst>
+  </p:timing>
 </p:sld>
 </file>
 

--- a/EM-Explanation/Méthode Probabiliste.pptx
+++ b/EM-Explanation/Méthode Probabiliste.pptx
@@ -251,7 +251,7 @@
             <a:pPr rtl="0"/>
             <a:fld id="{C402F678-F322-436F-969F-581A681A4022}" type="datetime1">
               <a:rPr lang="en-GB" smtClean="0"/>
-              <a:t>24/01/2024</a:t>
+              <a:t>12/02/2024</a:t>
             </a:fld>
             <a:endParaRPr lang="en-GB" dirty="0"/>
           </a:p>
@@ -429,7 +429,7 @@
             <a:pPr rtl="0"/>
             <a:fld id="{F5F85D5D-D531-4EF4-BBA5-13F53735D17A}" type="datetime1">
               <a:rPr lang="en-GB" noProof="0" smtClean="0"/>
-              <a:t>24/01/2024</a:t>
+              <a:t>12/02/2024</a:t>
             </a:fld>
             <a:endParaRPr lang="en-GB" noProof="0" dirty="0"/>
           </a:p>
@@ -3004,7 +3004,7 @@
             <a:pPr rtl="0"/>
             <a:fld id="{4553D316-16AB-42CE-89B2-F5A42FA03291}" type="datetime1">
               <a:rPr lang="en-GB" noProof="0" smtClean="0"/>
-              <a:t>24/01/2024</a:t>
+              <a:t>12/02/2024</a:t>
             </a:fld>
             <a:endParaRPr lang="en-GB" noProof="0" dirty="0"/>
           </a:p>
@@ -3231,7 +3231,7 @@
             <a:pPr rtl="0"/>
             <a:fld id="{575E590D-3E1C-4529-9FEB-6819CB8D64A4}" type="datetime1">
               <a:rPr lang="en-GB" noProof="0" smtClean="0"/>
-              <a:t>24/01/2024</a:t>
+              <a:t>12/02/2024</a:t>
             </a:fld>
             <a:endParaRPr lang="en-GB" noProof="0" dirty="0"/>
           </a:p>
@@ -4053,7 +4053,7 @@
             <a:pPr rtl="0"/>
             <a:fld id="{200C96D0-FA2C-4E12-9A01-4FB6EBCFF224}" type="datetime1">
               <a:rPr lang="en-GB" noProof="0" smtClean="0"/>
-              <a:t>24/01/2024</a:t>
+              <a:t>12/02/2024</a:t>
             </a:fld>
             <a:endParaRPr lang="en-GB" noProof="0" dirty="0"/>
           </a:p>
@@ -4258,7 +4258,7 @@
             <a:pPr rtl="0"/>
             <a:fld id="{22D90D2D-092C-49A5-8BDF-9B6C10AEC9FC}" type="datetime1">
               <a:rPr lang="en-GB" noProof="0" smtClean="0"/>
-              <a:t>24/01/2024</a:t>
+              <a:t>12/02/2024</a:t>
             </a:fld>
             <a:endParaRPr lang="en-GB" noProof="0" dirty="0"/>
           </a:p>
@@ -5527,7 +5527,7 @@
             <a:pPr rtl="0"/>
             <a:fld id="{3D514119-688F-4086-B70F-3CB79DC41DC9}" type="datetime1">
               <a:rPr lang="en-GB" noProof="0" smtClean="0"/>
-              <a:t>24/01/2024</a:t>
+              <a:t>12/02/2024</a:t>
             </a:fld>
             <a:endParaRPr lang="en-GB" noProof="0" dirty="0"/>
           </a:p>
@@ -5856,7 +5856,7 @@
             <a:pPr rtl="0"/>
             <a:fld id="{057B89F6-C2AB-4CD5-9F8D-55CF144CE776}" type="datetime1">
               <a:rPr lang="en-GB" noProof="0" smtClean="0"/>
-              <a:t>24/01/2024</a:t>
+              <a:t>12/02/2024</a:t>
             </a:fld>
             <a:endParaRPr lang="en-GB" noProof="0" dirty="0"/>
           </a:p>
@@ -6311,7 +6311,7 @@
             <a:pPr rtl="0"/>
             <a:fld id="{A097697C-5D26-4A25-83C8-130BCFF33A0F}" type="datetime1">
               <a:rPr lang="en-GB" noProof="0" smtClean="0"/>
-              <a:t>24/01/2024</a:t>
+              <a:t>12/02/2024</a:t>
             </a:fld>
             <a:endParaRPr lang="en-GB" noProof="0" dirty="0"/>
           </a:p>
@@ -6448,7 +6448,7 @@
             <a:pPr rtl="0"/>
             <a:fld id="{35CAEDCB-3F75-4B4A-ABAC-AA9986258E89}" type="datetime1">
               <a:rPr lang="en-GB" noProof="0" smtClean="0"/>
-              <a:t>24/01/2024</a:t>
+              <a:t>12/02/2024</a:t>
             </a:fld>
             <a:endParaRPr lang="en-GB" noProof="0" dirty="0"/>
           </a:p>
@@ -6789,7 +6789,7 @@
             <a:pPr rtl="0"/>
             <a:fld id="{2554A435-6A9B-478B-BAEF-B997D7A6F641}" type="datetime1">
               <a:rPr lang="en-GB" noProof="0" smtClean="0"/>
-              <a:t>24/01/2024</a:t>
+              <a:t>12/02/2024</a:t>
             </a:fld>
             <a:endParaRPr lang="en-GB" noProof="0" dirty="0"/>
           </a:p>
@@ -7288,7 +7288,7 @@
             <a:pPr rtl="0"/>
             <a:fld id="{AEC45E7A-6BB3-4EC9-BCE8-88D7CA65CEB9}" type="datetime1">
               <a:rPr lang="en-GB" noProof="0" smtClean="0"/>
-              <a:t>24/01/2024</a:t>
+              <a:t>12/02/2024</a:t>
             </a:fld>
             <a:endParaRPr lang="en-GB" noProof="0" dirty="0"/>
           </a:p>
@@ -7744,7 +7744,7 @@
             <a:pPr rtl="0"/>
             <a:fld id="{1F4033CC-F025-4A3E-9666-3EBD09C60920}" type="datetime1">
               <a:rPr lang="en-GB" noProof="0" smtClean="0"/>
-              <a:t>24/01/2024</a:t>
+              <a:t>12/02/2024</a:t>
             </a:fld>
             <a:endParaRPr lang="en-GB" noProof="0" dirty="0"/>
           </a:p>
@@ -8649,7 +8649,7 @@
             <a:pPr rtl="0"/>
             <a:fld id="{00D867F5-F25C-4334-BEFF-CCB24DBFBEDC}" type="datetime1">
               <a:rPr lang="en-GB" noProof="0" smtClean="0"/>
-              <a:t>24/01/2024</a:t>
+              <a:t>12/02/2024</a:t>
             </a:fld>
             <a:endParaRPr lang="en-GB" noProof="0" dirty="0"/>
           </a:p>
@@ -9557,13 +9557,13 @@
   <p:clrMapOvr>
     <a:masterClrMapping/>
   </p:clrMapOvr>
-  <mc:AlternateContent xmlns:mc="http://schemas.openxmlformats.org/markup-compatibility/2006">
-    <mc:Choice xmlns:p14="http://schemas.microsoft.com/office/powerpoint/2010/main" Requires="p14">
+  <mc:AlternateContent xmlns:mc="http://schemas.openxmlformats.org/markup-compatibility/2006" xmlns:p14="http://schemas.microsoft.com/office/powerpoint/2010/main">
+    <mc:Choice Requires="p14">
       <p:transition spd="med" p14:dur="700">
         <p:fade/>
       </p:transition>
     </mc:Choice>
-    <mc:Fallback>
+    <mc:Fallback xmlns="">
       <p:transition spd="med">
         <p:fade/>
       </p:transition>
@@ -12408,7 +12408,40 @@
                 <a:latin typeface="Cambria Math" panose="02040503050406030204" pitchFamily="18" charset="0"/>
                 <a:ea typeface="Cambria Math" panose="02040503050406030204" pitchFamily="18" charset="0"/>
               </a:rPr>
-              <a:t>) est une méthode probabiliste pour l'apprentissage non supervisé qui utilise des modèles de mélange gaussien. Dans notre comparaison de deux ensembles de données, nous pouvons conclure que la méthode des k-moyennes semble être plus précise pour le regroupement que l'algorithme EM. Cela prouve les limites de l'algorithme EM qui est probablement dû à la convergence vers des maxima locaux.</a:t>
+              <a:t>) est une méthode probabiliste pour l'apprentissage non supervisé qui utilise des modèles de mélange gaussien. Dans notre comparaison de deux ensembles de données, nous pouvons conclure que </a:t>
+            </a:r>
+            <a:r>
+              <a:rPr lang="fr-FR" dirty="0"/>
+              <a:t>l’algorithme K-</a:t>
+            </a:r>
+            <a:r>
+              <a:rPr lang="fr-FR" dirty="0" err="1"/>
+              <a:t>means</a:t>
+            </a:r>
+            <a:r>
+              <a:rPr lang="fr-FR" dirty="0"/>
+              <a:t> </a:t>
+            </a:r>
+            <a:r>
+              <a:rPr lang="fr-FR" dirty="0">
+                <a:latin typeface="Cambria Math" panose="02040503050406030204" pitchFamily="18" charset="0"/>
+                <a:ea typeface="Cambria Math" panose="02040503050406030204" pitchFamily="18" charset="0"/>
+              </a:rPr>
+              <a:t>semble être plus précise pour </a:t>
+            </a:r>
+            <a:r>
+              <a:rPr lang="fr-FR">
+                <a:latin typeface="Cambria Math" panose="02040503050406030204" pitchFamily="18" charset="0"/>
+                <a:ea typeface="Cambria Math" panose="02040503050406030204" pitchFamily="18" charset="0"/>
+              </a:rPr>
+              <a:t>le clustering </a:t>
+            </a:r>
+            <a:r>
+              <a:rPr lang="fr-FR" dirty="0">
+                <a:latin typeface="Cambria Math" panose="02040503050406030204" pitchFamily="18" charset="0"/>
+                <a:ea typeface="Cambria Math" panose="02040503050406030204" pitchFamily="18" charset="0"/>
+              </a:rPr>
+              <a:t>que l'algorithme EM. Cela prouve les limites de l'algorithme EM qui est probablement dû à la convergence vers des maxima locaux.</a:t>
             </a:r>
             <a:endParaRPr lang="en-GB" dirty="0">
               <a:latin typeface="Cambria Math" panose="02040503050406030204" pitchFamily="18" charset="0"/>
@@ -13573,13 +13606,13 @@
   <p:clrMapOvr>
     <a:masterClrMapping/>
   </p:clrMapOvr>
-  <mc:AlternateContent xmlns:mc="http://schemas.openxmlformats.org/markup-compatibility/2006">
-    <mc:Choice xmlns:p14="http://schemas.microsoft.com/office/powerpoint/2010/main" Requires="p14">
+  <mc:AlternateContent xmlns:mc="http://schemas.openxmlformats.org/markup-compatibility/2006" xmlns:p14="http://schemas.microsoft.com/office/powerpoint/2010/main">
+    <mc:Choice Requires="p14">
       <p:transition spd="med" p14:dur="700">
         <p:fade/>
       </p:transition>
     </mc:Choice>
-    <mc:Fallback>
+    <mc:Fallback xmlns="">
       <p:transition spd="med">
         <p:fade/>
       </p:transition>
@@ -15151,7 +15184,21 @@
                         <a:latin typeface="Cambria Math" panose="02040503050406030204" pitchFamily="18" charset="0"/>
                         <a:ea typeface="Cambria Math" panose="02040503050406030204" pitchFamily="18" charset="0"/>
                       </a:rPr>
-                      <m:t>𝑀𝑢𝑙𝑡𝑖𝑛𝑜𝑚𝑖𝑎𝑙𝑒</m:t>
+                      <m:t>𝐶𝑎𝑡</m:t>
+                    </m:r>
+                    <m:r>
+                      <a:rPr lang="en-US" sz="2400" b="0" i="1" dirty="0" smtClean="0">
+                        <a:latin typeface="Cambria Math" panose="02040503050406030204" pitchFamily="18" charset="0"/>
+                        <a:ea typeface="Cambria Math" panose="02040503050406030204" pitchFamily="18" charset="0"/>
+                      </a:rPr>
+                      <m:t>é</m:t>
+                    </m:r>
+                    <m:r>
+                      <a:rPr lang="en-US" sz="2400" b="0" i="1" dirty="0" smtClean="0">
+                        <a:latin typeface="Cambria Math" panose="02040503050406030204" pitchFamily="18" charset="0"/>
+                        <a:ea typeface="Cambria Math" panose="02040503050406030204" pitchFamily="18" charset="0"/>
+                      </a:rPr>
+                      <m:t>𝑔𝑜𝑟𝑖𝑎𝑙𝑒</m:t>
                     </m:r>
                     <m:d>
                       <m:dPr>
